--- a/Bemutató1.pptx
+++ b/Bemutató1.pptx
@@ -2,7 +2,7 @@
 <file path=ppt/presentation.xml><?xml version="1.0" encoding="utf-8"?>
 <p:presentation xmlns:a="http://schemas.openxmlformats.org/drawingml/2006/main" xmlns:r="http://schemas.openxmlformats.org/officeDocument/2006/relationships" xmlns:p="http://schemas.openxmlformats.org/presentationml/2006/main" saveSubsetFonts="1">
   <p:sldMasterIdLst>
-    <p:sldMasterId id="2147483787" r:id="rId1"/>
+    <p:sldMasterId id="2147483874" r:id="rId1"/>
   </p:sldMasterIdLst>
   <p:sldIdLst>
     <p:sldId id="256" r:id="rId2"/>
@@ -115,20 +115,17 @@
       </a:defRPr>
     </a:lvl9pPr>
   </p:defaultTextStyle>
+  <p:extLst>
+    <p:ext uri="{EFAFB233-063F-42B5-8137-9DF3F51BA10A}">
+      <p15:sldGuideLst xmlns:p15="http://schemas.microsoft.com/office/powerpoint/2012/main"/>
+    </p:ext>
+  </p:extLst>
 </p:presentation>
 </file>
 
 <file path=ppt/slideLayouts/slideLayout1.xml><?xml version="1.0" encoding="utf-8"?>
 <p:sldLayout xmlns:a="http://schemas.openxmlformats.org/drawingml/2006/main" xmlns:r="http://schemas.openxmlformats.org/officeDocument/2006/relationships" xmlns:p="http://schemas.openxmlformats.org/presentationml/2006/main" showMasterSp="0" type="title" preserve="1">
   <p:cSld name="Címdia">
-    <p:bg>
-      <p:bgPr>
-        <a:solidFill>
-          <a:schemeClr val="bg2"/>
-        </a:solidFill>
-        <a:effectLst/>
-      </p:bgPr>
-    </p:bg>
     <p:spTree>
       <p:nvGrpSpPr>
         <p:cNvPr id="1" name=""/>
@@ -143,248 +140,106 @@
           <a:chExt cx="0" cy="0"/>
         </a:xfrm>
       </p:grpSpPr>
-      <p:sp>
-        <p:nvSpPr>
-          <p:cNvPr id="2" name="Title 1"/>
-          <p:cNvSpPr>
-            <a:spLocks noGrp="1"/>
-          </p:cNvSpPr>
-          <p:nvPr>
-            <p:ph type="ctrTitle"/>
-          </p:nvPr>
-        </p:nvSpPr>
-        <p:spPr>
-          <a:xfrm>
-            <a:off x="1915128" y="1788454"/>
-            <a:ext cx="8361229" cy="2098226"/>
-          </a:xfrm>
-        </p:spPr>
-        <p:txBody>
-          <a:bodyPr anchor="b">
-            <a:noAutofit/>
-          </a:bodyPr>
-          <a:lstStyle>
-            <a:lvl1pPr algn="ctr">
-              <a:defRPr sz="7200" cap="all" baseline="0">
-                <a:solidFill>
-                  <a:schemeClr val="tx2"/>
-                </a:solidFill>
-              </a:defRPr>
-            </a:lvl1pPr>
-          </a:lstStyle>
-          <a:p>
-            <a:r>
-              <a:rPr lang="hu-HU" smtClean="0"/>
-              <a:t>Mintacím szerkesztése</a:t>
-            </a:r>
-            <a:endParaRPr lang="en-US" dirty="0"/>
-          </a:p>
-        </p:txBody>
-      </p:sp>
-      <p:sp>
-        <p:nvSpPr>
-          <p:cNvPr id="3" name="Subtitle 2"/>
-          <p:cNvSpPr>
-            <a:spLocks noGrp="1"/>
-          </p:cNvSpPr>
-          <p:nvPr>
-            <p:ph type="subTitle" idx="1"/>
-          </p:nvPr>
-        </p:nvSpPr>
-        <p:spPr>
-          <a:xfrm>
-            <a:off x="2679906" y="3956279"/>
-            <a:ext cx="6831673" cy="1086237"/>
-          </a:xfrm>
-        </p:spPr>
-        <p:txBody>
-          <a:bodyPr>
-            <a:normAutofit/>
-          </a:bodyPr>
-          <a:lstStyle>
-            <a:lvl1pPr marL="0" indent="0" algn="ctr">
-              <a:lnSpc>
-                <a:spcPct val="112000"/>
-              </a:lnSpc>
-              <a:spcBef>
-                <a:spcPts val="0"/>
-              </a:spcBef>
-              <a:spcAft>
-                <a:spcPts val="0"/>
-              </a:spcAft>
-              <a:buNone/>
-              <a:defRPr sz="2300"/>
-            </a:lvl1pPr>
-            <a:lvl2pPr marL="457200" indent="0" algn="ctr">
-              <a:buNone/>
-              <a:defRPr sz="2000"/>
-            </a:lvl2pPr>
-            <a:lvl3pPr marL="914400" indent="0" algn="ctr">
-              <a:buNone/>
-              <a:defRPr sz="1800"/>
-            </a:lvl3pPr>
-            <a:lvl4pPr marL="1371600" indent="0" algn="ctr">
-              <a:buNone/>
-              <a:defRPr sz="1600"/>
-            </a:lvl4pPr>
-            <a:lvl5pPr marL="1828800" indent="0" algn="ctr">
-              <a:buNone/>
-              <a:defRPr sz="1600"/>
-            </a:lvl5pPr>
-            <a:lvl6pPr marL="2286000" indent="0" algn="ctr">
-              <a:buNone/>
-              <a:defRPr sz="1600"/>
-            </a:lvl6pPr>
-            <a:lvl7pPr marL="2743200" indent="0" algn="ctr">
-              <a:buNone/>
-              <a:defRPr sz="1600"/>
-            </a:lvl7pPr>
-            <a:lvl8pPr marL="3200400" indent="0" algn="ctr">
-              <a:buNone/>
-              <a:defRPr sz="1600"/>
-            </a:lvl8pPr>
-            <a:lvl9pPr marL="3657600" indent="0" algn="ctr">
-              <a:buNone/>
-              <a:defRPr sz="1600"/>
-            </a:lvl9pPr>
-          </a:lstStyle>
-          <a:p>
-            <a:r>
-              <a:rPr lang="hu-HU" smtClean="0"/>
-              <a:t>Kattintson ide az alcím mintájának szerkesztéséhez</a:t>
-            </a:r>
-            <a:endParaRPr lang="en-US" dirty="0"/>
-          </a:p>
-        </p:txBody>
-      </p:sp>
-      <p:sp>
-        <p:nvSpPr>
-          <p:cNvPr id="4" name="Date Placeholder 3"/>
-          <p:cNvSpPr>
-            <a:spLocks noGrp="1"/>
-          </p:cNvSpPr>
-          <p:nvPr>
-            <p:ph type="dt" sz="half" idx="10"/>
-          </p:nvPr>
-        </p:nvSpPr>
-        <p:spPr>
-          <a:xfrm>
-            <a:off x="752858" y="6453386"/>
-            <a:ext cx="1607944" cy="404614"/>
-          </a:xfrm>
-        </p:spPr>
-        <p:txBody>
-          <a:bodyPr/>
-          <a:lstStyle>
-            <a:lvl1pPr>
-              <a:defRPr baseline="0">
-                <a:solidFill>
-                  <a:schemeClr val="tx2"/>
-                </a:solidFill>
-              </a:defRPr>
-            </a:lvl1pPr>
-          </a:lstStyle>
-          <a:p>
-            <a:fld id="{EA04F24A-984E-49E1-A489-BBAA7BA39510}" type="datetimeFigureOut">
-              <a:rPr lang="hu-HU" smtClean="0"/>
-              <a:t>2022.09.08.</a:t>
-            </a:fld>
-            <a:endParaRPr lang="hu-HU"/>
-          </a:p>
-        </p:txBody>
-      </p:sp>
-      <p:sp>
-        <p:nvSpPr>
-          <p:cNvPr id="5" name="Footer Placeholder 4"/>
-          <p:cNvSpPr>
-            <a:spLocks noGrp="1"/>
-          </p:cNvSpPr>
-          <p:nvPr>
-            <p:ph type="ftr" sz="quarter" idx="11"/>
-          </p:nvPr>
-        </p:nvSpPr>
-        <p:spPr>
-          <a:xfrm>
-            <a:off x="2584054" y="6453386"/>
-            <a:ext cx="7023377" cy="404614"/>
-          </a:xfrm>
-        </p:spPr>
-        <p:txBody>
-          <a:bodyPr/>
-          <a:lstStyle>
-            <a:lvl1pPr algn="ctr">
-              <a:defRPr baseline="0">
-                <a:solidFill>
-                  <a:schemeClr val="tx2"/>
-                </a:solidFill>
-              </a:defRPr>
-            </a:lvl1pPr>
-          </a:lstStyle>
-          <a:p>
-            <a:endParaRPr lang="hu-HU"/>
-          </a:p>
-        </p:txBody>
-      </p:sp>
-      <p:sp>
-        <p:nvSpPr>
-          <p:cNvPr id="6" name="Slide Number Placeholder 5"/>
-          <p:cNvSpPr>
-            <a:spLocks noGrp="1"/>
-          </p:cNvSpPr>
-          <p:nvPr>
-            <p:ph type="sldNum" sz="quarter" idx="12"/>
-          </p:nvPr>
-        </p:nvSpPr>
-        <p:spPr>
-          <a:xfrm>
-            <a:off x="9830683" y="6453386"/>
-            <a:ext cx="1596292" cy="404614"/>
-          </a:xfrm>
-        </p:spPr>
-        <p:txBody>
-          <a:bodyPr/>
-          <a:lstStyle>
-            <a:lvl1pPr>
-              <a:defRPr baseline="0">
-                <a:solidFill>
-                  <a:schemeClr val="tx2"/>
-                </a:solidFill>
-              </a:defRPr>
-            </a:lvl1pPr>
-          </a:lstStyle>
-          <a:p>
-            <a:fld id="{45D8FD6A-7BE7-455D-9B29-3F466719B09B}" type="slidenum">
-              <a:rPr lang="hu-HU" smtClean="0"/>
-              <a:t>‹#›</a:t>
-            </a:fld>
-            <a:endParaRPr lang="hu-HU"/>
-          </a:p>
-        </p:txBody>
-      </p:sp>
       <p:grpSp>
         <p:nvGrpSpPr>
-          <p:cNvPr id="7" name="Group 6"/>
+          <p:cNvPr id="8" name="Group 7"/>
           <p:cNvGrpSpPr/>
           <p:nvPr/>
         </p:nvGrpSpPr>
         <p:grpSpPr>
           <a:xfrm>
-            <a:off x="752858" y="744469"/>
-            <a:ext cx="10674117" cy="5349671"/>
-            <a:chOff x="752858" y="744469"/>
-            <a:chExt cx="10674117" cy="5349671"/>
+            <a:off x="0" y="-8467"/>
+            <a:ext cx="12192000" cy="6866467"/>
+            <a:chOff x="0" y="-8467"/>
+            <a:chExt cx="12192000" cy="6866467"/>
           </a:xfrm>
         </p:grpSpPr>
+        <p:cxnSp>
+          <p:nvCxnSpPr>
+            <p:cNvPr id="32" name="Straight Connector 31"/>
+            <p:cNvCxnSpPr/>
+            <p:nvPr/>
+          </p:nvCxnSpPr>
+          <p:spPr>
+            <a:xfrm>
+              <a:off x="9371012" y="0"/>
+              <a:ext cx="1219200" cy="6858000"/>
+            </a:xfrm>
+            <a:prstGeom prst="line">
+              <a:avLst/>
+            </a:prstGeom>
+            <a:ln w="9525">
+              <a:solidFill>
+                <a:schemeClr val="bg1">
+                  <a:lumMod val="85000"/>
+                  <a:lumOff val="15000"/>
+                </a:schemeClr>
+              </a:solidFill>
+            </a:ln>
+          </p:spPr>
+          <p:style>
+            <a:lnRef idx="2">
+              <a:schemeClr val="accent1"/>
+            </a:lnRef>
+            <a:fillRef idx="0">
+              <a:schemeClr val="accent1"/>
+            </a:fillRef>
+            <a:effectRef idx="1">
+              <a:schemeClr val="accent1"/>
+            </a:effectRef>
+            <a:fontRef idx="minor">
+              <a:schemeClr val="tx1"/>
+            </a:fontRef>
+          </p:style>
+        </p:cxnSp>
+        <p:cxnSp>
+          <p:nvCxnSpPr>
+            <p:cNvPr id="21" name="Straight Connector 20"/>
+            <p:cNvCxnSpPr/>
+            <p:nvPr/>
+          </p:nvCxnSpPr>
+          <p:spPr>
+            <a:xfrm flipH="1">
+              <a:off x="7425267" y="3681413"/>
+              <a:ext cx="4763558" cy="3176587"/>
+            </a:xfrm>
+            <a:prstGeom prst="line">
+              <a:avLst/>
+            </a:prstGeom>
+            <a:ln w="9525">
+              <a:solidFill>
+                <a:schemeClr val="bg1">
+                  <a:lumMod val="85000"/>
+                  <a:lumOff val="15000"/>
+                </a:schemeClr>
+              </a:solidFill>
+            </a:ln>
+          </p:spPr>
+          <p:style>
+            <a:lnRef idx="2">
+              <a:schemeClr val="accent1"/>
+            </a:lnRef>
+            <a:fillRef idx="0">
+              <a:schemeClr val="accent1"/>
+            </a:fillRef>
+            <a:effectRef idx="1">
+              <a:schemeClr val="accent1"/>
+            </a:effectRef>
+            <a:fontRef idx="minor">
+              <a:schemeClr val="tx1"/>
+            </a:fontRef>
+          </p:style>
+        </p:cxnSp>
         <p:sp>
           <p:nvSpPr>
-            <p:cNvPr id="11" name="Freeform 6"/>
+            <p:cNvPr id="24" name="Rectangle 23"/>
             <p:cNvSpPr/>
             <p:nvPr/>
           </p:nvSpPr>
-          <p:spPr bwMode="auto">
+          <p:spPr>
             <a:xfrm>
-              <a:off x="8151962" y="1685652"/>
-              <a:ext cx="3275013" cy="4408488"/>
+              <a:off x="9181476" y="-8467"/>
+              <a:ext cx="3007349" cy="6866467"/>
             </a:xfrm>
             <a:custGeom>
               <a:avLst/>
@@ -393,54 +248,61 @@
               <a:cxnLst/>
               <a:rect l="l" t="t" r="r" b="b"/>
               <a:pathLst>
-                <a:path w="10000" h="10000">
+                <a:path w="3007349" h="6866467">
                   <a:moveTo>
-                    <a:pt x="8761" y="0"/>
+                    <a:pt x="2045532" y="0"/>
                   </a:moveTo>
                   <a:lnTo>
-                    <a:pt x="10000" y="0"/>
+                    <a:pt x="3007349" y="0"/>
                   </a:lnTo>
                   <a:lnTo>
-                    <a:pt x="10000" y="10000"/>
+                    <a:pt x="3007349" y="6866467"/>
                   </a:lnTo>
                   <a:lnTo>
-                    <a:pt x="0" y="10000"/>
+                    <a:pt x="0" y="6866467"/>
                   </a:lnTo>
                   <a:lnTo>
-                    <a:pt x="0" y="9126"/>
-                  </a:lnTo>
-                  <a:lnTo>
-                    <a:pt x="8761" y="9127"/>
-                  </a:lnTo>
-                  <a:lnTo>
-                    <a:pt x="8761" y="0"/>
+                    <a:pt x="2045532" y="0"/>
                   </a:lnTo>
                   <a:close/>
                 </a:path>
               </a:pathLst>
             </a:custGeom>
             <a:solidFill>
-              <a:schemeClr val="tx2"/>
+              <a:schemeClr val="accent1">
+                <a:alpha val="30000"/>
+              </a:schemeClr>
             </a:solidFill>
-            <a:ln w="0">
+            <a:ln>
               <a:noFill/>
-              <a:prstDash val="solid"/>
-              <a:round/>
-              <a:headEnd/>
-              <a:tailEnd/>
             </a:ln>
+            <a:effectLst/>
           </p:spPr>
+          <p:style>
+            <a:lnRef idx="1">
+              <a:schemeClr val="accent1"/>
+            </a:lnRef>
+            <a:fillRef idx="3">
+              <a:schemeClr val="accent1"/>
+            </a:fillRef>
+            <a:effectRef idx="2">
+              <a:schemeClr val="accent1"/>
+            </a:effectRef>
+            <a:fontRef idx="minor">
+              <a:schemeClr val="lt1"/>
+            </a:fontRef>
+          </p:style>
         </p:sp>
         <p:sp>
           <p:nvSpPr>
-            <p:cNvPr id="14" name="Freeform 6"/>
+            <p:cNvPr id="26" name="Rectangle 25"/>
             <p:cNvSpPr/>
             <p:nvPr/>
           </p:nvSpPr>
-          <p:spPr bwMode="auto">
-            <a:xfrm flipH="1" flipV="1">
-              <a:off x="752858" y="744469"/>
-              <a:ext cx="3275668" cy="4408488"/>
+          <p:spPr>
+            <a:xfrm>
+              <a:off x="9603442" y="-8467"/>
+              <a:ext cx="2588558" cy="6866467"/>
             </a:xfrm>
             <a:custGeom>
               <a:avLst/>
@@ -449,61 +311,2197 @@
               <a:cxnLst/>
               <a:rect l="l" t="t" r="r" b="b"/>
               <a:pathLst>
-                <a:path w="10002" h="10000">
+                <a:path w="2573311" h="6866467">
                   <a:moveTo>
-                    <a:pt x="8763" y="0"/>
+                    <a:pt x="0" y="0"/>
                   </a:moveTo>
                   <a:lnTo>
-                    <a:pt x="10002" y="0"/>
+                    <a:pt x="2573311" y="0"/>
                   </a:lnTo>
                   <a:lnTo>
-                    <a:pt x="10002" y="10000"/>
+                    <a:pt x="2573311" y="6866467"/>
                   </a:lnTo>
                   <a:lnTo>
-                    <a:pt x="2" y="10000"/>
-                  </a:lnTo>
-                  <a:cubicBezTo>
-                    <a:pt x="-2" y="9698"/>
-                    <a:pt x="4" y="9427"/>
-                    <a:pt x="0" y="9125"/>
-                  </a:cubicBezTo>
-                  <a:lnTo>
-                    <a:pt x="8763" y="9128"/>
+                    <a:pt x="1202336" y="6866467"/>
                   </a:lnTo>
                   <a:lnTo>
-                    <a:pt x="8763" y="0"/>
+                    <a:pt x="0" y="0"/>
                   </a:lnTo>
                   <a:close/>
                 </a:path>
               </a:pathLst>
             </a:custGeom>
             <a:solidFill>
-              <a:schemeClr val="tx2"/>
+              <a:schemeClr val="accent1">
+                <a:alpha val="20000"/>
+              </a:schemeClr>
             </a:solidFill>
-            <a:ln w="0">
+            <a:ln>
               <a:noFill/>
-              <a:prstDash val="solid"/>
-              <a:round/>
-              <a:headEnd/>
-              <a:tailEnd/>
             </a:ln>
+            <a:effectLst/>
           </p:spPr>
+          <p:style>
+            <a:lnRef idx="1">
+              <a:schemeClr val="accent1"/>
+            </a:lnRef>
+            <a:fillRef idx="3">
+              <a:schemeClr val="accent1"/>
+            </a:fillRef>
+            <a:effectRef idx="2">
+              <a:schemeClr val="accent1"/>
+            </a:effectRef>
+            <a:fontRef idx="minor">
+              <a:schemeClr val="lt1"/>
+            </a:fontRef>
+          </p:style>
+        </p:sp>
+        <p:sp>
+          <p:nvSpPr>
+            <p:cNvPr id="27" name="Isosceles Triangle 26"/>
+            <p:cNvSpPr/>
+            <p:nvPr/>
+          </p:nvSpPr>
+          <p:spPr>
+            <a:xfrm>
+              <a:off x="8932333" y="3048000"/>
+              <a:ext cx="3259667" cy="3810000"/>
+            </a:xfrm>
+            <a:prstGeom prst="triangle">
+              <a:avLst>
+                <a:gd name="adj" fmla="val 100000"/>
+              </a:avLst>
+            </a:prstGeom>
+            <a:solidFill>
+              <a:schemeClr val="accent2">
+                <a:alpha val="72000"/>
+              </a:schemeClr>
+            </a:solidFill>
+            <a:ln>
+              <a:noFill/>
+            </a:ln>
+            <a:effectLst/>
+          </p:spPr>
+          <p:style>
+            <a:lnRef idx="1">
+              <a:schemeClr val="accent1"/>
+            </a:lnRef>
+            <a:fillRef idx="3">
+              <a:schemeClr val="accent1"/>
+            </a:fillRef>
+            <a:effectRef idx="2">
+              <a:schemeClr val="accent1"/>
+            </a:effectRef>
+            <a:fontRef idx="minor">
+              <a:schemeClr val="lt1"/>
+            </a:fontRef>
+          </p:style>
+        </p:sp>
+        <p:sp>
+          <p:nvSpPr>
+            <p:cNvPr id="28" name="Rectangle 27"/>
+            <p:cNvSpPr/>
+            <p:nvPr/>
+          </p:nvSpPr>
+          <p:spPr>
+            <a:xfrm>
+              <a:off x="9334500" y="-8467"/>
+              <a:ext cx="2854326" cy="6866467"/>
+            </a:xfrm>
+            <a:custGeom>
+              <a:avLst/>
+              <a:gdLst/>
+              <a:ahLst/>
+              <a:cxnLst/>
+              <a:rect l="l" t="t" r="r" b="b"/>
+              <a:pathLst>
+                <a:path w="2858013" h="6866467">
+                  <a:moveTo>
+                    <a:pt x="0" y="0"/>
+                  </a:moveTo>
+                  <a:lnTo>
+                    <a:pt x="2858013" y="0"/>
+                  </a:lnTo>
+                  <a:lnTo>
+                    <a:pt x="2858013" y="6866467"/>
+                  </a:lnTo>
+                  <a:lnTo>
+                    <a:pt x="2473942" y="6866467"/>
+                  </a:lnTo>
+                  <a:lnTo>
+                    <a:pt x="0" y="0"/>
+                  </a:lnTo>
+                  <a:close/>
+                </a:path>
+              </a:pathLst>
+            </a:custGeom>
+            <a:solidFill>
+              <a:schemeClr val="accent2">
+                <a:lumMod val="75000"/>
+                <a:alpha val="70000"/>
+              </a:schemeClr>
+            </a:solidFill>
+            <a:ln>
+              <a:noFill/>
+            </a:ln>
+            <a:effectLst/>
+          </p:spPr>
+          <p:style>
+            <a:lnRef idx="1">
+              <a:schemeClr val="accent1"/>
+            </a:lnRef>
+            <a:fillRef idx="3">
+              <a:schemeClr val="accent1"/>
+            </a:fillRef>
+            <a:effectRef idx="2">
+              <a:schemeClr val="accent1"/>
+            </a:effectRef>
+            <a:fontRef idx="minor">
+              <a:schemeClr val="lt1"/>
+            </a:fontRef>
+          </p:style>
+        </p:sp>
+        <p:sp>
+          <p:nvSpPr>
+            <p:cNvPr id="29" name="Rectangle 28"/>
+            <p:cNvSpPr/>
+            <p:nvPr/>
+          </p:nvSpPr>
+          <p:spPr>
+            <a:xfrm>
+              <a:off x="10898730" y="-8467"/>
+              <a:ext cx="1290094" cy="6866467"/>
+            </a:xfrm>
+            <a:custGeom>
+              <a:avLst/>
+              <a:gdLst/>
+              <a:ahLst/>
+              <a:cxnLst/>
+              <a:rect l="l" t="t" r="r" b="b"/>
+              <a:pathLst>
+                <a:path w="1290094" h="6858000">
+                  <a:moveTo>
+                    <a:pt x="1019735" y="0"/>
+                  </a:moveTo>
+                  <a:lnTo>
+                    <a:pt x="1290094" y="0"/>
+                  </a:lnTo>
+                  <a:lnTo>
+                    <a:pt x="1290094" y="6858000"/>
+                  </a:lnTo>
+                  <a:lnTo>
+                    <a:pt x="0" y="6858000"/>
+                  </a:lnTo>
+                  <a:lnTo>
+                    <a:pt x="1019735" y="0"/>
+                  </a:lnTo>
+                  <a:close/>
+                </a:path>
+              </a:pathLst>
+            </a:custGeom>
+            <a:solidFill>
+              <a:schemeClr val="accent1">
+                <a:lumMod val="60000"/>
+                <a:lumOff val="40000"/>
+                <a:alpha val="70000"/>
+              </a:schemeClr>
+            </a:solidFill>
+            <a:ln>
+              <a:noFill/>
+            </a:ln>
+            <a:effectLst/>
+          </p:spPr>
+          <p:style>
+            <a:lnRef idx="1">
+              <a:schemeClr val="accent1"/>
+            </a:lnRef>
+            <a:fillRef idx="3">
+              <a:schemeClr val="accent1"/>
+            </a:fillRef>
+            <a:effectRef idx="2">
+              <a:schemeClr val="accent1"/>
+            </a:effectRef>
+            <a:fontRef idx="minor">
+              <a:schemeClr val="lt1"/>
+            </a:fontRef>
+          </p:style>
+        </p:sp>
+        <p:sp>
+          <p:nvSpPr>
+            <p:cNvPr id="30" name="Rectangle 29"/>
+            <p:cNvSpPr/>
+            <p:nvPr/>
+          </p:nvSpPr>
+          <p:spPr>
+            <a:xfrm>
+              <a:off x="10938999" y="-8467"/>
+              <a:ext cx="1249825" cy="6866467"/>
+            </a:xfrm>
+            <a:custGeom>
+              <a:avLst/>
+              <a:gdLst/>
+              <a:ahLst/>
+              <a:cxnLst/>
+              <a:rect l="l" t="t" r="r" b="b"/>
+              <a:pathLst>
+                <a:path w="1249825" h="6858000">
+                  <a:moveTo>
+                    <a:pt x="0" y="0"/>
+                  </a:moveTo>
+                  <a:lnTo>
+                    <a:pt x="1249825" y="0"/>
+                  </a:lnTo>
+                  <a:lnTo>
+                    <a:pt x="1249825" y="6858000"/>
+                  </a:lnTo>
+                  <a:lnTo>
+                    <a:pt x="1109382" y="6858000"/>
+                  </a:lnTo>
+                  <a:lnTo>
+                    <a:pt x="0" y="0"/>
+                  </a:lnTo>
+                  <a:close/>
+                </a:path>
+              </a:pathLst>
+            </a:custGeom>
+            <a:solidFill>
+              <a:schemeClr val="accent1">
+                <a:alpha val="65000"/>
+              </a:schemeClr>
+            </a:solidFill>
+            <a:ln>
+              <a:noFill/>
+            </a:ln>
+            <a:effectLst/>
+          </p:spPr>
+          <p:style>
+            <a:lnRef idx="1">
+              <a:schemeClr val="accent1"/>
+            </a:lnRef>
+            <a:fillRef idx="3">
+              <a:schemeClr val="accent1"/>
+            </a:fillRef>
+            <a:effectRef idx="2">
+              <a:schemeClr val="accent1"/>
+            </a:effectRef>
+            <a:fontRef idx="minor">
+              <a:schemeClr val="lt1"/>
+            </a:fontRef>
+          </p:style>
+        </p:sp>
+        <p:sp>
+          <p:nvSpPr>
+            <p:cNvPr id="31" name="Isosceles Triangle 30"/>
+            <p:cNvSpPr/>
+            <p:nvPr/>
+          </p:nvSpPr>
+          <p:spPr>
+            <a:xfrm>
+              <a:off x="10371666" y="3589867"/>
+              <a:ext cx="1817159" cy="3268133"/>
+            </a:xfrm>
+            <a:prstGeom prst="triangle">
+              <a:avLst>
+                <a:gd name="adj" fmla="val 100000"/>
+              </a:avLst>
+            </a:prstGeom>
+            <a:solidFill>
+              <a:schemeClr val="accent1">
+                <a:alpha val="80000"/>
+              </a:schemeClr>
+            </a:solidFill>
+            <a:ln>
+              <a:noFill/>
+            </a:ln>
+            <a:effectLst/>
+          </p:spPr>
+          <p:style>
+            <a:lnRef idx="1">
+              <a:schemeClr val="accent1"/>
+            </a:lnRef>
+            <a:fillRef idx="3">
+              <a:schemeClr val="accent1"/>
+            </a:fillRef>
+            <a:effectRef idx="2">
+              <a:schemeClr val="accent1"/>
+            </a:effectRef>
+            <a:fontRef idx="minor">
+              <a:schemeClr val="lt1"/>
+            </a:fontRef>
+          </p:style>
+        </p:sp>
+        <p:sp>
+          <p:nvSpPr>
+            <p:cNvPr id="19" name="Isosceles Triangle 18"/>
+            <p:cNvSpPr/>
+            <p:nvPr/>
+          </p:nvSpPr>
+          <p:spPr>
+            <a:xfrm rot="10800000">
+              <a:off x="0" y="0"/>
+              <a:ext cx="842596" cy="5666154"/>
+            </a:xfrm>
+            <a:prstGeom prst="triangle">
+              <a:avLst>
+                <a:gd name="adj" fmla="val 100000"/>
+              </a:avLst>
+            </a:prstGeom>
+            <a:solidFill>
+              <a:schemeClr val="accent1">
+                <a:alpha val="85000"/>
+              </a:schemeClr>
+            </a:solidFill>
+            <a:ln>
+              <a:noFill/>
+            </a:ln>
+            <a:effectLst/>
+          </p:spPr>
+          <p:style>
+            <a:lnRef idx="1">
+              <a:schemeClr val="accent1"/>
+            </a:lnRef>
+            <a:fillRef idx="3">
+              <a:schemeClr val="accent1"/>
+            </a:fillRef>
+            <a:effectRef idx="2">
+              <a:schemeClr val="accent1"/>
+            </a:effectRef>
+            <a:fontRef idx="minor">
+              <a:schemeClr val="lt1"/>
+            </a:fontRef>
+          </p:style>
         </p:sp>
       </p:grpSp>
+      <p:sp>
+        <p:nvSpPr>
+          <p:cNvPr id="2" name="Title 1"/>
+          <p:cNvSpPr>
+            <a:spLocks noGrp="1"/>
+          </p:cNvSpPr>
+          <p:nvPr>
+            <p:ph type="ctrTitle"/>
+          </p:nvPr>
+        </p:nvSpPr>
+        <p:spPr>
+          <a:xfrm>
+            <a:off x="1507067" y="2404534"/>
+            <a:ext cx="7766936" cy="1646302"/>
+          </a:xfrm>
+        </p:spPr>
+        <p:txBody>
+          <a:bodyPr anchor="b">
+            <a:noAutofit/>
+          </a:bodyPr>
+          <a:lstStyle>
+            <a:lvl1pPr algn="r">
+              <a:defRPr sz="5400">
+                <a:solidFill>
+                  <a:schemeClr val="accent1"/>
+                </a:solidFill>
+              </a:defRPr>
+            </a:lvl1pPr>
+          </a:lstStyle>
+          <a:p>
+            <a:r>
+              <a:rPr lang="hu-HU" smtClean="0"/>
+              <a:t>Mintacím szerkesztése</a:t>
+            </a:r>
+            <a:endParaRPr lang="en-US" dirty="0"/>
+          </a:p>
+        </p:txBody>
+      </p:sp>
+      <p:sp>
+        <p:nvSpPr>
+          <p:cNvPr id="3" name="Subtitle 2"/>
+          <p:cNvSpPr>
+            <a:spLocks noGrp="1"/>
+          </p:cNvSpPr>
+          <p:nvPr>
+            <p:ph type="subTitle" idx="1"/>
+          </p:nvPr>
+        </p:nvSpPr>
+        <p:spPr>
+          <a:xfrm>
+            <a:off x="1507067" y="4050833"/>
+            <a:ext cx="7766936" cy="1096899"/>
+          </a:xfrm>
+        </p:spPr>
+        <p:txBody>
+          <a:bodyPr anchor="t"/>
+          <a:lstStyle>
+            <a:lvl1pPr marL="0" indent="0" algn="r">
+              <a:buNone/>
+              <a:defRPr>
+                <a:solidFill>
+                  <a:schemeClr val="tx1">
+                    <a:lumMod val="50000"/>
+                    <a:lumOff val="50000"/>
+                  </a:schemeClr>
+                </a:solidFill>
+              </a:defRPr>
+            </a:lvl1pPr>
+            <a:lvl2pPr marL="457200" indent="0" algn="ctr">
+              <a:buNone/>
+              <a:defRPr>
+                <a:solidFill>
+                  <a:schemeClr val="tx1">
+                    <a:tint val="75000"/>
+                  </a:schemeClr>
+                </a:solidFill>
+              </a:defRPr>
+            </a:lvl2pPr>
+            <a:lvl3pPr marL="914400" indent="0" algn="ctr">
+              <a:buNone/>
+              <a:defRPr>
+                <a:solidFill>
+                  <a:schemeClr val="tx1">
+                    <a:tint val="75000"/>
+                  </a:schemeClr>
+                </a:solidFill>
+              </a:defRPr>
+            </a:lvl3pPr>
+            <a:lvl4pPr marL="1371600" indent="0" algn="ctr">
+              <a:buNone/>
+              <a:defRPr>
+                <a:solidFill>
+                  <a:schemeClr val="tx1">
+                    <a:tint val="75000"/>
+                  </a:schemeClr>
+                </a:solidFill>
+              </a:defRPr>
+            </a:lvl4pPr>
+            <a:lvl5pPr marL="1828800" indent="0" algn="ctr">
+              <a:buNone/>
+              <a:defRPr>
+                <a:solidFill>
+                  <a:schemeClr val="tx1">
+                    <a:tint val="75000"/>
+                  </a:schemeClr>
+                </a:solidFill>
+              </a:defRPr>
+            </a:lvl5pPr>
+            <a:lvl6pPr marL="2286000" indent="0" algn="ctr">
+              <a:buNone/>
+              <a:defRPr>
+                <a:solidFill>
+                  <a:schemeClr val="tx1">
+                    <a:tint val="75000"/>
+                  </a:schemeClr>
+                </a:solidFill>
+              </a:defRPr>
+            </a:lvl6pPr>
+            <a:lvl7pPr marL="2743200" indent="0" algn="ctr">
+              <a:buNone/>
+              <a:defRPr>
+                <a:solidFill>
+                  <a:schemeClr val="tx1">
+                    <a:tint val="75000"/>
+                  </a:schemeClr>
+                </a:solidFill>
+              </a:defRPr>
+            </a:lvl7pPr>
+            <a:lvl8pPr marL="3200400" indent="0" algn="ctr">
+              <a:buNone/>
+              <a:defRPr>
+                <a:solidFill>
+                  <a:schemeClr val="tx1">
+                    <a:tint val="75000"/>
+                  </a:schemeClr>
+                </a:solidFill>
+              </a:defRPr>
+            </a:lvl8pPr>
+            <a:lvl9pPr marL="3657600" indent="0" algn="ctr">
+              <a:buNone/>
+              <a:defRPr>
+                <a:solidFill>
+                  <a:schemeClr val="tx1">
+                    <a:tint val="75000"/>
+                  </a:schemeClr>
+                </a:solidFill>
+              </a:defRPr>
+            </a:lvl9pPr>
+          </a:lstStyle>
+          <a:p>
+            <a:r>
+              <a:rPr lang="hu-HU" smtClean="0"/>
+              <a:t>Kattintson ide az alcím mintájának szerkesztéséhez</a:t>
+            </a:r>
+            <a:endParaRPr lang="en-US" dirty="0"/>
+          </a:p>
+        </p:txBody>
+      </p:sp>
+      <p:sp>
+        <p:nvSpPr>
+          <p:cNvPr id="4" name="Date Placeholder 3"/>
+          <p:cNvSpPr>
+            <a:spLocks noGrp="1"/>
+          </p:cNvSpPr>
+          <p:nvPr>
+            <p:ph type="dt" sz="half" idx="10"/>
+          </p:nvPr>
+        </p:nvSpPr>
+        <p:spPr/>
+        <p:txBody>
+          <a:bodyPr/>
+          <a:lstStyle/>
+          <a:p>
+            <a:fld id="{EA04F24A-984E-49E1-A489-BBAA7BA39510}" type="datetimeFigureOut">
+              <a:rPr lang="hu-HU" smtClean="0"/>
+              <a:t>2022.09.12.</a:t>
+            </a:fld>
+            <a:endParaRPr lang="hu-HU"/>
+          </a:p>
+        </p:txBody>
+      </p:sp>
+      <p:sp>
+        <p:nvSpPr>
+          <p:cNvPr id="5" name="Footer Placeholder 4"/>
+          <p:cNvSpPr>
+            <a:spLocks noGrp="1"/>
+          </p:cNvSpPr>
+          <p:nvPr>
+            <p:ph type="ftr" sz="quarter" idx="11"/>
+          </p:nvPr>
+        </p:nvSpPr>
+        <p:spPr/>
+        <p:txBody>
+          <a:bodyPr/>
+          <a:lstStyle/>
+          <a:p>
+            <a:endParaRPr lang="hu-HU"/>
+          </a:p>
+        </p:txBody>
+      </p:sp>
+      <p:sp>
+        <p:nvSpPr>
+          <p:cNvPr id="6" name="Slide Number Placeholder 5"/>
+          <p:cNvSpPr>
+            <a:spLocks noGrp="1"/>
+          </p:cNvSpPr>
+          <p:nvPr>
+            <p:ph type="sldNum" sz="quarter" idx="12"/>
+          </p:nvPr>
+        </p:nvSpPr>
+        <p:spPr/>
+        <p:txBody>
+          <a:bodyPr/>
+          <a:lstStyle/>
+          <a:p>
+            <a:fld id="{45D8FD6A-7BE7-455D-9B29-3F466719B09B}" type="slidenum">
+              <a:rPr lang="hu-HU" smtClean="0"/>
+              <a:t>‹#›</a:t>
+            </a:fld>
+            <a:endParaRPr lang="hu-HU"/>
+          </a:p>
+        </p:txBody>
+      </p:sp>
     </p:spTree>
     <p:extLst>
       <p:ext uri="{BB962C8B-B14F-4D97-AF65-F5344CB8AC3E}">
-        <p14:creationId xmlns:p14="http://schemas.microsoft.com/office/powerpoint/2010/main" val="948902474"/>
+        <p14:creationId xmlns:p14="http://schemas.microsoft.com/office/powerpoint/2010/main" val="1359576492"/>
       </p:ext>
     </p:extLst>
   </p:cSld>
   <p:clrMapOvr>
-    <a:overrideClrMapping bg1="lt1" tx1="dk1" bg2="lt2" tx2="dk2" accent1="accent1" accent2="accent2" accent3="accent3" accent4="accent4" accent5="accent5" accent6="accent6" hlink="hlink" folHlink="folHlink"/>
+    <a:masterClrMapping/>
   </p:clrMapOvr>
 </p:sldLayout>
 </file>
 
 <file path=ppt/slideLayouts/slideLayout10.xml><?xml version="1.0" encoding="utf-8"?>
+<p:sldLayout xmlns:a="http://schemas.openxmlformats.org/drawingml/2006/main" xmlns:r="http://schemas.openxmlformats.org/officeDocument/2006/relationships" xmlns:p="http://schemas.openxmlformats.org/presentationml/2006/main" preserve="1">
+  <p:cSld name="Cím és képaláírás">
+    <p:spTree>
+      <p:nvGrpSpPr>
+        <p:cNvPr id="1" name=""/>
+        <p:cNvGrpSpPr/>
+        <p:nvPr/>
+      </p:nvGrpSpPr>
+      <p:grpSpPr>
+        <a:xfrm>
+          <a:off x="0" y="0"/>
+          <a:ext cx="0" cy="0"/>
+          <a:chOff x="0" y="0"/>
+          <a:chExt cx="0" cy="0"/>
+        </a:xfrm>
+      </p:grpSpPr>
+      <p:sp>
+        <p:nvSpPr>
+          <p:cNvPr id="2" name="Title 1"/>
+          <p:cNvSpPr>
+            <a:spLocks noGrp="1"/>
+          </p:cNvSpPr>
+          <p:nvPr>
+            <p:ph type="title"/>
+          </p:nvPr>
+        </p:nvSpPr>
+        <p:spPr>
+          <a:xfrm>
+            <a:off x="677335" y="609600"/>
+            <a:ext cx="8596668" cy="3403600"/>
+          </a:xfrm>
+        </p:spPr>
+        <p:txBody>
+          <a:bodyPr anchor="ctr">
+            <a:normAutofit/>
+          </a:bodyPr>
+          <a:lstStyle>
+            <a:lvl1pPr algn="l">
+              <a:defRPr sz="4400" b="0" cap="none"/>
+            </a:lvl1pPr>
+          </a:lstStyle>
+          <a:p>
+            <a:r>
+              <a:rPr lang="hu-HU" smtClean="0"/>
+              <a:t>Mintacím szerkesztése</a:t>
+            </a:r>
+            <a:endParaRPr lang="en-US" dirty="0"/>
+          </a:p>
+        </p:txBody>
+      </p:sp>
+      <p:sp>
+        <p:nvSpPr>
+          <p:cNvPr id="3" name="Text Placeholder 2"/>
+          <p:cNvSpPr>
+            <a:spLocks noGrp="1"/>
+          </p:cNvSpPr>
+          <p:nvPr>
+            <p:ph type="body" idx="1"/>
+          </p:nvPr>
+        </p:nvSpPr>
+        <p:spPr>
+          <a:xfrm>
+            <a:off x="677335" y="4470400"/>
+            <a:ext cx="8596668" cy="1570962"/>
+          </a:xfrm>
+        </p:spPr>
+        <p:txBody>
+          <a:bodyPr anchor="ctr">
+            <a:normAutofit/>
+          </a:bodyPr>
+          <a:lstStyle>
+            <a:lvl1pPr marL="0" indent="0" algn="l">
+              <a:buNone/>
+              <a:defRPr sz="1800">
+                <a:solidFill>
+                  <a:schemeClr val="tx1">
+                    <a:lumMod val="75000"/>
+                    <a:lumOff val="25000"/>
+                  </a:schemeClr>
+                </a:solidFill>
+              </a:defRPr>
+            </a:lvl1pPr>
+            <a:lvl2pPr marL="457200" indent="0">
+              <a:buNone/>
+              <a:defRPr sz="1800">
+                <a:solidFill>
+                  <a:schemeClr val="tx1">
+                    <a:tint val="75000"/>
+                  </a:schemeClr>
+                </a:solidFill>
+              </a:defRPr>
+            </a:lvl2pPr>
+            <a:lvl3pPr marL="914400" indent="0">
+              <a:buNone/>
+              <a:defRPr sz="1600">
+                <a:solidFill>
+                  <a:schemeClr val="tx1">
+                    <a:tint val="75000"/>
+                  </a:schemeClr>
+                </a:solidFill>
+              </a:defRPr>
+            </a:lvl3pPr>
+            <a:lvl4pPr marL="1371600" indent="0">
+              <a:buNone/>
+              <a:defRPr sz="1400">
+                <a:solidFill>
+                  <a:schemeClr val="tx1">
+                    <a:tint val="75000"/>
+                  </a:schemeClr>
+                </a:solidFill>
+              </a:defRPr>
+            </a:lvl4pPr>
+            <a:lvl5pPr marL="1828800" indent="0">
+              <a:buNone/>
+              <a:defRPr sz="1400">
+                <a:solidFill>
+                  <a:schemeClr val="tx1">
+                    <a:tint val="75000"/>
+                  </a:schemeClr>
+                </a:solidFill>
+              </a:defRPr>
+            </a:lvl5pPr>
+            <a:lvl6pPr marL="2286000" indent="0">
+              <a:buNone/>
+              <a:defRPr sz="1400">
+                <a:solidFill>
+                  <a:schemeClr val="tx1">
+                    <a:tint val="75000"/>
+                  </a:schemeClr>
+                </a:solidFill>
+              </a:defRPr>
+            </a:lvl6pPr>
+            <a:lvl7pPr marL="2743200" indent="0">
+              <a:buNone/>
+              <a:defRPr sz="1400">
+                <a:solidFill>
+                  <a:schemeClr val="tx1">
+                    <a:tint val="75000"/>
+                  </a:schemeClr>
+                </a:solidFill>
+              </a:defRPr>
+            </a:lvl7pPr>
+            <a:lvl8pPr marL="3200400" indent="0">
+              <a:buNone/>
+              <a:defRPr sz="1400">
+                <a:solidFill>
+                  <a:schemeClr val="tx1">
+                    <a:tint val="75000"/>
+                  </a:schemeClr>
+                </a:solidFill>
+              </a:defRPr>
+            </a:lvl8pPr>
+            <a:lvl9pPr marL="3657600" indent="0">
+              <a:buNone/>
+              <a:defRPr sz="1400">
+                <a:solidFill>
+                  <a:schemeClr val="tx1">
+                    <a:tint val="75000"/>
+                  </a:schemeClr>
+                </a:solidFill>
+              </a:defRPr>
+            </a:lvl9pPr>
+          </a:lstStyle>
+          <a:p>
+            <a:pPr lvl="0"/>
+            <a:r>
+              <a:rPr lang="hu-HU" smtClean="0"/>
+              <a:t>Mintaszöveg szerkesztése</a:t>
+            </a:r>
+          </a:p>
+        </p:txBody>
+      </p:sp>
+      <p:sp>
+        <p:nvSpPr>
+          <p:cNvPr id="4" name="Date Placeholder 3"/>
+          <p:cNvSpPr>
+            <a:spLocks noGrp="1"/>
+          </p:cNvSpPr>
+          <p:nvPr>
+            <p:ph type="dt" sz="half" idx="10"/>
+          </p:nvPr>
+        </p:nvSpPr>
+        <p:spPr/>
+        <p:txBody>
+          <a:bodyPr/>
+          <a:lstStyle/>
+          <a:p>
+            <a:fld id="{EA04F24A-984E-49E1-A489-BBAA7BA39510}" type="datetimeFigureOut">
+              <a:rPr lang="hu-HU" smtClean="0"/>
+              <a:t>2022.09.12.</a:t>
+            </a:fld>
+            <a:endParaRPr lang="hu-HU"/>
+          </a:p>
+        </p:txBody>
+      </p:sp>
+      <p:sp>
+        <p:nvSpPr>
+          <p:cNvPr id="5" name="Footer Placeholder 4"/>
+          <p:cNvSpPr>
+            <a:spLocks noGrp="1"/>
+          </p:cNvSpPr>
+          <p:nvPr>
+            <p:ph type="ftr" sz="quarter" idx="11"/>
+          </p:nvPr>
+        </p:nvSpPr>
+        <p:spPr/>
+        <p:txBody>
+          <a:bodyPr/>
+          <a:lstStyle/>
+          <a:p>
+            <a:endParaRPr lang="hu-HU"/>
+          </a:p>
+        </p:txBody>
+      </p:sp>
+      <p:sp>
+        <p:nvSpPr>
+          <p:cNvPr id="6" name="Slide Number Placeholder 5"/>
+          <p:cNvSpPr>
+            <a:spLocks noGrp="1"/>
+          </p:cNvSpPr>
+          <p:nvPr>
+            <p:ph type="sldNum" sz="quarter" idx="12"/>
+          </p:nvPr>
+        </p:nvSpPr>
+        <p:spPr/>
+        <p:txBody>
+          <a:bodyPr/>
+          <a:lstStyle/>
+          <a:p>
+            <a:fld id="{45D8FD6A-7BE7-455D-9B29-3F466719B09B}" type="slidenum">
+              <a:rPr lang="hu-HU" smtClean="0"/>
+              <a:t>‹#›</a:t>
+            </a:fld>
+            <a:endParaRPr lang="hu-HU"/>
+          </a:p>
+        </p:txBody>
+      </p:sp>
+    </p:spTree>
+    <p:extLst>
+      <p:ext uri="{BB962C8B-B14F-4D97-AF65-F5344CB8AC3E}">
+        <p14:creationId xmlns:p14="http://schemas.microsoft.com/office/powerpoint/2010/main" val="3761937926"/>
+      </p:ext>
+    </p:extLst>
+  </p:cSld>
+  <p:clrMapOvr>
+    <a:masterClrMapping/>
+  </p:clrMapOvr>
+</p:sldLayout>
+</file>
+
+<file path=ppt/slideLayouts/slideLayout11.xml><?xml version="1.0" encoding="utf-8"?>
+<p:sldLayout xmlns:a="http://schemas.openxmlformats.org/drawingml/2006/main" xmlns:r="http://schemas.openxmlformats.org/officeDocument/2006/relationships" xmlns:p="http://schemas.openxmlformats.org/presentationml/2006/main" preserve="1">
+  <p:cSld name="Idézet képaláírással">
+    <p:spTree>
+      <p:nvGrpSpPr>
+        <p:cNvPr id="1" name=""/>
+        <p:cNvGrpSpPr/>
+        <p:nvPr/>
+      </p:nvGrpSpPr>
+      <p:grpSpPr>
+        <a:xfrm>
+          <a:off x="0" y="0"/>
+          <a:ext cx="0" cy="0"/>
+          <a:chOff x="0" y="0"/>
+          <a:chExt cx="0" cy="0"/>
+        </a:xfrm>
+      </p:grpSpPr>
+      <p:sp>
+        <p:nvSpPr>
+          <p:cNvPr id="2" name="Title 1"/>
+          <p:cNvSpPr>
+            <a:spLocks noGrp="1"/>
+          </p:cNvSpPr>
+          <p:nvPr>
+            <p:ph type="title"/>
+          </p:nvPr>
+        </p:nvSpPr>
+        <p:spPr>
+          <a:xfrm>
+            <a:off x="931334" y="609600"/>
+            <a:ext cx="8094134" cy="3022600"/>
+          </a:xfrm>
+        </p:spPr>
+        <p:txBody>
+          <a:bodyPr anchor="ctr">
+            <a:normAutofit/>
+          </a:bodyPr>
+          <a:lstStyle>
+            <a:lvl1pPr algn="l">
+              <a:defRPr sz="4400" b="0" cap="none"/>
+            </a:lvl1pPr>
+          </a:lstStyle>
+          <a:p>
+            <a:r>
+              <a:rPr lang="hu-HU" smtClean="0"/>
+              <a:t>Mintacím szerkesztése</a:t>
+            </a:r>
+            <a:endParaRPr lang="en-US" dirty="0"/>
+          </a:p>
+        </p:txBody>
+      </p:sp>
+      <p:sp>
+        <p:nvSpPr>
+          <p:cNvPr id="23" name="Text Placeholder 9"/>
+          <p:cNvSpPr>
+            <a:spLocks noGrp="1"/>
+          </p:cNvSpPr>
+          <p:nvPr>
+            <p:ph type="body" sz="quarter" idx="13"/>
+          </p:nvPr>
+        </p:nvSpPr>
+        <p:spPr>
+          <a:xfrm>
+            <a:off x="1366139" y="3632200"/>
+            <a:ext cx="7224524" cy="381000"/>
+          </a:xfrm>
+        </p:spPr>
+        <p:txBody>
+          <a:bodyPr anchor="ctr">
+            <a:noAutofit/>
+          </a:bodyPr>
+          <a:lstStyle>
+            <a:lvl1pPr marL="0" indent="0">
+              <a:buFontTx/>
+              <a:buNone/>
+              <a:defRPr sz="1600">
+                <a:solidFill>
+                  <a:schemeClr val="tx1">
+                    <a:lumMod val="50000"/>
+                    <a:lumOff val="50000"/>
+                  </a:schemeClr>
+                </a:solidFill>
+              </a:defRPr>
+            </a:lvl1pPr>
+            <a:lvl2pPr marL="457200" indent="0">
+              <a:buFontTx/>
+              <a:buNone/>
+              <a:defRPr/>
+            </a:lvl2pPr>
+            <a:lvl3pPr marL="914400" indent="0">
+              <a:buFontTx/>
+              <a:buNone/>
+              <a:defRPr/>
+            </a:lvl3pPr>
+            <a:lvl4pPr marL="1371600" indent="0">
+              <a:buFontTx/>
+              <a:buNone/>
+              <a:defRPr/>
+            </a:lvl4pPr>
+            <a:lvl5pPr marL="1828800" indent="0">
+              <a:buFontTx/>
+              <a:buNone/>
+              <a:defRPr/>
+            </a:lvl5pPr>
+          </a:lstStyle>
+          <a:p>
+            <a:pPr lvl="0"/>
+            <a:r>
+              <a:rPr lang="hu-HU" smtClean="0"/>
+              <a:t>Mintaszöveg szerkesztése</a:t>
+            </a:r>
+          </a:p>
+        </p:txBody>
+      </p:sp>
+      <p:sp>
+        <p:nvSpPr>
+          <p:cNvPr id="3" name="Text Placeholder 2"/>
+          <p:cNvSpPr>
+            <a:spLocks noGrp="1"/>
+          </p:cNvSpPr>
+          <p:nvPr>
+            <p:ph type="body" idx="1"/>
+          </p:nvPr>
+        </p:nvSpPr>
+        <p:spPr>
+          <a:xfrm>
+            <a:off x="677335" y="4470400"/>
+            <a:ext cx="8596668" cy="1570962"/>
+          </a:xfrm>
+        </p:spPr>
+        <p:txBody>
+          <a:bodyPr anchor="ctr">
+            <a:normAutofit/>
+          </a:bodyPr>
+          <a:lstStyle>
+            <a:lvl1pPr marL="0" indent="0" algn="l">
+              <a:buNone/>
+              <a:defRPr sz="1800">
+                <a:solidFill>
+                  <a:schemeClr val="tx1">
+                    <a:lumMod val="75000"/>
+                    <a:lumOff val="25000"/>
+                  </a:schemeClr>
+                </a:solidFill>
+              </a:defRPr>
+            </a:lvl1pPr>
+            <a:lvl2pPr marL="457200" indent="0">
+              <a:buNone/>
+              <a:defRPr sz="1800">
+                <a:solidFill>
+                  <a:schemeClr val="tx1">
+                    <a:tint val="75000"/>
+                  </a:schemeClr>
+                </a:solidFill>
+              </a:defRPr>
+            </a:lvl2pPr>
+            <a:lvl3pPr marL="914400" indent="0">
+              <a:buNone/>
+              <a:defRPr sz="1600">
+                <a:solidFill>
+                  <a:schemeClr val="tx1">
+                    <a:tint val="75000"/>
+                  </a:schemeClr>
+                </a:solidFill>
+              </a:defRPr>
+            </a:lvl3pPr>
+            <a:lvl4pPr marL="1371600" indent="0">
+              <a:buNone/>
+              <a:defRPr sz="1400">
+                <a:solidFill>
+                  <a:schemeClr val="tx1">
+                    <a:tint val="75000"/>
+                  </a:schemeClr>
+                </a:solidFill>
+              </a:defRPr>
+            </a:lvl4pPr>
+            <a:lvl5pPr marL="1828800" indent="0">
+              <a:buNone/>
+              <a:defRPr sz="1400">
+                <a:solidFill>
+                  <a:schemeClr val="tx1">
+                    <a:tint val="75000"/>
+                  </a:schemeClr>
+                </a:solidFill>
+              </a:defRPr>
+            </a:lvl5pPr>
+            <a:lvl6pPr marL="2286000" indent="0">
+              <a:buNone/>
+              <a:defRPr sz="1400">
+                <a:solidFill>
+                  <a:schemeClr val="tx1">
+                    <a:tint val="75000"/>
+                  </a:schemeClr>
+                </a:solidFill>
+              </a:defRPr>
+            </a:lvl6pPr>
+            <a:lvl7pPr marL="2743200" indent="0">
+              <a:buNone/>
+              <a:defRPr sz="1400">
+                <a:solidFill>
+                  <a:schemeClr val="tx1">
+                    <a:tint val="75000"/>
+                  </a:schemeClr>
+                </a:solidFill>
+              </a:defRPr>
+            </a:lvl7pPr>
+            <a:lvl8pPr marL="3200400" indent="0">
+              <a:buNone/>
+              <a:defRPr sz="1400">
+                <a:solidFill>
+                  <a:schemeClr val="tx1">
+                    <a:tint val="75000"/>
+                  </a:schemeClr>
+                </a:solidFill>
+              </a:defRPr>
+            </a:lvl8pPr>
+            <a:lvl9pPr marL="3657600" indent="0">
+              <a:buNone/>
+              <a:defRPr sz="1400">
+                <a:solidFill>
+                  <a:schemeClr val="tx1">
+                    <a:tint val="75000"/>
+                  </a:schemeClr>
+                </a:solidFill>
+              </a:defRPr>
+            </a:lvl9pPr>
+          </a:lstStyle>
+          <a:p>
+            <a:pPr lvl="0"/>
+            <a:r>
+              <a:rPr lang="hu-HU" smtClean="0"/>
+              <a:t>Mintaszöveg szerkesztése</a:t>
+            </a:r>
+          </a:p>
+        </p:txBody>
+      </p:sp>
+      <p:sp>
+        <p:nvSpPr>
+          <p:cNvPr id="4" name="Date Placeholder 3"/>
+          <p:cNvSpPr>
+            <a:spLocks noGrp="1"/>
+          </p:cNvSpPr>
+          <p:nvPr>
+            <p:ph type="dt" sz="half" idx="10"/>
+          </p:nvPr>
+        </p:nvSpPr>
+        <p:spPr/>
+        <p:txBody>
+          <a:bodyPr/>
+          <a:lstStyle/>
+          <a:p>
+            <a:fld id="{EA04F24A-984E-49E1-A489-BBAA7BA39510}" type="datetimeFigureOut">
+              <a:rPr lang="hu-HU" smtClean="0"/>
+              <a:t>2022.09.12.</a:t>
+            </a:fld>
+            <a:endParaRPr lang="hu-HU"/>
+          </a:p>
+        </p:txBody>
+      </p:sp>
+      <p:sp>
+        <p:nvSpPr>
+          <p:cNvPr id="5" name="Footer Placeholder 4"/>
+          <p:cNvSpPr>
+            <a:spLocks noGrp="1"/>
+          </p:cNvSpPr>
+          <p:nvPr>
+            <p:ph type="ftr" sz="quarter" idx="11"/>
+          </p:nvPr>
+        </p:nvSpPr>
+        <p:spPr/>
+        <p:txBody>
+          <a:bodyPr/>
+          <a:lstStyle/>
+          <a:p>
+            <a:endParaRPr lang="hu-HU"/>
+          </a:p>
+        </p:txBody>
+      </p:sp>
+      <p:sp>
+        <p:nvSpPr>
+          <p:cNvPr id="6" name="Slide Number Placeholder 5"/>
+          <p:cNvSpPr>
+            <a:spLocks noGrp="1"/>
+          </p:cNvSpPr>
+          <p:nvPr>
+            <p:ph type="sldNum" sz="quarter" idx="12"/>
+          </p:nvPr>
+        </p:nvSpPr>
+        <p:spPr/>
+        <p:txBody>
+          <a:bodyPr/>
+          <a:lstStyle/>
+          <a:p>
+            <a:fld id="{45D8FD6A-7BE7-455D-9B29-3F466719B09B}" type="slidenum">
+              <a:rPr lang="hu-HU" smtClean="0"/>
+              <a:t>‹#›</a:t>
+            </a:fld>
+            <a:endParaRPr lang="hu-HU"/>
+          </a:p>
+        </p:txBody>
+      </p:sp>
+      <p:sp>
+        <p:nvSpPr>
+          <p:cNvPr id="20" name="TextBox 19"/>
+          <p:cNvSpPr txBox="1"/>
+          <p:nvPr/>
+        </p:nvSpPr>
+        <p:spPr>
+          <a:xfrm>
+            <a:off x="541870" y="790378"/>
+            <a:ext cx="609600" cy="584776"/>
+          </a:xfrm>
+          <a:prstGeom prst="rect">
+            <a:avLst/>
+          </a:prstGeom>
+        </p:spPr>
+        <p:txBody>
+          <a:bodyPr vert="horz" lIns="91440" tIns="45720" rIns="91440" bIns="45720" rtlCol="0" anchor="ctr">
+            <a:noAutofit/>
+          </a:bodyPr>
+          <a:lstStyle/>
+          <a:p>
+            <a:pPr lvl="0"/>
+            <a:r>
+              <a:rPr lang="en-US" sz="8000" baseline="0" dirty="0">
+                <a:ln w="3175" cmpd="sng">
+                  <a:noFill/>
+                </a:ln>
+                <a:solidFill>
+                  <a:schemeClr val="accent1"/>
+                </a:solidFill>
+                <a:effectLst/>
+                <a:latin typeface="Arial"/>
+              </a:rPr>
+              <a:t>“</a:t>
+            </a:r>
+          </a:p>
+        </p:txBody>
+      </p:sp>
+      <p:sp>
+        <p:nvSpPr>
+          <p:cNvPr id="22" name="TextBox 21"/>
+          <p:cNvSpPr txBox="1"/>
+          <p:nvPr/>
+        </p:nvSpPr>
+        <p:spPr>
+          <a:xfrm>
+            <a:off x="8893011" y="2886556"/>
+            <a:ext cx="609600" cy="584776"/>
+          </a:xfrm>
+          <a:prstGeom prst="rect">
+            <a:avLst/>
+          </a:prstGeom>
+        </p:spPr>
+        <p:txBody>
+          <a:bodyPr vert="horz" lIns="91440" tIns="45720" rIns="91440" bIns="45720" rtlCol="0" anchor="ctr">
+            <a:noAutofit/>
+          </a:bodyPr>
+          <a:lstStyle/>
+          <a:p>
+            <a:pPr lvl="0"/>
+            <a:r>
+              <a:rPr lang="en-US" sz="8000" baseline="0" dirty="0">
+                <a:ln w="3175" cmpd="sng">
+                  <a:noFill/>
+                </a:ln>
+                <a:solidFill>
+                  <a:schemeClr val="accent1"/>
+                </a:solidFill>
+                <a:effectLst/>
+                <a:latin typeface="Arial"/>
+              </a:rPr>
+              <a:t>”</a:t>
+            </a:r>
+          </a:p>
+        </p:txBody>
+      </p:sp>
+    </p:spTree>
+    <p:extLst>
+      <p:ext uri="{BB962C8B-B14F-4D97-AF65-F5344CB8AC3E}">
+        <p14:creationId xmlns:p14="http://schemas.microsoft.com/office/powerpoint/2010/main" val="2092168949"/>
+      </p:ext>
+    </p:extLst>
+  </p:cSld>
+  <p:clrMapOvr>
+    <a:masterClrMapping/>
+  </p:clrMapOvr>
+</p:sldLayout>
+</file>
+
+<file path=ppt/slideLayouts/slideLayout12.xml><?xml version="1.0" encoding="utf-8"?>
+<p:sldLayout xmlns:a="http://schemas.openxmlformats.org/drawingml/2006/main" xmlns:r="http://schemas.openxmlformats.org/officeDocument/2006/relationships" xmlns:p="http://schemas.openxmlformats.org/presentationml/2006/main" preserve="1">
+  <p:cSld name="Névkártya">
+    <p:spTree>
+      <p:nvGrpSpPr>
+        <p:cNvPr id="1" name=""/>
+        <p:cNvGrpSpPr/>
+        <p:nvPr/>
+      </p:nvGrpSpPr>
+      <p:grpSpPr>
+        <a:xfrm>
+          <a:off x="0" y="0"/>
+          <a:ext cx="0" cy="0"/>
+          <a:chOff x="0" y="0"/>
+          <a:chExt cx="0" cy="0"/>
+        </a:xfrm>
+      </p:grpSpPr>
+      <p:sp>
+        <p:nvSpPr>
+          <p:cNvPr id="2" name="Title 1"/>
+          <p:cNvSpPr>
+            <a:spLocks noGrp="1"/>
+          </p:cNvSpPr>
+          <p:nvPr>
+            <p:ph type="title"/>
+          </p:nvPr>
+        </p:nvSpPr>
+        <p:spPr>
+          <a:xfrm>
+            <a:off x="677335" y="1931988"/>
+            <a:ext cx="8596668" cy="2595460"/>
+          </a:xfrm>
+        </p:spPr>
+        <p:txBody>
+          <a:bodyPr anchor="b">
+            <a:normAutofit/>
+          </a:bodyPr>
+          <a:lstStyle>
+            <a:lvl1pPr algn="l">
+              <a:defRPr sz="4400" b="0" cap="none"/>
+            </a:lvl1pPr>
+          </a:lstStyle>
+          <a:p>
+            <a:r>
+              <a:rPr lang="hu-HU" smtClean="0"/>
+              <a:t>Mintacím szerkesztése</a:t>
+            </a:r>
+            <a:endParaRPr lang="en-US" dirty="0"/>
+          </a:p>
+        </p:txBody>
+      </p:sp>
+      <p:sp>
+        <p:nvSpPr>
+          <p:cNvPr id="3" name="Text Placeholder 2"/>
+          <p:cNvSpPr>
+            <a:spLocks noGrp="1"/>
+          </p:cNvSpPr>
+          <p:nvPr>
+            <p:ph type="body" idx="1"/>
+          </p:nvPr>
+        </p:nvSpPr>
+        <p:spPr>
+          <a:xfrm>
+            <a:off x="677335" y="4527448"/>
+            <a:ext cx="8596668" cy="1513914"/>
+          </a:xfrm>
+        </p:spPr>
+        <p:txBody>
+          <a:bodyPr anchor="t">
+            <a:normAutofit/>
+          </a:bodyPr>
+          <a:lstStyle>
+            <a:lvl1pPr marL="0" indent="0" algn="l">
+              <a:buNone/>
+              <a:defRPr sz="1800">
+                <a:solidFill>
+                  <a:schemeClr val="tx1">
+                    <a:lumMod val="75000"/>
+                    <a:lumOff val="25000"/>
+                  </a:schemeClr>
+                </a:solidFill>
+              </a:defRPr>
+            </a:lvl1pPr>
+            <a:lvl2pPr marL="457200" indent="0">
+              <a:buNone/>
+              <a:defRPr sz="1800">
+                <a:solidFill>
+                  <a:schemeClr val="tx1">
+                    <a:tint val="75000"/>
+                  </a:schemeClr>
+                </a:solidFill>
+              </a:defRPr>
+            </a:lvl2pPr>
+            <a:lvl3pPr marL="914400" indent="0">
+              <a:buNone/>
+              <a:defRPr sz="1600">
+                <a:solidFill>
+                  <a:schemeClr val="tx1">
+                    <a:tint val="75000"/>
+                  </a:schemeClr>
+                </a:solidFill>
+              </a:defRPr>
+            </a:lvl3pPr>
+            <a:lvl4pPr marL="1371600" indent="0">
+              <a:buNone/>
+              <a:defRPr sz="1400">
+                <a:solidFill>
+                  <a:schemeClr val="tx1">
+                    <a:tint val="75000"/>
+                  </a:schemeClr>
+                </a:solidFill>
+              </a:defRPr>
+            </a:lvl4pPr>
+            <a:lvl5pPr marL="1828800" indent="0">
+              <a:buNone/>
+              <a:defRPr sz="1400">
+                <a:solidFill>
+                  <a:schemeClr val="tx1">
+                    <a:tint val="75000"/>
+                  </a:schemeClr>
+                </a:solidFill>
+              </a:defRPr>
+            </a:lvl5pPr>
+            <a:lvl6pPr marL="2286000" indent="0">
+              <a:buNone/>
+              <a:defRPr sz="1400">
+                <a:solidFill>
+                  <a:schemeClr val="tx1">
+                    <a:tint val="75000"/>
+                  </a:schemeClr>
+                </a:solidFill>
+              </a:defRPr>
+            </a:lvl6pPr>
+            <a:lvl7pPr marL="2743200" indent="0">
+              <a:buNone/>
+              <a:defRPr sz="1400">
+                <a:solidFill>
+                  <a:schemeClr val="tx1">
+                    <a:tint val="75000"/>
+                  </a:schemeClr>
+                </a:solidFill>
+              </a:defRPr>
+            </a:lvl7pPr>
+            <a:lvl8pPr marL="3200400" indent="0">
+              <a:buNone/>
+              <a:defRPr sz="1400">
+                <a:solidFill>
+                  <a:schemeClr val="tx1">
+                    <a:tint val="75000"/>
+                  </a:schemeClr>
+                </a:solidFill>
+              </a:defRPr>
+            </a:lvl8pPr>
+            <a:lvl9pPr marL="3657600" indent="0">
+              <a:buNone/>
+              <a:defRPr sz="1400">
+                <a:solidFill>
+                  <a:schemeClr val="tx1">
+                    <a:tint val="75000"/>
+                  </a:schemeClr>
+                </a:solidFill>
+              </a:defRPr>
+            </a:lvl9pPr>
+          </a:lstStyle>
+          <a:p>
+            <a:pPr lvl="0"/>
+            <a:r>
+              <a:rPr lang="hu-HU" smtClean="0"/>
+              <a:t>Mintaszöveg szerkesztése</a:t>
+            </a:r>
+          </a:p>
+        </p:txBody>
+      </p:sp>
+      <p:sp>
+        <p:nvSpPr>
+          <p:cNvPr id="4" name="Date Placeholder 3"/>
+          <p:cNvSpPr>
+            <a:spLocks noGrp="1"/>
+          </p:cNvSpPr>
+          <p:nvPr>
+            <p:ph type="dt" sz="half" idx="10"/>
+          </p:nvPr>
+        </p:nvSpPr>
+        <p:spPr/>
+        <p:txBody>
+          <a:bodyPr/>
+          <a:lstStyle/>
+          <a:p>
+            <a:fld id="{EA04F24A-984E-49E1-A489-BBAA7BA39510}" type="datetimeFigureOut">
+              <a:rPr lang="hu-HU" smtClean="0"/>
+              <a:t>2022.09.12.</a:t>
+            </a:fld>
+            <a:endParaRPr lang="hu-HU"/>
+          </a:p>
+        </p:txBody>
+      </p:sp>
+      <p:sp>
+        <p:nvSpPr>
+          <p:cNvPr id="5" name="Footer Placeholder 4"/>
+          <p:cNvSpPr>
+            <a:spLocks noGrp="1"/>
+          </p:cNvSpPr>
+          <p:nvPr>
+            <p:ph type="ftr" sz="quarter" idx="11"/>
+          </p:nvPr>
+        </p:nvSpPr>
+        <p:spPr/>
+        <p:txBody>
+          <a:bodyPr/>
+          <a:lstStyle/>
+          <a:p>
+            <a:endParaRPr lang="hu-HU"/>
+          </a:p>
+        </p:txBody>
+      </p:sp>
+      <p:sp>
+        <p:nvSpPr>
+          <p:cNvPr id="6" name="Slide Number Placeholder 5"/>
+          <p:cNvSpPr>
+            <a:spLocks noGrp="1"/>
+          </p:cNvSpPr>
+          <p:nvPr>
+            <p:ph type="sldNum" sz="quarter" idx="12"/>
+          </p:nvPr>
+        </p:nvSpPr>
+        <p:spPr/>
+        <p:txBody>
+          <a:bodyPr/>
+          <a:lstStyle/>
+          <a:p>
+            <a:fld id="{45D8FD6A-7BE7-455D-9B29-3F466719B09B}" type="slidenum">
+              <a:rPr lang="hu-HU" smtClean="0"/>
+              <a:t>‹#›</a:t>
+            </a:fld>
+            <a:endParaRPr lang="hu-HU"/>
+          </a:p>
+        </p:txBody>
+      </p:sp>
+    </p:spTree>
+    <p:extLst>
+      <p:ext uri="{BB962C8B-B14F-4D97-AF65-F5344CB8AC3E}">
+        <p14:creationId xmlns:p14="http://schemas.microsoft.com/office/powerpoint/2010/main" val="4271470481"/>
+      </p:ext>
+    </p:extLst>
+  </p:cSld>
+  <p:clrMapOvr>
+    <a:masterClrMapping/>
+  </p:clrMapOvr>
+</p:sldLayout>
+</file>
+
+<file path=ppt/slideLayouts/slideLayout13.xml><?xml version="1.0" encoding="utf-8"?>
+<p:sldLayout xmlns:a="http://schemas.openxmlformats.org/drawingml/2006/main" xmlns:r="http://schemas.openxmlformats.org/officeDocument/2006/relationships" xmlns:p="http://schemas.openxmlformats.org/presentationml/2006/main" preserve="1">
+  <p:cSld name="Névkártya idézettel">
+    <p:spTree>
+      <p:nvGrpSpPr>
+        <p:cNvPr id="1" name=""/>
+        <p:cNvGrpSpPr/>
+        <p:nvPr/>
+      </p:nvGrpSpPr>
+      <p:grpSpPr>
+        <a:xfrm>
+          <a:off x="0" y="0"/>
+          <a:ext cx="0" cy="0"/>
+          <a:chOff x="0" y="0"/>
+          <a:chExt cx="0" cy="0"/>
+        </a:xfrm>
+      </p:grpSpPr>
+      <p:sp>
+        <p:nvSpPr>
+          <p:cNvPr id="2" name="Title 1"/>
+          <p:cNvSpPr>
+            <a:spLocks noGrp="1"/>
+          </p:cNvSpPr>
+          <p:nvPr>
+            <p:ph type="title"/>
+          </p:nvPr>
+        </p:nvSpPr>
+        <p:spPr>
+          <a:xfrm>
+            <a:off x="931334" y="609600"/>
+            <a:ext cx="8094134" cy="3022600"/>
+          </a:xfrm>
+        </p:spPr>
+        <p:txBody>
+          <a:bodyPr anchor="ctr">
+            <a:normAutofit/>
+          </a:bodyPr>
+          <a:lstStyle>
+            <a:lvl1pPr algn="l">
+              <a:defRPr sz="4400" b="0" cap="none"/>
+            </a:lvl1pPr>
+          </a:lstStyle>
+          <a:p>
+            <a:r>
+              <a:rPr lang="hu-HU" smtClean="0"/>
+              <a:t>Mintacím szerkesztése</a:t>
+            </a:r>
+            <a:endParaRPr lang="en-US" dirty="0"/>
+          </a:p>
+        </p:txBody>
+      </p:sp>
+      <p:sp>
+        <p:nvSpPr>
+          <p:cNvPr id="23" name="Text Placeholder 9"/>
+          <p:cNvSpPr>
+            <a:spLocks noGrp="1"/>
+          </p:cNvSpPr>
+          <p:nvPr>
+            <p:ph type="body" sz="quarter" idx="13"/>
+          </p:nvPr>
+        </p:nvSpPr>
+        <p:spPr>
+          <a:xfrm>
+            <a:off x="677332" y="4013200"/>
+            <a:ext cx="8596669" cy="514248"/>
+          </a:xfrm>
+        </p:spPr>
+        <p:txBody>
+          <a:bodyPr anchor="b">
+            <a:noAutofit/>
+          </a:bodyPr>
+          <a:lstStyle>
+            <a:lvl1pPr marL="0" indent="0">
+              <a:buFontTx/>
+              <a:buNone/>
+              <a:defRPr sz="2400">
+                <a:solidFill>
+                  <a:schemeClr val="tx1">
+                    <a:lumMod val="75000"/>
+                    <a:lumOff val="25000"/>
+                  </a:schemeClr>
+                </a:solidFill>
+              </a:defRPr>
+            </a:lvl1pPr>
+            <a:lvl2pPr marL="457200" indent="0">
+              <a:buFontTx/>
+              <a:buNone/>
+              <a:defRPr/>
+            </a:lvl2pPr>
+            <a:lvl3pPr marL="914400" indent="0">
+              <a:buFontTx/>
+              <a:buNone/>
+              <a:defRPr/>
+            </a:lvl3pPr>
+            <a:lvl4pPr marL="1371600" indent="0">
+              <a:buFontTx/>
+              <a:buNone/>
+              <a:defRPr/>
+            </a:lvl4pPr>
+            <a:lvl5pPr marL="1828800" indent="0">
+              <a:buFontTx/>
+              <a:buNone/>
+              <a:defRPr/>
+            </a:lvl5pPr>
+          </a:lstStyle>
+          <a:p>
+            <a:pPr lvl="0"/>
+            <a:r>
+              <a:rPr lang="hu-HU" smtClean="0"/>
+              <a:t>Mintaszöveg szerkesztése</a:t>
+            </a:r>
+          </a:p>
+        </p:txBody>
+      </p:sp>
+      <p:sp>
+        <p:nvSpPr>
+          <p:cNvPr id="3" name="Text Placeholder 2"/>
+          <p:cNvSpPr>
+            <a:spLocks noGrp="1"/>
+          </p:cNvSpPr>
+          <p:nvPr>
+            <p:ph type="body" idx="1"/>
+          </p:nvPr>
+        </p:nvSpPr>
+        <p:spPr>
+          <a:xfrm>
+            <a:off x="677335" y="4527448"/>
+            <a:ext cx="8596668" cy="1513914"/>
+          </a:xfrm>
+        </p:spPr>
+        <p:txBody>
+          <a:bodyPr anchor="t">
+            <a:normAutofit/>
+          </a:bodyPr>
+          <a:lstStyle>
+            <a:lvl1pPr marL="0" indent="0" algn="l">
+              <a:buNone/>
+              <a:defRPr sz="1800">
+                <a:solidFill>
+                  <a:schemeClr val="tx1">
+                    <a:lumMod val="50000"/>
+                    <a:lumOff val="50000"/>
+                  </a:schemeClr>
+                </a:solidFill>
+              </a:defRPr>
+            </a:lvl1pPr>
+            <a:lvl2pPr marL="457200" indent="0">
+              <a:buNone/>
+              <a:defRPr sz="1800">
+                <a:solidFill>
+                  <a:schemeClr val="tx1">
+                    <a:tint val="75000"/>
+                  </a:schemeClr>
+                </a:solidFill>
+              </a:defRPr>
+            </a:lvl2pPr>
+            <a:lvl3pPr marL="914400" indent="0">
+              <a:buNone/>
+              <a:defRPr sz="1600">
+                <a:solidFill>
+                  <a:schemeClr val="tx1">
+                    <a:tint val="75000"/>
+                  </a:schemeClr>
+                </a:solidFill>
+              </a:defRPr>
+            </a:lvl3pPr>
+            <a:lvl4pPr marL="1371600" indent="0">
+              <a:buNone/>
+              <a:defRPr sz="1400">
+                <a:solidFill>
+                  <a:schemeClr val="tx1">
+                    <a:tint val="75000"/>
+                  </a:schemeClr>
+                </a:solidFill>
+              </a:defRPr>
+            </a:lvl4pPr>
+            <a:lvl5pPr marL="1828800" indent="0">
+              <a:buNone/>
+              <a:defRPr sz="1400">
+                <a:solidFill>
+                  <a:schemeClr val="tx1">
+                    <a:tint val="75000"/>
+                  </a:schemeClr>
+                </a:solidFill>
+              </a:defRPr>
+            </a:lvl5pPr>
+            <a:lvl6pPr marL="2286000" indent="0">
+              <a:buNone/>
+              <a:defRPr sz="1400">
+                <a:solidFill>
+                  <a:schemeClr val="tx1">
+                    <a:tint val="75000"/>
+                  </a:schemeClr>
+                </a:solidFill>
+              </a:defRPr>
+            </a:lvl6pPr>
+            <a:lvl7pPr marL="2743200" indent="0">
+              <a:buNone/>
+              <a:defRPr sz="1400">
+                <a:solidFill>
+                  <a:schemeClr val="tx1">
+                    <a:tint val="75000"/>
+                  </a:schemeClr>
+                </a:solidFill>
+              </a:defRPr>
+            </a:lvl7pPr>
+            <a:lvl8pPr marL="3200400" indent="0">
+              <a:buNone/>
+              <a:defRPr sz="1400">
+                <a:solidFill>
+                  <a:schemeClr val="tx1">
+                    <a:tint val="75000"/>
+                  </a:schemeClr>
+                </a:solidFill>
+              </a:defRPr>
+            </a:lvl8pPr>
+            <a:lvl9pPr marL="3657600" indent="0">
+              <a:buNone/>
+              <a:defRPr sz="1400">
+                <a:solidFill>
+                  <a:schemeClr val="tx1">
+                    <a:tint val="75000"/>
+                  </a:schemeClr>
+                </a:solidFill>
+              </a:defRPr>
+            </a:lvl9pPr>
+          </a:lstStyle>
+          <a:p>
+            <a:pPr lvl="0"/>
+            <a:r>
+              <a:rPr lang="hu-HU" smtClean="0"/>
+              <a:t>Mintaszöveg szerkesztése</a:t>
+            </a:r>
+          </a:p>
+        </p:txBody>
+      </p:sp>
+      <p:sp>
+        <p:nvSpPr>
+          <p:cNvPr id="4" name="Date Placeholder 3"/>
+          <p:cNvSpPr>
+            <a:spLocks noGrp="1"/>
+          </p:cNvSpPr>
+          <p:nvPr>
+            <p:ph type="dt" sz="half" idx="10"/>
+          </p:nvPr>
+        </p:nvSpPr>
+        <p:spPr/>
+        <p:txBody>
+          <a:bodyPr/>
+          <a:lstStyle/>
+          <a:p>
+            <a:fld id="{EA04F24A-984E-49E1-A489-BBAA7BA39510}" type="datetimeFigureOut">
+              <a:rPr lang="hu-HU" smtClean="0"/>
+              <a:t>2022.09.12.</a:t>
+            </a:fld>
+            <a:endParaRPr lang="hu-HU"/>
+          </a:p>
+        </p:txBody>
+      </p:sp>
+      <p:sp>
+        <p:nvSpPr>
+          <p:cNvPr id="5" name="Footer Placeholder 4"/>
+          <p:cNvSpPr>
+            <a:spLocks noGrp="1"/>
+          </p:cNvSpPr>
+          <p:nvPr>
+            <p:ph type="ftr" sz="quarter" idx="11"/>
+          </p:nvPr>
+        </p:nvSpPr>
+        <p:spPr/>
+        <p:txBody>
+          <a:bodyPr/>
+          <a:lstStyle/>
+          <a:p>
+            <a:endParaRPr lang="hu-HU"/>
+          </a:p>
+        </p:txBody>
+      </p:sp>
+      <p:sp>
+        <p:nvSpPr>
+          <p:cNvPr id="6" name="Slide Number Placeholder 5"/>
+          <p:cNvSpPr>
+            <a:spLocks noGrp="1"/>
+          </p:cNvSpPr>
+          <p:nvPr>
+            <p:ph type="sldNum" sz="quarter" idx="12"/>
+          </p:nvPr>
+        </p:nvSpPr>
+        <p:spPr/>
+        <p:txBody>
+          <a:bodyPr/>
+          <a:lstStyle/>
+          <a:p>
+            <a:fld id="{45D8FD6A-7BE7-455D-9B29-3F466719B09B}" type="slidenum">
+              <a:rPr lang="hu-HU" smtClean="0"/>
+              <a:t>‹#›</a:t>
+            </a:fld>
+            <a:endParaRPr lang="hu-HU"/>
+          </a:p>
+        </p:txBody>
+      </p:sp>
+      <p:sp>
+        <p:nvSpPr>
+          <p:cNvPr id="24" name="TextBox 23"/>
+          <p:cNvSpPr txBox="1"/>
+          <p:nvPr/>
+        </p:nvSpPr>
+        <p:spPr>
+          <a:xfrm>
+            <a:off x="541870" y="790378"/>
+            <a:ext cx="609600" cy="584776"/>
+          </a:xfrm>
+          <a:prstGeom prst="rect">
+            <a:avLst/>
+          </a:prstGeom>
+        </p:spPr>
+        <p:txBody>
+          <a:bodyPr vert="horz" lIns="91440" tIns="45720" rIns="91440" bIns="45720" rtlCol="0" anchor="ctr">
+            <a:noAutofit/>
+          </a:bodyPr>
+          <a:lstStyle/>
+          <a:p>
+            <a:pPr lvl="0"/>
+            <a:r>
+              <a:rPr lang="en-US" sz="8000" baseline="0" dirty="0">
+                <a:ln w="3175" cmpd="sng">
+                  <a:noFill/>
+                </a:ln>
+                <a:solidFill>
+                  <a:schemeClr val="accent1"/>
+                </a:solidFill>
+                <a:effectLst/>
+                <a:latin typeface="Arial"/>
+              </a:rPr>
+              <a:t>“</a:t>
+            </a:r>
+          </a:p>
+        </p:txBody>
+      </p:sp>
+      <p:sp>
+        <p:nvSpPr>
+          <p:cNvPr id="25" name="TextBox 24"/>
+          <p:cNvSpPr txBox="1"/>
+          <p:nvPr/>
+        </p:nvSpPr>
+        <p:spPr>
+          <a:xfrm>
+            <a:off x="8893011" y="2886556"/>
+            <a:ext cx="609600" cy="584776"/>
+          </a:xfrm>
+          <a:prstGeom prst="rect">
+            <a:avLst/>
+          </a:prstGeom>
+        </p:spPr>
+        <p:txBody>
+          <a:bodyPr vert="horz" lIns="91440" tIns="45720" rIns="91440" bIns="45720" rtlCol="0" anchor="ctr">
+            <a:noAutofit/>
+          </a:bodyPr>
+          <a:lstStyle/>
+          <a:p>
+            <a:pPr lvl="0"/>
+            <a:r>
+              <a:rPr lang="en-US" sz="8000" baseline="0" dirty="0">
+                <a:ln w="3175" cmpd="sng">
+                  <a:noFill/>
+                </a:ln>
+                <a:solidFill>
+                  <a:schemeClr val="accent1"/>
+                </a:solidFill>
+                <a:effectLst/>
+                <a:latin typeface="Arial"/>
+              </a:rPr>
+              <a:t>”</a:t>
+            </a:r>
+          </a:p>
+        </p:txBody>
+      </p:sp>
+    </p:spTree>
+    <p:extLst>
+      <p:ext uri="{BB962C8B-B14F-4D97-AF65-F5344CB8AC3E}">
+        <p14:creationId xmlns:p14="http://schemas.microsoft.com/office/powerpoint/2010/main" val="2850264439"/>
+      </p:ext>
+    </p:extLst>
+  </p:cSld>
+  <p:clrMapOvr>
+    <a:masterClrMapping/>
+  </p:clrMapOvr>
+</p:sldLayout>
+</file>
+
+<file path=ppt/slideLayouts/slideLayout14.xml><?xml version="1.0" encoding="utf-8"?>
+<p:sldLayout xmlns:a="http://schemas.openxmlformats.org/drawingml/2006/main" xmlns:r="http://schemas.openxmlformats.org/officeDocument/2006/relationships" xmlns:p="http://schemas.openxmlformats.org/presentationml/2006/main" preserve="1">
+  <p:cSld name="Igaz vagy hamis">
+    <p:spTree>
+      <p:nvGrpSpPr>
+        <p:cNvPr id="1" name=""/>
+        <p:cNvGrpSpPr/>
+        <p:nvPr/>
+      </p:nvGrpSpPr>
+      <p:grpSpPr>
+        <a:xfrm>
+          <a:off x="0" y="0"/>
+          <a:ext cx="0" cy="0"/>
+          <a:chOff x="0" y="0"/>
+          <a:chExt cx="0" cy="0"/>
+        </a:xfrm>
+      </p:grpSpPr>
+      <p:sp>
+        <p:nvSpPr>
+          <p:cNvPr id="2" name="Title 1"/>
+          <p:cNvSpPr>
+            <a:spLocks noGrp="1"/>
+          </p:cNvSpPr>
+          <p:nvPr>
+            <p:ph type="title"/>
+          </p:nvPr>
+        </p:nvSpPr>
+        <p:spPr>
+          <a:xfrm>
+            <a:off x="685799" y="609600"/>
+            <a:ext cx="8588203" cy="3022600"/>
+          </a:xfrm>
+        </p:spPr>
+        <p:txBody>
+          <a:bodyPr anchor="ctr">
+            <a:normAutofit/>
+          </a:bodyPr>
+          <a:lstStyle>
+            <a:lvl1pPr algn="l">
+              <a:defRPr sz="4400" b="0" cap="none"/>
+            </a:lvl1pPr>
+          </a:lstStyle>
+          <a:p>
+            <a:r>
+              <a:rPr lang="hu-HU" smtClean="0"/>
+              <a:t>Mintacím szerkesztése</a:t>
+            </a:r>
+            <a:endParaRPr lang="en-US" dirty="0"/>
+          </a:p>
+        </p:txBody>
+      </p:sp>
+      <p:sp>
+        <p:nvSpPr>
+          <p:cNvPr id="23" name="Text Placeholder 9"/>
+          <p:cNvSpPr>
+            <a:spLocks noGrp="1"/>
+          </p:cNvSpPr>
+          <p:nvPr>
+            <p:ph type="body" sz="quarter" idx="13"/>
+          </p:nvPr>
+        </p:nvSpPr>
+        <p:spPr>
+          <a:xfrm>
+            <a:off x="677332" y="4013200"/>
+            <a:ext cx="8596669" cy="514248"/>
+          </a:xfrm>
+        </p:spPr>
+        <p:txBody>
+          <a:bodyPr anchor="b">
+            <a:noAutofit/>
+          </a:bodyPr>
+          <a:lstStyle>
+            <a:lvl1pPr marL="0" indent="0">
+              <a:buFontTx/>
+              <a:buNone/>
+              <a:defRPr sz="2400">
+                <a:solidFill>
+                  <a:schemeClr val="accent1"/>
+                </a:solidFill>
+              </a:defRPr>
+            </a:lvl1pPr>
+            <a:lvl2pPr marL="457200" indent="0">
+              <a:buFontTx/>
+              <a:buNone/>
+              <a:defRPr/>
+            </a:lvl2pPr>
+            <a:lvl3pPr marL="914400" indent="0">
+              <a:buFontTx/>
+              <a:buNone/>
+              <a:defRPr/>
+            </a:lvl3pPr>
+            <a:lvl4pPr marL="1371600" indent="0">
+              <a:buFontTx/>
+              <a:buNone/>
+              <a:defRPr/>
+            </a:lvl4pPr>
+            <a:lvl5pPr marL="1828800" indent="0">
+              <a:buFontTx/>
+              <a:buNone/>
+              <a:defRPr/>
+            </a:lvl5pPr>
+          </a:lstStyle>
+          <a:p>
+            <a:pPr lvl="0"/>
+            <a:r>
+              <a:rPr lang="hu-HU" smtClean="0"/>
+              <a:t>Mintaszöveg szerkesztése</a:t>
+            </a:r>
+          </a:p>
+        </p:txBody>
+      </p:sp>
+      <p:sp>
+        <p:nvSpPr>
+          <p:cNvPr id="3" name="Text Placeholder 2"/>
+          <p:cNvSpPr>
+            <a:spLocks noGrp="1"/>
+          </p:cNvSpPr>
+          <p:nvPr>
+            <p:ph type="body" idx="1"/>
+          </p:nvPr>
+        </p:nvSpPr>
+        <p:spPr>
+          <a:xfrm>
+            <a:off x="677335" y="4527448"/>
+            <a:ext cx="8596668" cy="1513914"/>
+          </a:xfrm>
+        </p:spPr>
+        <p:txBody>
+          <a:bodyPr anchor="t">
+            <a:normAutofit/>
+          </a:bodyPr>
+          <a:lstStyle>
+            <a:lvl1pPr marL="0" indent="0" algn="l">
+              <a:buNone/>
+              <a:defRPr sz="1800">
+                <a:solidFill>
+                  <a:schemeClr val="tx1">
+                    <a:lumMod val="50000"/>
+                    <a:lumOff val="50000"/>
+                  </a:schemeClr>
+                </a:solidFill>
+              </a:defRPr>
+            </a:lvl1pPr>
+            <a:lvl2pPr marL="457200" indent="0">
+              <a:buNone/>
+              <a:defRPr sz="1800">
+                <a:solidFill>
+                  <a:schemeClr val="tx1">
+                    <a:tint val="75000"/>
+                  </a:schemeClr>
+                </a:solidFill>
+              </a:defRPr>
+            </a:lvl2pPr>
+            <a:lvl3pPr marL="914400" indent="0">
+              <a:buNone/>
+              <a:defRPr sz="1600">
+                <a:solidFill>
+                  <a:schemeClr val="tx1">
+                    <a:tint val="75000"/>
+                  </a:schemeClr>
+                </a:solidFill>
+              </a:defRPr>
+            </a:lvl3pPr>
+            <a:lvl4pPr marL="1371600" indent="0">
+              <a:buNone/>
+              <a:defRPr sz="1400">
+                <a:solidFill>
+                  <a:schemeClr val="tx1">
+                    <a:tint val="75000"/>
+                  </a:schemeClr>
+                </a:solidFill>
+              </a:defRPr>
+            </a:lvl4pPr>
+            <a:lvl5pPr marL="1828800" indent="0">
+              <a:buNone/>
+              <a:defRPr sz="1400">
+                <a:solidFill>
+                  <a:schemeClr val="tx1">
+                    <a:tint val="75000"/>
+                  </a:schemeClr>
+                </a:solidFill>
+              </a:defRPr>
+            </a:lvl5pPr>
+            <a:lvl6pPr marL="2286000" indent="0">
+              <a:buNone/>
+              <a:defRPr sz="1400">
+                <a:solidFill>
+                  <a:schemeClr val="tx1">
+                    <a:tint val="75000"/>
+                  </a:schemeClr>
+                </a:solidFill>
+              </a:defRPr>
+            </a:lvl6pPr>
+            <a:lvl7pPr marL="2743200" indent="0">
+              <a:buNone/>
+              <a:defRPr sz="1400">
+                <a:solidFill>
+                  <a:schemeClr val="tx1">
+                    <a:tint val="75000"/>
+                  </a:schemeClr>
+                </a:solidFill>
+              </a:defRPr>
+            </a:lvl7pPr>
+            <a:lvl8pPr marL="3200400" indent="0">
+              <a:buNone/>
+              <a:defRPr sz="1400">
+                <a:solidFill>
+                  <a:schemeClr val="tx1">
+                    <a:tint val="75000"/>
+                  </a:schemeClr>
+                </a:solidFill>
+              </a:defRPr>
+            </a:lvl8pPr>
+            <a:lvl9pPr marL="3657600" indent="0">
+              <a:buNone/>
+              <a:defRPr sz="1400">
+                <a:solidFill>
+                  <a:schemeClr val="tx1">
+                    <a:tint val="75000"/>
+                  </a:schemeClr>
+                </a:solidFill>
+              </a:defRPr>
+            </a:lvl9pPr>
+          </a:lstStyle>
+          <a:p>
+            <a:pPr lvl="0"/>
+            <a:r>
+              <a:rPr lang="hu-HU" smtClean="0"/>
+              <a:t>Mintaszöveg szerkesztése</a:t>
+            </a:r>
+          </a:p>
+        </p:txBody>
+      </p:sp>
+      <p:sp>
+        <p:nvSpPr>
+          <p:cNvPr id="4" name="Date Placeholder 3"/>
+          <p:cNvSpPr>
+            <a:spLocks noGrp="1"/>
+          </p:cNvSpPr>
+          <p:nvPr>
+            <p:ph type="dt" sz="half" idx="10"/>
+          </p:nvPr>
+        </p:nvSpPr>
+        <p:spPr/>
+        <p:txBody>
+          <a:bodyPr/>
+          <a:lstStyle/>
+          <a:p>
+            <a:fld id="{EA04F24A-984E-49E1-A489-BBAA7BA39510}" type="datetimeFigureOut">
+              <a:rPr lang="hu-HU" smtClean="0"/>
+              <a:t>2022.09.12.</a:t>
+            </a:fld>
+            <a:endParaRPr lang="hu-HU"/>
+          </a:p>
+        </p:txBody>
+      </p:sp>
+      <p:sp>
+        <p:nvSpPr>
+          <p:cNvPr id="5" name="Footer Placeholder 4"/>
+          <p:cNvSpPr>
+            <a:spLocks noGrp="1"/>
+          </p:cNvSpPr>
+          <p:nvPr>
+            <p:ph type="ftr" sz="quarter" idx="11"/>
+          </p:nvPr>
+        </p:nvSpPr>
+        <p:spPr/>
+        <p:txBody>
+          <a:bodyPr/>
+          <a:lstStyle/>
+          <a:p>
+            <a:endParaRPr lang="hu-HU"/>
+          </a:p>
+        </p:txBody>
+      </p:sp>
+      <p:sp>
+        <p:nvSpPr>
+          <p:cNvPr id="6" name="Slide Number Placeholder 5"/>
+          <p:cNvSpPr>
+            <a:spLocks noGrp="1"/>
+          </p:cNvSpPr>
+          <p:nvPr>
+            <p:ph type="sldNum" sz="quarter" idx="12"/>
+          </p:nvPr>
+        </p:nvSpPr>
+        <p:spPr/>
+        <p:txBody>
+          <a:bodyPr/>
+          <a:lstStyle/>
+          <a:p>
+            <a:fld id="{45D8FD6A-7BE7-455D-9B29-3F466719B09B}" type="slidenum">
+              <a:rPr lang="hu-HU" smtClean="0"/>
+              <a:t>‹#›</a:t>
+            </a:fld>
+            <a:endParaRPr lang="hu-HU"/>
+          </a:p>
+        </p:txBody>
+      </p:sp>
+    </p:spTree>
+    <p:extLst>
+      <p:ext uri="{BB962C8B-B14F-4D97-AF65-F5344CB8AC3E}">
+        <p14:creationId xmlns:p14="http://schemas.microsoft.com/office/powerpoint/2010/main" val="1699664517"/>
+      </p:ext>
+    </p:extLst>
+  </p:cSld>
+  <p:clrMapOvr>
+    <a:masterClrMapping/>
+  </p:clrMapOvr>
+</p:sldLayout>
+</file>
+
+<file path=ppt/slideLayouts/slideLayout15.xml><?xml version="1.0" encoding="utf-8"?>
 <p:sldLayout xmlns:a="http://schemas.openxmlformats.org/drawingml/2006/main" xmlns:r="http://schemas.openxmlformats.org/officeDocument/2006/relationships" xmlns:p="http://schemas.openxmlformats.org/presentationml/2006/main" type="vertTx" preserve="1">
   <p:cSld name="Cím és függőleges szöveg">
     <p:spTree>
@@ -553,12 +2551,7 @@
             <p:ph type="body" orient="vert" idx="1"/>
           </p:nvPr>
         </p:nvSpPr>
-        <p:spPr>
-          <a:xfrm>
-            <a:off x="1371600" y="2295525"/>
-            <a:ext cx="9601200" cy="3571875"/>
-          </a:xfrm>
-        </p:spPr>
+        <p:spPr/>
         <p:txBody>
           <a:bodyPr vert="eaVert"/>
           <a:lstStyle/>
@@ -617,7 +2610,7 @@
           <a:p>
             <a:fld id="{EA04F24A-984E-49E1-A489-BBAA7BA39510}" type="datetimeFigureOut">
               <a:rPr lang="hu-HU" smtClean="0"/>
-              <a:t>2022.09.08.</a:t>
+              <a:t>2022.09.12.</a:t>
             </a:fld>
             <a:endParaRPr lang="hu-HU"/>
           </a:p>
@@ -668,7 +2661,7 @@
     </p:spTree>
     <p:extLst>
       <p:ext uri="{BB962C8B-B14F-4D97-AF65-F5344CB8AC3E}">
-        <p14:creationId xmlns:p14="http://schemas.microsoft.com/office/powerpoint/2010/main" val="2582114301"/>
+        <p14:creationId xmlns:p14="http://schemas.microsoft.com/office/powerpoint/2010/main" val="2093528864"/>
       </p:ext>
     </p:extLst>
   </p:cSld>
@@ -678,7 +2671,7 @@
 </p:sldLayout>
 </file>
 
-<file path=ppt/slideLayouts/slideLayout11.xml><?xml version="1.0" encoding="utf-8"?>
+<file path=ppt/slideLayouts/slideLayout16.xml><?xml version="1.0" encoding="utf-8"?>
 <p:sldLayout xmlns:a="http://schemas.openxmlformats.org/drawingml/2006/main" xmlns:r="http://schemas.openxmlformats.org/officeDocument/2006/relationships" xmlns:p="http://schemas.openxmlformats.org/presentationml/2006/main" type="vertTitleAndTx" preserve="1">
   <p:cSld name="Függőleges cím és szöveg">
     <p:spTree>
@@ -707,12 +2700,12 @@
         </p:nvSpPr>
         <p:spPr>
           <a:xfrm>
-            <a:off x="9596561" y="624156"/>
-            <a:ext cx="1565766" cy="5243244"/>
+            <a:off x="7967673" y="609599"/>
+            <a:ext cx="1304743" cy="5251451"/>
           </a:xfrm>
         </p:spPr>
         <p:txBody>
-          <a:bodyPr vert="eaVert"/>
+          <a:bodyPr vert="eaVert" anchor="ctr"/>
           <a:lstStyle/>
           <a:p>
             <a:r>
@@ -735,8 +2728,8 @@
         </p:nvSpPr>
         <p:spPr>
           <a:xfrm>
-            <a:off x="1371600" y="624156"/>
-            <a:ext cx="8179641" cy="5243244"/>
+            <a:off x="677335" y="609600"/>
+            <a:ext cx="7060150" cy="5251450"/>
           </a:xfrm>
         </p:spPr>
         <p:txBody>
@@ -797,7 +2790,7 @@
           <a:p>
             <a:fld id="{EA04F24A-984E-49E1-A489-BBAA7BA39510}" type="datetimeFigureOut">
               <a:rPr lang="hu-HU" smtClean="0"/>
-              <a:t>2022.09.08.</a:t>
+              <a:t>2022.09.12.</a:t>
             </a:fld>
             <a:endParaRPr lang="hu-HU"/>
           </a:p>
@@ -848,7 +2841,7 @@
     </p:spTree>
     <p:extLst>
       <p:ext uri="{BB962C8B-B14F-4D97-AF65-F5344CB8AC3E}">
-        <p14:creationId xmlns:p14="http://schemas.microsoft.com/office/powerpoint/2010/main" val="4044459776"/>
+        <p14:creationId xmlns:p14="http://schemas.microsoft.com/office/powerpoint/2010/main" val="645909055"/>
       </p:ext>
     </p:extLst>
   </p:cSld>
@@ -887,8 +2880,14 @@
         </p:nvSpPr>
         <p:spPr/>
         <p:txBody>
-          <a:bodyPr/>
-          <a:lstStyle/>
+          <a:bodyPr>
+            <a:normAutofit/>
+          </a:bodyPr>
+          <a:lstStyle>
+            <a:lvl1pPr>
+              <a:defRPr sz="3600"/>
+            </a:lvl1pPr>
+          </a:lstStyle>
           <a:p>
             <a:r>
               <a:rPr lang="hu-HU" smtClean="0"/>
@@ -967,7 +2966,7 @@
           <a:p>
             <a:fld id="{EA04F24A-984E-49E1-A489-BBAA7BA39510}" type="datetimeFigureOut">
               <a:rPr lang="hu-HU" smtClean="0"/>
-              <a:t>2022.09.08.</a:t>
+              <a:t>2022.09.12.</a:t>
             </a:fld>
             <a:endParaRPr lang="hu-HU"/>
           </a:p>
@@ -1018,7 +3017,7 @@
     </p:spTree>
     <p:extLst>
       <p:ext uri="{BB962C8B-B14F-4D97-AF65-F5344CB8AC3E}">
-        <p14:creationId xmlns:p14="http://schemas.microsoft.com/office/powerpoint/2010/main" val="129058613"/>
+        <p14:creationId xmlns:p14="http://schemas.microsoft.com/office/powerpoint/2010/main" val="3674054860"/>
       </p:ext>
     </p:extLst>
   </p:cSld>
@@ -1029,13 +3028,8 @@
 </file>
 
 <file path=ppt/slideLayouts/slideLayout3.xml><?xml version="1.0" encoding="utf-8"?>
-<p:sldLayout xmlns:a="http://schemas.openxmlformats.org/drawingml/2006/main" xmlns:r="http://schemas.openxmlformats.org/officeDocument/2006/relationships" xmlns:p="http://schemas.openxmlformats.org/presentationml/2006/main" showMasterSp="0" type="secHead" preserve="1">
+<p:sldLayout xmlns:a="http://schemas.openxmlformats.org/drawingml/2006/main" xmlns:r="http://schemas.openxmlformats.org/officeDocument/2006/relationships" xmlns:p="http://schemas.openxmlformats.org/presentationml/2006/main" type="secHead" preserve="1">
   <p:cSld name="Szakaszfejléc">
-    <p:bg>
-      <p:bgRef idx="1001">
-        <a:schemeClr val="bg2"/>
-      </p:bgRef>
-    </p:bg>
     <p:spTree>
       <p:nvGrpSpPr>
         <p:cNvPr id="1" name=""/>
@@ -1062,21 +3056,15 @@
         </p:nvSpPr>
         <p:spPr>
           <a:xfrm>
-            <a:off x="765025" y="1301360"/>
-            <a:ext cx="9612971" cy="2852737"/>
+            <a:off x="677335" y="2700867"/>
+            <a:ext cx="8596668" cy="1826581"/>
           </a:xfrm>
         </p:spPr>
         <p:txBody>
-          <a:bodyPr anchor="b">
-            <a:normAutofit/>
-          </a:bodyPr>
+          <a:bodyPr anchor="b"/>
           <a:lstStyle>
-            <a:lvl1pPr algn="r">
-              <a:defRPr sz="7200" cap="all" baseline="0">
-                <a:solidFill>
-                  <a:schemeClr val="tx2"/>
-                </a:solidFill>
-              </a:defRPr>
+            <a:lvl1pPr algn="l">
+              <a:defRPr sz="4000" b="0" cap="none"/>
             </a:lvl1pPr>
           </a:lstStyle>
           <a:p>
@@ -1100,33 +3088,27 @@
         </p:nvSpPr>
         <p:spPr>
           <a:xfrm>
-            <a:off x="765025" y="4216328"/>
-            <a:ext cx="9612971" cy="1143324"/>
+            <a:off x="677335" y="4527448"/>
+            <a:ext cx="8596668" cy="860400"/>
           </a:xfrm>
         </p:spPr>
         <p:txBody>
-          <a:bodyPr/>
+          <a:bodyPr anchor="t"/>
           <a:lstStyle>
-            <a:lvl1pPr marL="0" indent="0" algn="r">
-              <a:lnSpc>
-                <a:spcPct val="112000"/>
-              </a:lnSpc>
-              <a:spcBef>
-                <a:spcPts val="0"/>
-              </a:spcBef>
-              <a:spcAft>
-                <a:spcPts val="0"/>
-              </a:spcAft>
-              <a:buNone/>
-              <a:defRPr sz="2400">
-                <a:solidFill>
-                  <a:schemeClr val="tx2"/>
+            <a:lvl1pPr marL="0" indent="0" algn="l">
+              <a:buNone/>
+              <a:defRPr sz="2000">
+                <a:solidFill>
+                  <a:schemeClr val="tx1">
+                    <a:lumMod val="50000"/>
+                    <a:lumOff val="50000"/>
+                  </a:schemeClr>
                 </a:solidFill>
               </a:defRPr>
             </a:lvl1pPr>
             <a:lvl2pPr marL="457200" indent="0">
               <a:buNone/>
-              <a:defRPr sz="2000">
+              <a:defRPr sz="1800">
                 <a:solidFill>
                   <a:schemeClr val="tx1">
                     <a:tint val="75000"/>
@@ -1136,7 +3118,7 @@
             </a:lvl2pPr>
             <a:lvl3pPr marL="914400" indent="0">
               <a:buNone/>
-              <a:defRPr sz="1800">
+              <a:defRPr sz="1600">
                 <a:solidFill>
                   <a:schemeClr val="tx1">
                     <a:tint val="75000"/>
@@ -1146,7 +3128,7 @@
             </a:lvl3pPr>
             <a:lvl4pPr marL="1371600" indent="0">
               <a:buNone/>
-              <a:defRPr sz="1600">
+              <a:defRPr sz="1400">
                 <a:solidFill>
                   <a:schemeClr val="tx1">
                     <a:tint val="75000"/>
@@ -1156,7 +3138,7 @@
             </a:lvl4pPr>
             <a:lvl5pPr marL="1828800" indent="0">
               <a:buNone/>
-              <a:defRPr sz="1600">
+              <a:defRPr sz="1400">
                 <a:solidFill>
                   <a:schemeClr val="tx1">
                     <a:tint val="75000"/>
@@ -1166,7 +3148,7 @@
             </a:lvl5pPr>
             <a:lvl6pPr marL="2286000" indent="0">
               <a:buNone/>
-              <a:defRPr sz="1600">
+              <a:defRPr sz="1400">
                 <a:solidFill>
                   <a:schemeClr val="tx1">
                     <a:tint val="75000"/>
@@ -1176,7 +3158,7 @@
             </a:lvl6pPr>
             <a:lvl7pPr marL="2743200" indent="0">
               <a:buNone/>
-              <a:defRPr sz="1600">
+              <a:defRPr sz="1400">
                 <a:solidFill>
                   <a:schemeClr val="tx1">
                     <a:tint val="75000"/>
@@ -1186,7 +3168,7 @@
             </a:lvl7pPr>
             <a:lvl8pPr marL="3200400" indent="0">
               <a:buNone/>
-              <a:defRPr sz="1600">
+              <a:defRPr sz="1400">
                 <a:solidFill>
                   <a:schemeClr val="tx1">
                     <a:tint val="75000"/>
@@ -1196,7 +3178,7 @@
             </a:lvl8pPr>
             <a:lvl9pPr marL="3657600" indent="0">
               <a:buNone/>
-              <a:defRPr sz="1600">
+              <a:defRPr sz="1400">
                 <a:solidFill>
                   <a:schemeClr val="tx1">
                     <a:tint val="75000"/>
@@ -1224,27 +3206,14 @@
             <p:ph type="dt" sz="half" idx="10"/>
           </p:nvPr>
         </p:nvSpPr>
-        <p:spPr>
-          <a:xfrm>
-            <a:off x="738908" y="6453386"/>
-            <a:ext cx="1622409" cy="404614"/>
-          </a:xfrm>
-        </p:spPr>
-        <p:txBody>
-          <a:bodyPr/>
-          <a:lstStyle>
-            <a:lvl1pPr>
-              <a:defRPr>
-                <a:solidFill>
-                  <a:schemeClr val="tx2"/>
-                </a:solidFill>
-              </a:defRPr>
-            </a:lvl1pPr>
-          </a:lstStyle>
+        <p:spPr/>
+        <p:txBody>
+          <a:bodyPr/>
+          <a:lstStyle/>
           <a:p>
             <a:fld id="{EA04F24A-984E-49E1-A489-BBAA7BA39510}" type="datetimeFigureOut">
               <a:rPr lang="hu-HU" smtClean="0"/>
-              <a:t>2022.09.08.</a:t>
+              <a:t>2022.09.12.</a:t>
             </a:fld>
             <a:endParaRPr lang="hu-HU"/>
           </a:p>
@@ -1260,23 +3229,10 @@
             <p:ph type="ftr" sz="quarter" idx="11"/>
           </p:nvPr>
         </p:nvSpPr>
-        <p:spPr>
-          <a:xfrm>
-            <a:off x="2584312" y="6453386"/>
-            <a:ext cx="7023377" cy="404614"/>
-          </a:xfrm>
-        </p:spPr>
-        <p:txBody>
-          <a:bodyPr/>
-          <a:lstStyle>
-            <a:lvl1pPr algn="ctr">
-              <a:defRPr>
-                <a:solidFill>
-                  <a:schemeClr val="tx2"/>
-                </a:solidFill>
-              </a:defRPr>
-            </a:lvl1pPr>
-          </a:lstStyle>
+        <p:spPr/>
+        <p:txBody>
+          <a:bodyPr/>
+          <a:lstStyle/>
           <a:p>
             <a:endParaRPr lang="hu-HU"/>
           </a:p>
@@ -1292,23 +3248,10 @@
             <p:ph type="sldNum" sz="quarter" idx="12"/>
           </p:nvPr>
         </p:nvSpPr>
-        <p:spPr>
-          <a:xfrm>
-            <a:off x="9830683" y="6453386"/>
-            <a:ext cx="1596292" cy="404614"/>
-          </a:xfrm>
-        </p:spPr>
-        <p:txBody>
-          <a:bodyPr/>
-          <a:lstStyle>
-            <a:lvl1pPr>
-              <a:defRPr>
-                <a:solidFill>
-                  <a:schemeClr val="tx2"/>
-                </a:solidFill>
-              </a:defRPr>
-            </a:lvl1pPr>
-          </a:lstStyle>
+        <p:spPr/>
+        <p:txBody>
+          <a:bodyPr/>
+          <a:lstStyle/>
           <a:p>
             <a:fld id="{45D8FD6A-7BE7-455D-9B29-3F466719B09B}" type="slidenum">
               <a:rPr lang="hu-HU" smtClean="0"/>
@@ -1318,71 +3261,15 @@
           </a:p>
         </p:txBody>
       </p:sp>
-      <p:sp>
-        <p:nvSpPr>
-          <p:cNvPr id="7" name="Freeform 6" title="Crop Mark"/>
-          <p:cNvSpPr/>
-          <p:nvPr/>
-        </p:nvSpPr>
-        <p:spPr bwMode="auto">
-          <a:xfrm>
-            <a:off x="8151962" y="1685652"/>
-            <a:ext cx="3275013" cy="4408488"/>
-          </a:xfrm>
-          <a:custGeom>
-            <a:avLst/>
-            <a:gdLst/>
-            <a:ahLst/>
-            <a:cxnLst/>
-            <a:rect l="0" t="0" r="r" b="b"/>
-            <a:pathLst>
-              <a:path w="4125" h="5554">
-                <a:moveTo>
-                  <a:pt x="3614" y="0"/>
-                </a:moveTo>
-                <a:lnTo>
-                  <a:pt x="4125" y="0"/>
-                </a:lnTo>
-                <a:lnTo>
-                  <a:pt x="4125" y="5554"/>
-                </a:lnTo>
-                <a:lnTo>
-                  <a:pt x="0" y="5554"/>
-                </a:lnTo>
-                <a:lnTo>
-                  <a:pt x="0" y="5074"/>
-                </a:lnTo>
-                <a:lnTo>
-                  <a:pt x="3614" y="5074"/>
-                </a:lnTo>
-                <a:lnTo>
-                  <a:pt x="3614" y="0"/>
-                </a:lnTo>
-                <a:close/>
-              </a:path>
-            </a:pathLst>
-          </a:custGeom>
-          <a:solidFill>
-            <a:schemeClr val="tx2"/>
-          </a:solidFill>
-          <a:ln w="0">
-            <a:noFill/>
-            <a:prstDash val="solid"/>
-            <a:round/>
-            <a:headEnd/>
-            <a:tailEnd/>
-          </a:ln>
-        </p:spPr>
-      </p:sp>
     </p:spTree>
     <p:extLst>
       <p:ext uri="{BB962C8B-B14F-4D97-AF65-F5344CB8AC3E}">
-        <p14:creationId xmlns:p14="http://schemas.microsoft.com/office/powerpoint/2010/main" val="107422219"/>
+        <p14:creationId xmlns:p14="http://schemas.microsoft.com/office/powerpoint/2010/main" val="3313276501"/>
       </p:ext>
     </p:extLst>
   </p:cSld>
   <p:clrMapOvr>
-    <a:overrideClrMapping bg1="dk1" tx1="lt1" bg2="dk2" tx2="lt2" accent1="accent1" accent2="accent2" accent3="accent3" accent4="accent4" accent5="accent5" accent6="accent6" hlink="hlink" folHlink="folHlink"/>
+    <a:masterClrMapping/>
   </p:clrMapOvr>
 </p:sldLayout>
 </file>
@@ -1417,15 +3304,7 @@
         <p:spPr/>
         <p:txBody>
           <a:bodyPr/>
-          <a:lstStyle>
-            <a:lvl1pPr>
-              <a:defRPr>
-                <a:solidFill>
-                  <a:schemeClr val="tx2"/>
-                </a:solidFill>
-              </a:defRPr>
-            </a:lvl1pPr>
-          </a:lstStyle>
+          <a:lstStyle/>
           <a:p>
             <a:r>
               <a:rPr lang="hu-HU" smtClean="0"/>
@@ -1447,49 +3326,13 @@
         </p:nvSpPr>
         <p:spPr>
           <a:xfrm>
-            <a:off x="1371600" y="2285999"/>
-            <a:ext cx="4447786" cy="3581401"/>
+            <a:off x="677334" y="2160589"/>
+            <a:ext cx="4184035" cy="3880772"/>
           </a:xfrm>
         </p:spPr>
         <p:txBody>
           <a:bodyPr/>
-          <a:lstStyle>
-            <a:lvl1pPr>
-              <a:defRPr baseline="0">
-                <a:solidFill>
-                  <a:schemeClr val="tx2"/>
-                </a:solidFill>
-              </a:defRPr>
-            </a:lvl1pPr>
-            <a:lvl2pPr>
-              <a:defRPr baseline="0">
-                <a:solidFill>
-                  <a:schemeClr val="tx2"/>
-                </a:solidFill>
-              </a:defRPr>
-            </a:lvl2pPr>
-            <a:lvl3pPr>
-              <a:defRPr baseline="0">
-                <a:solidFill>
-                  <a:schemeClr val="tx2"/>
-                </a:solidFill>
-              </a:defRPr>
-            </a:lvl3pPr>
-            <a:lvl4pPr>
-              <a:defRPr baseline="0">
-                <a:solidFill>
-                  <a:schemeClr val="tx2"/>
-                </a:solidFill>
-              </a:defRPr>
-            </a:lvl4pPr>
-            <a:lvl5pPr>
-              <a:defRPr baseline="0">
-                <a:solidFill>
-                  <a:schemeClr val="tx2"/>
-                </a:solidFill>
-              </a:defRPr>
-            </a:lvl5pPr>
-          </a:lstStyle>
+          <a:lstStyle/>
           <a:p>
             <a:pPr lvl="0"/>
             <a:r>
@@ -1540,49 +3383,13 @@
         </p:nvSpPr>
         <p:spPr>
           <a:xfrm>
-            <a:off x="6525403" y="2285999"/>
-            <a:ext cx="4447786" cy="3581401"/>
+            <a:off x="5089970" y="2160589"/>
+            <a:ext cx="4184034" cy="3880773"/>
           </a:xfrm>
         </p:spPr>
         <p:txBody>
           <a:bodyPr/>
-          <a:lstStyle>
-            <a:lvl1pPr>
-              <a:defRPr>
-                <a:solidFill>
-                  <a:schemeClr val="tx2"/>
-                </a:solidFill>
-              </a:defRPr>
-            </a:lvl1pPr>
-            <a:lvl2pPr>
-              <a:defRPr>
-                <a:solidFill>
-                  <a:schemeClr val="tx2"/>
-                </a:solidFill>
-              </a:defRPr>
-            </a:lvl2pPr>
-            <a:lvl3pPr>
-              <a:defRPr>
-                <a:solidFill>
-                  <a:schemeClr val="tx2"/>
-                </a:solidFill>
-              </a:defRPr>
-            </a:lvl3pPr>
-            <a:lvl4pPr>
-              <a:defRPr>
-                <a:solidFill>
-                  <a:schemeClr val="tx2"/>
-                </a:solidFill>
-              </a:defRPr>
-            </a:lvl4pPr>
-            <a:lvl5pPr>
-              <a:defRPr>
-                <a:solidFill>
-                  <a:schemeClr val="tx2"/>
-                </a:solidFill>
-              </a:defRPr>
-            </a:lvl5pPr>
-          </a:lstStyle>
+          <a:lstStyle/>
           <a:p>
             <a:pPr lvl="0"/>
             <a:r>
@@ -1638,7 +3445,7 @@
           <a:p>
             <a:fld id="{EA04F24A-984E-49E1-A489-BBAA7BA39510}" type="datetimeFigureOut">
               <a:rPr lang="hu-HU" smtClean="0"/>
-              <a:t>2022.09.08.</a:t>
+              <a:t>2022.09.12.</a:t>
             </a:fld>
             <a:endParaRPr lang="hu-HU"/>
           </a:p>
@@ -1689,7 +3496,7 @@
     </p:spTree>
     <p:extLst>
       <p:ext uri="{BB962C8B-B14F-4D97-AF65-F5344CB8AC3E}">
-        <p14:creationId xmlns:p14="http://schemas.microsoft.com/office/powerpoint/2010/main" val="1350798963"/>
+        <p14:creationId xmlns:p14="http://schemas.microsoft.com/office/powerpoint/2010/main" val="825380232"/>
       </p:ext>
     </p:extLst>
   </p:cSld>
@@ -1726,46 +3533,37 @@
             <p:ph type="title"/>
           </p:nvPr>
         </p:nvSpPr>
+        <p:spPr/>
+        <p:txBody>
+          <a:bodyPr/>
+          <a:lstStyle>
+            <a:lvl1pPr>
+              <a:defRPr/>
+            </a:lvl1pPr>
+          </a:lstStyle>
+          <a:p>
+            <a:r>
+              <a:rPr lang="hu-HU" smtClean="0"/>
+              <a:t>Mintacím szerkesztése</a:t>
+            </a:r>
+            <a:endParaRPr lang="en-US" dirty="0"/>
+          </a:p>
+        </p:txBody>
+      </p:sp>
+      <p:sp>
+        <p:nvSpPr>
+          <p:cNvPr id="3" name="Text Placeholder 2"/>
+          <p:cNvSpPr>
+            <a:spLocks noGrp="1"/>
+          </p:cNvSpPr>
+          <p:nvPr>
+            <p:ph type="body" idx="1"/>
+          </p:nvPr>
+        </p:nvSpPr>
         <p:spPr>
           <a:xfrm>
-            <a:off x="1371600" y="685800"/>
-            <a:ext cx="9601200" cy="1485900"/>
-          </a:xfrm>
-        </p:spPr>
-        <p:txBody>
-          <a:bodyPr/>
-          <a:lstStyle>
-            <a:lvl1pPr>
-              <a:defRPr>
-                <a:solidFill>
-                  <a:schemeClr val="tx2"/>
-                </a:solidFill>
-              </a:defRPr>
-            </a:lvl1pPr>
-          </a:lstStyle>
-          <a:p>
-            <a:r>
-              <a:rPr lang="hu-HU" smtClean="0"/>
-              <a:t>Mintacím szerkesztése</a:t>
-            </a:r>
-            <a:endParaRPr lang="en-US" dirty="0"/>
-          </a:p>
-        </p:txBody>
-      </p:sp>
-      <p:sp>
-        <p:nvSpPr>
-          <p:cNvPr id="3" name="Text Placeholder 2"/>
-          <p:cNvSpPr>
-            <a:spLocks noGrp="1"/>
-          </p:cNvSpPr>
-          <p:nvPr>
-            <p:ph type="body" idx="1"/>
-          </p:nvPr>
-        </p:nvSpPr>
-        <p:spPr>
-          <a:xfrm>
-            <a:off x="1371600" y="2340864"/>
-            <a:ext cx="4443984" cy="823912"/>
+            <a:off x="675745" y="2160983"/>
+            <a:ext cx="4185623" cy="576262"/>
           </a:xfrm>
         </p:spPr>
         <p:txBody>
@@ -1774,21 +3572,8 @@
           </a:bodyPr>
           <a:lstStyle>
             <a:lvl1pPr marL="0" indent="0">
-              <a:lnSpc>
-                <a:spcPct val="84000"/>
-              </a:lnSpc>
-              <a:spcBef>
-                <a:spcPts val="0"/>
-              </a:spcBef>
-              <a:spcAft>
-                <a:spcPts val="0"/>
-              </a:spcAft>
-              <a:buNone/>
-              <a:defRPr sz="3000" b="0" baseline="0">
-                <a:solidFill>
-                  <a:schemeClr val="tx2"/>
-                </a:solidFill>
-              </a:defRPr>
+              <a:buNone/>
+              <a:defRPr sz="2400" b="0"/>
             </a:lvl1pPr>
             <a:lvl2pPr marL="457200" indent="0">
               <a:buNone/>
@@ -1844,49 +3629,15 @@
         </p:nvSpPr>
         <p:spPr>
           <a:xfrm>
-            <a:off x="1371600" y="3305207"/>
-            <a:ext cx="4443984" cy="2562193"/>
+            <a:off x="675745" y="2737245"/>
+            <a:ext cx="4185623" cy="3304117"/>
           </a:xfrm>
         </p:spPr>
         <p:txBody>
-          <a:bodyPr/>
-          <a:lstStyle>
-            <a:lvl1pPr>
-              <a:defRPr baseline="0">
-                <a:solidFill>
-                  <a:schemeClr val="tx2"/>
-                </a:solidFill>
-              </a:defRPr>
-            </a:lvl1pPr>
-            <a:lvl2pPr>
-              <a:defRPr baseline="0">
-                <a:solidFill>
-                  <a:schemeClr val="tx2"/>
-                </a:solidFill>
-              </a:defRPr>
-            </a:lvl2pPr>
-            <a:lvl3pPr>
-              <a:defRPr baseline="0">
-                <a:solidFill>
-                  <a:schemeClr val="tx2"/>
-                </a:solidFill>
-              </a:defRPr>
-            </a:lvl3pPr>
-            <a:lvl4pPr>
-              <a:defRPr baseline="0">
-                <a:solidFill>
-                  <a:schemeClr val="tx2"/>
-                </a:solidFill>
-              </a:defRPr>
-            </a:lvl4pPr>
-            <a:lvl5pPr>
-              <a:defRPr baseline="0">
-                <a:solidFill>
-                  <a:schemeClr val="tx2"/>
-                </a:solidFill>
-              </a:defRPr>
-            </a:lvl5pPr>
-          </a:lstStyle>
+          <a:bodyPr>
+            <a:normAutofit/>
+          </a:bodyPr>
+          <a:lstStyle/>
           <a:p>
             <a:pPr lvl="0"/>
             <a:r>
@@ -1937,8 +3688,8 @@
         </p:nvSpPr>
         <p:spPr>
           <a:xfrm>
-            <a:off x="6525014" y="2340864"/>
-            <a:ext cx="4443984" cy="823912"/>
+            <a:off x="5088383" y="2160983"/>
+            <a:ext cx="4185618" cy="576262"/>
           </a:xfrm>
         </p:spPr>
         <p:txBody>
@@ -1947,21 +3698,8 @@
           </a:bodyPr>
           <a:lstStyle>
             <a:lvl1pPr marL="0" indent="0">
-              <a:lnSpc>
-                <a:spcPct val="84000"/>
-              </a:lnSpc>
-              <a:spcBef>
-                <a:spcPts val="0"/>
-              </a:spcBef>
-              <a:spcAft>
-                <a:spcPts val="0"/>
-              </a:spcAft>
-              <a:buNone/>
-              <a:defRPr sz="3000" b="0" baseline="0">
-                <a:solidFill>
-                  <a:schemeClr val="tx2"/>
-                </a:solidFill>
-              </a:defRPr>
+              <a:buNone/>
+              <a:defRPr sz="2400" b="0"/>
             </a:lvl1pPr>
             <a:lvl2pPr marL="457200" indent="0">
               <a:buNone/>
@@ -2017,49 +3755,15 @@
         </p:nvSpPr>
         <p:spPr>
           <a:xfrm>
-            <a:off x="6525014" y="3305207"/>
-            <a:ext cx="4443984" cy="2562193"/>
+            <a:off x="5088384" y="2737245"/>
+            <a:ext cx="4185617" cy="3304117"/>
           </a:xfrm>
         </p:spPr>
         <p:txBody>
-          <a:bodyPr/>
-          <a:lstStyle>
-            <a:lvl1pPr>
-              <a:defRPr baseline="0">
-                <a:solidFill>
-                  <a:schemeClr val="tx2"/>
-                </a:solidFill>
-              </a:defRPr>
-            </a:lvl1pPr>
-            <a:lvl2pPr>
-              <a:defRPr baseline="0">
-                <a:solidFill>
-                  <a:schemeClr val="tx2"/>
-                </a:solidFill>
-              </a:defRPr>
-            </a:lvl2pPr>
-            <a:lvl3pPr>
-              <a:defRPr baseline="0">
-                <a:solidFill>
-                  <a:schemeClr val="tx2"/>
-                </a:solidFill>
-              </a:defRPr>
-            </a:lvl3pPr>
-            <a:lvl4pPr>
-              <a:defRPr baseline="0">
-                <a:solidFill>
-                  <a:schemeClr val="tx2"/>
-                </a:solidFill>
-              </a:defRPr>
-            </a:lvl4pPr>
-            <a:lvl5pPr>
-              <a:defRPr baseline="0">
-                <a:solidFill>
-                  <a:schemeClr val="tx2"/>
-                </a:solidFill>
-              </a:defRPr>
-            </a:lvl5pPr>
-          </a:lstStyle>
+          <a:bodyPr>
+            <a:normAutofit/>
+          </a:bodyPr>
+          <a:lstStyle/>
           <a:p>
             <a:pPr lvl="0"/>
             <a:r>
@@ -2115,7 +3819,7 @@
           <a:p>
             <a:fld id="{EA04F24A-984E-49E1-A489-BBAA7BA39510}" type="datetimeFigureOut">
               <a:rPr lang="hu-HU" smtClean="0"/>
-              <a:t>2022.09.08.</a:t>
+              <a:t>2022.09.12.</a:t>
             </a:fld>
             <a:endParaRPr lang="hu-HU"/>
           </a:p>
@@ -2166,7 +3870,7 @@
     </p:spTree>
     <p:extLst>
       <p:ext uri="{BB962C8B-B14F-4D97-AF65-F5344CB8AC3E}">
-        <p14:creationId xmlns:p14="http://schemas.microsoft.com/office/powerpoint/2010/main" val="3333876803"/>
+        <p14:creationId xmlns:p14="http://schemas.microsoft.com/office/powerpoint/2010/main" val="2634158537"/>
       </p:ext>
     </p:extLst>
   </p:cSld>
@@ -2203,7 +3907,12 @@
             <p:ph type="title"/>
           </p:nvPr>
         </p:nvSpPr>
-        <p:spPr/>
+        <p:spPr>
+          <a:xfrm>
+            <a:off x="677334" y="609600"/>
+            <a:ext cx="8596668" cy="1320800"/>
+          </a:xfrm>
+        </p:spPr>
         <p:txBody>
           <a:bodyPr/>
           <a:lstStyle/>
@@ -2233,7 +3942,7 @@
           <a:p>
             <a:fld id="{EA04F24A-984E-49E1-A489-BBAA7BA39510}" type="datetimeFigureOut">
               <a:rPr lang="hu-HU" smtClean="0"/>
-              <a:t>2022.09.08.</a:t>
+              <a:t>2022.09.12.</a:t>
             </a:fld>
             <a:endParaRPr lang="hu-HU"/>
           </a:p>
@@ -2284,7 +3993,7 @@
     </p:spTree>
     <p:extLst>
       <p:ext uri="{BB962C8B-B14F-4D97-AF65-F5344CB8AC3E}">
-        <p14:creationId xmlns:p14="http://schemas.microsoft.com/office/powerpoint/2010/main" val="2033971547"/>
+        <p14:creationId xmlns:p14="http://schemas.microsoft.com/office/powerpoint/2010/main" val="2100465495"/>
       </p:ext>
     </p:extLst>
   </p:cSld>
@@ -2328,7 +4037,7 @@
           <a:p>
             <a:fld id="{EA04F24A-984E-49E1-A489-BBAA7BA39510}" type="datetimeFigureOut">
               <a:rPr lang="hu-HU" smtClean="0"/>
-              <a:t>2022.09.08.</a:t>
+              <a:t>2022.09.12.</a:t>
             </a:fld>
             <a:endParaRPr lang="hu-HU"/>
           </a:p>
@@ -2379,7 +4088,7 @@
     </p:spTree>
     <p:extLst>
       <p:ext uri="{BB962C8B-B14F-4D97-AF65-F5344CB8AC3E}">
-        <p14:creationId xmlns:p14="http://schemas.microsoft.com/office/powerpoint/2010/main" val="575459056"/>
+        <p14:creationId xmlns:p14="http://schemas.microsoft.com/office/powerpoint/2010/main" val="897197888"/>
       </p:ext>
     </p:extLst>
   </p:cSld>
@@ -2390,7 +4099,7 @@
 </file>
 
 <file path=ppt/slideLayouts/slideLayout8.xml><?xml version="1.0" encoding="utf-8"?>
-<p:sldLayout xmlns:a="http://schemas.openxmlformats.org/drawingml/2006/main" xmlns:r="http://schemas.openxmlformats.org/officeDocument/2006/relationships" xmlns:p="http://schemas.openxmlformats.org/presentationml/2006/main" showMasterSp="0" type="objTx" preserve="1">
+<p:sldLayout xmlns:a="http://schemas.openxmlformats.org/drawingml/2006/main" xmlns:r="http://schemas.openxmlformats.org/officeDocument/2006/relationships" xmlns:p="http://schemas.openxmlformats.org/presentationml/2006/main" type="objTx" preserve="1">
   <p:cSld name="Tartalomrész képaláírással">
     <p:spTree>
       <p:nvGrpSpPr>
@@ -2408,163 +4117,33 @@
       </p:grpSpPr>
       <p:sp>
         <p:nvSpPr>
-          <p:cNvPr id="8" name="Rectangle 7" title="Background Shape"/>
-          <p:cNvSpPr/>
-          <p:nvPr/>
+          <p:cNvPr id="2" name="Title 1"/>
+          <p:cNvSpPr>
+            <a:spLocks noGrp="1"/>
+          </p:cNvSpPr>
+          <p:nvPr>
+            <p:ph type="title"/>
+          </p:nvPr>
         </p:nvSpPr>
         <p:spPr>
           <a:xfrm>
-            <a:off x="0" y="376"/>
-            <a:ext cx="5303520" cy="6857624"/>
-          </a:xfrm>
-          <a:prstGeom prst="rect">
-            <a:avLst/>
-          </a:prstGeom>
-          <a:solidFill>
-            <a:schemeClr val="accent1"/>
-          </a:solidFill>
-          <a:ln>
-            <a:noFill/>
-          </a:ln>
-        </p:spPr>
-        <p:style>
-          <a:lnRef idx="2">
-            <a:schemeClr val="accent1">
-              <a:shade val="50000"/>
-            </a:schemeClr>
-          </a:lnRef>
-          <a:fillRef idx="1">
-            <a:schemeClr val="accent1"/>
-          </a:fillRef>
-          <a:effectRef idx="0">
-            <a:schemeClr val="accent1"/>
-          </a:effectRef>
-          <a:fontRef idx="minor">
-            <a:schemeClr val="lt1"/>
-          </a:fontRef>
-        </p:style>
-      </p:sp>
-      <p:sp>
-        <p:nvSpPr>
-          <p:cNvPr id="2" name="Title 1"/>
-          <p:cNvSpPr>
-            <a:spLocks noGrp="1"/>
-          </p:cNvSpPr>
-          <p:nvPr>
-            <p:ph type="title"/>
-          </p:nvPr>
-        </p:nvSpPr>
-        <p:spPr>
-          <a:xfrm>
-            <a:off x="723900" y="685800"/>
-            <a:ext cx="3855720" cy="2157884"/>
+            <a:off x="677334" y="1498604"/>
+            <a:ext cx="3854528" cy="1278466"/>
           </a:xfrm>
         </p:spPr>
         <p:txBody>
-          <a:bodyPr anchor="t">
-            <a:noAutofit/>
+          <a:bodyPr anchor="b">
+            <a:normAutofit/>
           </a:bodyPr>
-          <a:lstStyle>
-            <a:lvl1pPr>
-              <a:lnSpc>
-                <a:spcPct val="84000"/>
-              </a:lnSpc>
-              <a:defRPr sz="4800" baseline="0">
-                <a:solidFill>
-                  <a:schemeClr val="tx2"/>
-                </a:solidFill>
-              </a:defRPr>
-            </a:lvl1pPr>
-          </a:lstStyle>
-          <a:p>
-            <a:r>
-              <a:rPr lang="hu-HU" smtClean="0"/>
-              <a:t>Mintacím szerkesztése</a:t>
-            </a:r>
-            <a:endParaRPr lang="en-US" dirty="0"/>
-          </a:p>
-        </p:txBody>
-      </p:sp>
-      <p:sp>
-        <p:nvSpPr>
-          <p:cNvPr id="3" name="Content Placeholder 2"/>
-          <p:cNvSpPr>
-            <a:spLocks noGrp="1"/>
-          </p:cNvSpPr>
-          <p:nvPr>
-            <p:ph idx="1"/>
-          </p:nvPr>
-        </p:nvSpPr>
-        <p:spPr>
-          <a:xfrm>
-            <a:off x="6256020" y="685801"/>
-            <a:ext cx="5212080" cy="5175250"/>
-          </a:xfrm>
-        </p:spPr>
-        <p:txBody>
-          <a:bodyPr/>
           <a:lstStyle>
             <a:lvl1pPr>
               <a:defRPr sz="2000"/>
             </a:lvl1pPr>
-            <a:lvl2pPr>
-              <a:defRPr sz="2000"/>
-            </a:lvl2pPr>
-            <a:lvl3pPr>
-              <a:defRPr sz="1800"/>
-            </a:lvl3pPr>
-            <a:lvl4pPr>
-              <a:defRPr sz="1800"/>
-            </a:lvl4pPr>
-            <a:lvl5pPr>
-              <a:defRPr sz="1600"/>
-            </a:lvl5pPr>
-            <a:lvl6pPr>
-              <a:defRPr sz="1600"/>
-            </a:lvl6pPr>
-            <a:lvl7pPr>
-              <a:defRPr sz="1600"/>
-            </a:lvl7pPr>
-            <a:lvl8pPr>
-              <a:defRPr sz="1600"/>
-            </a:lvl8pPr>
-            <a:lvl9pPr>
-              <a:defRPr sz="1600"/>
-            </a:lvl9pPr>
           </a:lstStyle>
           <a:p>
-            <a:pPr lvl="0"/>
-            <a:r>
-              <a:rPr lang="hu-HU" smtClean="0"/>
-              <a:t>Mintaszöveg szerkesztése</a:t>
-            </a:r>
-          </a:p>
-          <a:p>
-            <a:pPr lvl="1"/>
-            <a:r>
-              <a:rPr lang="hu-HU" smtClean="0"/>
-              <a:t>Második szint</a:t>
-            </a:r>
-          </a:p>
-          <a:p>
-            <a:pPr lvl="2"/>
-            <a:r>
-              <a:rPr lang="hu-HU" smtClean="0"/>
-              <a:t>Harmadik szint</a:t>
-            </a:r>
-          </a:p>
-          <a:p>
-            <a:pPr lvl="3"/>
-            <a:r>
-              <a:rPr lang="hu-HU" smtClean="0"/>
-              <a:t>Negyedik szint</a:t>
-            </a:r>
-          </a:p>
-          <a:p>
-            <a:pPr lvl="4"/>
-            <a:r>
-              <a:rPr lang="hu-HU" smtClean="0"/>
-              <a:t>Ötödik szint</a:t>
+            <a:r>
+              <a:rPr lang="hu-HU" smtClean="0"/>
+              <a:t>Mintacím szerkesztése</a:t>
             </a:r>
             <a:endParaRPr lang="en-US" dirty="0"/>
           </a:p>
@@ -2572,65 +4151,117 @@
       </p:sp>
       <p:sp>
         <p:nvSpPr>
-          <p:cNvPr id="4" name="Text Placeholder 3"/>
-          <p:cNvSpPr>
-            <a:spLocks noGrp="1"/>
-          </p:cNvSpPr>
-          <p:nvPr>
-            <p:ph type="body" sz="half" idx="2"/>
+          <p:cNvPr id="3" name="Content Placeholder 2"/>
+          <p:cNvSpPr>
+            <a:spLocks noGrp="1"/>
+          </p:cNvSpPr>
+          <p:nvPr>
+            <p:ph idx="1"/>
           </p:nvPr>
         </p:nvSpPr>
         <p:spPr>
           <a:xfrm>
-            <a:off x="723900" y="2856344"/>
-            <a:ext cx="3855720" cy="3011056"/>
+            <a:off x="4760461" y="514924"/>
+            <a:ext cx="4513541" cy="5526437"/>
           </a:xfrm>
         </p:spPr>
         <p:txBody>
-          <a:bodyPr/>
+          <a:bodyPr>
+            <a:normAutofit/>
+          </a:bodyPr>
+          <a:lstStyle/>
+          <a:p>
+            <a:pPr lvl="0"/>
+            <a:r>
+              <a:rPr lang="hu-HU" smtClean="0"/>
+              <a:t>Mintaszöveg szerkesztése</a:t>
+            </a:r>
+          </a:p>
+          <a:p>
+            <a:pPr lvl="1"/>
+            <a:r>
+              <a:rPr lang="hu-HU" smtClean="0"/>
+              <a:t>Második szint</a:t>
+            </a:r>
+          </a:p>
+          <a:p>
+            <a:pPr lvl="2"/>
+            <a:r>
+              <a:rPr lang="hu-HU" smtClean="0"/>
+              <a:t>Harmadik szint</a:t>
+            </a:r>
+          </a:p>
+          <a:p>
+            <a:pPr lvl="3"/>
+            <a:r>
+              <a:rPr lang="hu-HU" smtClean="0"/>
+              <a:t>Negyedik szint</a:t>
+            </a:r>
+          </a:p>
+          <a:p>
+            <a:pPr lvl="4"/>
+            <a:r>
+              <a:rPr lang="hu-HU" smtClean="0"/>
+              <a:t>Ötödik szint</a:t>
+            </a:r>
+            <a:endParaRPr lang="en-US" dirty="0"/>
+          </a:p>
+        </p:txBody>
+      </p:sp>
+      <p:sp>
+        <p:nvSpPr>
+          <p:cNvPr id="4" name="Text Placeholder 3"/>
+          <p:cNvSpPr>
+            <a:spLocks noGrp="1"/>
+          </p:cNvSpPr>
+          <p:nvPr>
+            <p:ph type="body" sz="half" idx="2"/>
+          </p:nvPr>
+        </p:nvSpPr>
+        <p:spPr>
+          <a:xfrm>
+            <a:off x="677334" y="2777069"/>
+            <a:ext cx="3854528" cy="2584449"/>
+          </a:xfrm>
+        </p:spPr>
+        <p:txBody>
+          <a:bodyPr>
+            <a:normAutofit/>
+          </a:bodyPr>
           <a:lstStyle>
             <a:lvl1pPr marL="0" indent="0">
-              <a:lnSpc>
-                <a:spcPct val="113000"/>
-              </a:lnSpc>
-              <a:spcBef>
-                <a:spcPts val="0"/>
-              </a:spcBef>
-              <a:spcAft>
-                <a:spcPts val="1500"/>
-              </a:spcAft>
-              <a:buNone/>
-              <a:defRPr sz="1600"/>
+              <a:buNone/>
+              <a:defRPr sz="1400"/>
             </a:lvl1pPr>
-            <a:lvl2pPr marL="457200" indent="0">
+            <a:lvl2pPr marL="457063" indent="0">
               <a:buNone/>
               <a:defRPr sz="1400"/>
             </a:lvl2pPr>
-            <a:lvl3pPr marL="914400" indent="0">
+            <a:lvl3pPr marL="914126" indent="0">
               <a:buNone/>
               <a:defRPr sz="1200"/>
             </a:lvl3pPr>
-            <a:lvl4pPr marL="1371600" indent="0">
+            <a:lvl4pPr marL="1371189" indent="0">
               <a:buNone/>
               <a:defRPr sz="1000"/>
             </a:lvl4pPr>
-            <a:lvl5pPr marL="1828800" indent="0">
+            <a:lvl5pPr marL="1828251" indent="0">
               <a:buNone/>
               <a:defRPr sz="1000"/>
             </a:lvl5pPr>
-            <a:lvl6pPr marL="2286000" indent="0">
+            <a:lvl6pPr marL="2285314" indent="0">
               <a:buNone/>
               <a:defRPr sz="1000"/>
             </a:lvl6pPr>
-            <a:lvl7pPr marL="2743200" indent="0">
+            <a:lvl7pPr marL="2742377" indent="0">
               <a:buNone/>
               <a:defRPr sz="1000"/>
             </a:lvl7pPr>
-            <a:lvl8pPr marL="3200400" indent="0">
+            <a:lvl8pPr marL="3199440" indent="0">
               <a:buNone/>
               <a:defRPr sz="1000"/>
             </a:lvl8pPr>
-            <a:lvl9pPr marL="3657600" indent="0">
+            <a:lvl9pPr marL="3656503" indent="0">
               <a:buNone/>
               <a:defRPr sz="1000"/>
             </a:lvl9pPr>
@@ -2654,27 +4285,14 @@
             <p:ph type="dt" sz="half" idx="10"/>
           </p:nvPr>
         </p:nvSpPr>
-        <p:spPr>
-          <a:xfrm>
-            <a:off x="723900" y="6453386"/>
-            <a:ext cx="1204572" cy="404614"/>
-          </a:xfrm>
-        </p:spPr>
-        <p:txBody>
-          <a:bodyPr/>
-          <a:lstStyle>
-            <a:lvl1pPr>
-              <a:defRPr>
-                <a:solidFill>
-                  <a:schemeClr val="tx2"/>
-                </a:solidFill>
-              </a:defRPr>
-            </a:lvl1pPr>
-          </a:lstStyle>
+        <p:spPr/>
+        <p:txBody>
+          <a:bodyPr/>
+          <a:lstStyle/>
           <a:p>
             <a:fld id="{EA04F24A-984E-49E1-A489-BBAA7BA39510}" type="datetimeFigureOut">
               <a:rPr lang="hu-HU" smtClean="0"/>
-              <a:t>2022.09.08.</a:t>
+              <a:t>2022.09.12.</a:t>
             </a:fld>
             <a:endParaRPr lang="hu-HU"/>
           </a:p>
@@ -2690,23 +4308,10 @@
             <p:ph type="ftr" sz="quarter" idx="11"/>
           </p:nvPr>
         </p:nvSpPr>
-        <p:spPr>
-          <a:xfrm>
-            <a:off x="2205945" y="6453386"/>
-            <a:ext cx="2373675" cy="404614"/>
-          </a:xfrm>
-        </p:spPr>
-        <p:txBody>
-          <a:bodyPr/>
-          <a:lstStyle>
-            <a:lvl1pPr>
-              <a:defRPr>
-                <a:solidFill>
-                  <a:schemeClr val="tx2"/>
-                </a:solidFill>
-              </a:defRPr>
-            </a:lvl1pPr>
-          </a:lstStyle>
+        <p:spPr/>
+        <p:txBody>
+          <a:bodyPr/>
+          <a:lstStyle/>
           <a:p>
             <a:endParaRPr lang="hu-HU"/>
           </a:p>
@@ -2722,23 +4327,10 @@
             <p:ph type="sldNum" sz="quarter" idx="12"/>
           </p:nvPr>
         </p:nvSpPr>
-        <p:spPr>
-          <a:xfrm>
-            <a:off x="9883140" y="6453386"/>
-            <a:ext cx="1596292" cy="404614"/>
-          </a:xfrm>
-        </p:spPr>
-        <p:txBody>
-          <a:bodyPr/>
-          <a:lstStyle>
-            <a:lvl1pPr>
-              <a:defRPr>
-                <a:solidFill>
-                  <a:schemeClr val="tx2"/>
-                </a:solidFill>
-              </a:defRPr>
-            </a:lvl1pPr>
-          </a:lstStyle>
+        <p:spPr/>
+        <p:txBody>
+          <a:bodyPr/>
+          <a:lstStyle/>
           <a:p>
             <a:fld id="{45D8FD6A-7BE7-455D-9B29-3F466719B09B}" type="slidenum">
               <a:rPr lang="hu-HU" smtClean="0"/>
@@ -2748,48 +4340,10 @@
           </a:p>
         </p:txBody>
       </p:sp>
-      <p:sp>
-        <p:nvSpPr>
-          <p:cNvPr id="9" name="Rectangle 8" title="Divider Bar"/>
-          <p:cNvSpPr/>
-          <p:nvPr/>
-        </p:nvSpPr>
-        <p:spPr>
-          <a:xfrm>
-            <a:off x="5303520" y="376"/>
-            <a:ext cx="228600" cy="6858000"/>
-          </a:xfrm>
-          <a:prstGeom prst="rect">
-            <a:avLst/>
-          </a:prstGeom>
-          <a:solidFill>
-            <a:schemeClr val="tx2"/>
-          </a:solidFill>
-          <a:ln>
-            <a:noFill/>
-          </a:ln>
-        </p:spPr>
-        <p:style>
-          <a:lnRef idx="2">
-            <a:schemeClr val="accent1">
-              <a:shade val="50000"/>
-            </a:schemeClr>
-          </a:lnRef>
-          <a:fillRef idx="1">
-            <a:schemeClr val="accent1"/>
-          </a:fillRef>
-          <a:effectRef idx="0">
-            <a:schemeClr val="accent1"/>
-          </a:effectRef>
-          <a:fontRef idx="minor">
-            <a:schemeClr val="lt1"/>
-          </a:fontRef>
-        </p:style>
-      </p:sp>
     </p:spTree>
     <p:extLst>
       <p:ext uri="{BB962C8B-B14F-4D97-AF65-F5344CB8AC3E}">
-        <p14:creationId xmlns:p14="http://schemas.microsoft.com/office/powerpoint/2010/main" val="4039590817"/>
+        <p14:creationId xmlns:p14="http://schemas.microsoft.com/office/powerpoint/2010/main" val="2811773228"/>
       </p:ext>
     </p:extLst>
   </p:cSld>
@@ -2800,7 +4354,7 @@
 </file>
 
 <file path=ppt/slideLayouts/slideLayout9.xml><?xml version="1.0" encoding="utf-8"?>
-<p:sldLayout xmlns:a="http://schemas.openxmlformats.org/drawingml/2006/main" xmlns:r="http://schemas.openxmlformats.org/officeDocument/2006/relationships" xmlns:p="http://schemas.openxmlformats.org/presentationml/2006/main" showMasterSp="0" type="picTx" preserve="1">
+<p:sldLayout xmlns:a="http://schemas.openxmlformats.org/drawingml/2006/main" xmlns:r="http://schemas.openxmlformats.org/officeDocument/2006/relationships" xmlns:p="http://schemas.openxmlformats.org/presentationml/2006/main" type="picTx" preserve="1">
   <p:cSld name="Kép képaláírással">
     <p:spTree>
       <p:nvGrpSpPr>
@@ -2818,56 +4372,52 @@
       </p:grpSpPr>
       <p:sp>
         <p:nvSpPr>
-          <p:cNvPr id="8" name="Rectangle 7" title="Background Shape"/>
-          <p:cNvSpPr/>
-          <p:nvPr/>
+          <p:cNvPr id="2" name="Title 1"/>
+          <p:cNvSpPr>
+            <a:spLocks noGrp="1"/>
+          </p:cNvSpPr>
+          <p:nvPr>
+            <p:ph type="title"/>
+          </p:nvPr>
         </p:nvSpPr>
         <p:spPr>
           <a:xfrm>
-            <a:off x="0" y="376"/>
-            <a:ext cx="5303520" cy="6857624"/>
+            <a:off x="677334" y="4800600"/>
+            <a:ext cx="8596667" cy="566738"/>
           </a:xfrm>
-          <a:prstGeom prst="rect">
-            <a:avLst/>
-          </a:prstGeom>
-          <a:solidFill>
-            <a:schemeClr val="accent1"/>
-          </a:solidFill>
-          <a:ln>
-            <a:noFill/>
-          </a:ln>
         </p:spPr>
-        <p:style>
-          <a:lnRef idx="2">
-            <a:schemeClr val="accent1">
-              <a:shade val="50000"/>
-            </a:schemeClr>
-          </a:lnRef>
-          <a:fillRef idx="1">
-            <a:schemeClr val="accent1"/>
-          </a:fillRef>
-          <a:effectRef idx="0">
-            <a:schemeClr val="accent1"/>
-          </a:effectRef>
-          <a:fontRef idx="minor">
-            <a:schemeClr val="lt1"/>
-          </a:fontRef>
-        </p:style>
-      </p:sp>
-      <p:sp>
-        <p:nvSpPr>
-          <p:cNvPr id="2" name="Title 1"/>
-          <p:cNvSpPr>
-            <a:spLocks noGrp="1"/>
-          </p:cNvSpPr>
-          <p:nvPr>
-            <p:ph type="title"/>
+        <p:txBody>
+          <a:bodyPr anchor="b">
+            <a:normAutofit/>
+          </a:bodyPr>
+          <a:lstStyle>
+            <a:lvl1pPr algn="l">
+              <a:defRPr sz="2400" b="0"/>
+            </a:lvl1pPr>
+          </a:lstStyle>
+          <a:p>
+            <a:r>
+              <a:rPr lang="hu-HU" smtClean="0"/>
+              <a:t>Mintacím szerkesztése</a:t>
+            </a:r>
+            <a:endParaRPr lang="en-US" dirty="0"/>
+          </a:p>
+        </p:txBody>
+      </p:sp>
+      <p:sp>
+        <p:nvSpPr>
+          <p:cNvPr id="3" name="Picture Placeholder 2"/>
+          <p:cNvSpPr>
+            <a:spLocks noGrp="1" noChangeAspect="1"/>
+          </p:cNvSpPr>
+          <p:nvPr>
+            <p:ph type="pic" idx="1"/>
           </p:nvPr>
         </p:nvSpPr>
         <p:spPr>
           <a:xfrm>
-            <a:off x="723900" y="685800"/>
-            <a:ext cx="3855720" cy="2157884"/>
+            <a:off x="677334" y="609600"/>
+            <a:ext cx="8596668" cy="3845718"/>
           </a:xfrm>
         </p:spPr>
         <p:txBody>
@@ -2875,17 +4425,47 @@
             <a:normAutofit/>
           </a:bodyPr>
           <a:lstStyle>
-            <a:lvl1pPr>
-              <a:lnSpc>
-                <a:spcPct val="84000"/>
-              </a:lnSpc>
-              <a:defRPr sz="4800" baseline="0"/>
+            <a:lvl1pPr marL="0" indent="0" algn="ctr">
+              <a:buNone/>
+              <a:defRPr sz="1600"/>
             </a:lvl1pPr>
+            <a:lvl2pPr marL="457200" indent="0">
+              <a:buNone/>
+              <a:defRPr sz="1600"/>
+            </a:lvl2pPr>
+            <a:lvl3pPr marL="914400" indent="0">
+              <a:buNone/>
+              <a:defRPr sz="1600"/>
+            </a:lvl3pPr>
+            <a:lvl4pPr marL="1371600" indent="0">
+              <a:buNone/>
+              <a:defRPr sz="1600"/>
+            </a:lvl4pPr>
+            <a:lvl5pPr marL="1828800" indent="0">
+              <a:buNone/>
+              <a:defRPr sz="1600"/>
+            </a:lvl5pPr>
+            <a:lvl6pPr marL="2286000" indent="0">
+              <a:buNone/>
+              <a:defRPr sz="1600"/>
+            </a:lvl6pPr>
+            <a:lvl7pPr marL="2743200" indent="0">
+              <a:buNone/>
+              <a:defRPr sz="1600"/>
+            </a:lvl7pPr>
+            <a:lvl8pPr marL="3200400" indent="0">
+              <a:buNone/>
+              <a:defRPr sz="1600"/>
+            </a:lvl8pPr>
+            <a:lvl9pPr marL="3657600" indent="0">
+              <a:buNone/>
+              <a:defRPr sz="1600"/>
+            </a:lvl9pPr>
           </a:lstStyle>
           <a:p>
             <a:r>
               <a:rPr lang="hu-HU" smtClean="0"/>
-              <a:t>Mintacím szerkesztése</a:t>
+              <a:t>Kép beszúrásához kattintson az ikonra</a:t>
             </a:r>
             <a:endParaRPr lang="en-US" dirty="0"/>
           </a:p>
@@ -2893,137 +4473,63 @@
       </p:sp>
       <p:sp>
         <p:nvSpPr>
-          <p:cNvPr id="3" name="Picture Placeholder 2"/>
-          <p:cNvSpPr>
-            <a:spLocks noGrp="1" noChangeAspect="1"/>
-          </p:cNvSpPr>
-          <p:nvPr>
-            <p:ph type="pic" idx="1"/>
+          <p:cNvPr id="4" name="Text Placeholder 3"/>
+          <p:cNvSpPr>
+            <a:spLocks noGrp="1"/>
+          </p:cNvSpPr>
+          <p:nvPr>
+            <p:ph type="body" sz="half" idx="2"/>
           </p:nvPr>
         </p:nvSpPr>
         <p:spPr>
           <a:xfrm>
-            <a:off x="5532120" y="0"/>
-            <a:ext cx="6659880" cy="6857999"/>
+            <a:off x="677334" y="5367338"/>
+            <a:ext cx="8596667" cy="674024"/>
           </a:xfrm>
         </p:spPr>
         <p:txBody>
-          <a:bodyPr anchor="t">
+          <a:bodyPr>
             <a:normAutofit/>
           </a:bodyPr>
           <a:lstStyle>
             <a:lvl1pPr marL="0" indent="0">
               <a:buNone/>
-              <a:defRPr sz="2000"/>
+              <a:defRPr sz="1200"/>
             </a:lvl1pPr>
             <a:lvl2pPr marL="457200" indent="0">
               <a:buNone/>
-              <a:defRPr sz="2000"/>
+              <a:defRPr sz="1200"/>
             </a:lvl2pPr>
             <a:lvl3pPr marL="914400" indent="0">
               <a:buNone/>
-              <a:defRPr sz="2000"/>
+              <a:defRPr sz="1000"/>
             </a:lvl3pPr>
             <a:lvl4pPr marL="1371600" indent="0">
               <a:buNone/>
-              <a:defRPr sz="2000"/>
+              <a:defRPr sz="900"/>
             </a:lvl4pPr>
             <a:lvl5pPr marL="1828800" indent="0">
               <a:buNone/>
-              <a:defRPr sz="2000"/>
+              <a:defRPr sz="900"/>
             </a:lvl5pPr>
             <a:lvl6pPr marL="2286000" indent="0">
               <a:buNone/>
-              <a:defRPr sz="2000"/>
+              <a:defRPr sz="900"/>
             </a:lvl6pPr>
             <a:lvl7pPr marL="2743200" indent="0">
               <a:buNone/>
-              <a:defRPr sz="2000"/>
+              <a:defRPr sz="900"/>
             </a:lvl7pPr>
             <a:lvl8pPr marL="3200400" indent="0">
               <a:buNone/>
-              <a:defRPr sz="2000"/>
+              <a:defRPr sz="900"/>
             </a:lvl8pPr>
             <a:lvl9pPr marL="3657600" indent="0">
               <a:buNone/>
-              <a:defRPr sz="2000"/>
+              <a:defRPr sz="900"/>
             </a:lvl9pPr>
           </a:lstStyle>
           <a:p>
-            <a:r>
-              <a:rPr lang="hu-HU" smtClean="0"/>
-              <a:t>Kép beszúrásához kattintson az ikonra</a:t>
-            </a:r>
-            <a:endParaRPr lang="en-US" dirty="0"/>
-          </a:p>
-        </p:txBody>
-      </p:sp>
-      <p:sp>
-        <p:nvSpPr>
-          <p:cNvPr id="4" name="Text Placeholder 3"/>
-          <p:cNvSpPr>
-            <a:spLocks noGrp="1"/>
-          </p:cNvSpPr>
-          <p:nvPr>
-            <p:ph type="body" sz="half" idx="2"/>
-          </p:nvPr>
-        </p:nvSpPr>
-        <p:spPr>
-          <a:xfrm>
-            <a:off x="723900" y="2855968"/>
-            <a:ext cx="3855720" cy="3011432"/>
-          </a:xfrm>
-        </p:spPr>
-        <p:txBody>
-          <a:bodyPr/>
-          <a:lstStyle>
-            <a:lvl1pPr marL="0" indent="0">
-              <a:lnSpc>
-                <a:spcPct val="113000"/>
-              </a:lnSpc>
-              <a:spcBef>
-                <a:spcPts val="0"/>
-              </a:spcBef>
-              <a:spcAft>
-                <a:spcPts val="1500"/>
-              </a:spcAft>
-              <a:buNone/>
-              <a:defRPr sz="1600"/>
-            </a:lvl1pPr>
-            <a:lvl2pPr marL="457200" indent="0">
-              <a:buNone/>
-              <a:defRPr sz="1400"/>
-            </a:lvl2pPr>
-            <a:lvl3pPr marL="914400" indent="0">
-              <a:buNone/>
-              <a:defRPr sz="1200"/>
-            </a:lvl3pPr>
-            <a:lvl4pPr marL="1371600" indent="0">
-              <a:buNone/>
-              <a:defRPr sz="1000"/>
-            </a:lvl4pPr>
-            <a:lvl5pPr marL="1828800" indent="0">
-              <a:buNone/>
-              <a:defRPr sz="1000"/>
-            </a:lvl5pPr>
-            <a:lvl6pPr marL="2286000" indent="0">
-              <a:buNone/>
-              <a:defRPr sz="1000"/>
-            </a:lvl6pPr>
-            <a:lvl7pPr marL="2743200" indent="0">
-              <a:buNone/>
-              <a:defRPr sz="1000"/>
-            </a:lvl7pPr>
-            <a:lvl8pPr marL="3200400" indent="0">
-              <a:buNone/>
-              <a:defRPr sz="1000"/>
-            </a:lvl8pPr>
-            <a:lvl9pPr marL="3657600" indent="0">
-              <a:buNone/>
-              <a:defRPr sz="1000"/>
-            </a:lvl9pPr>
-          </a:lstStyle>
-          <a:p>
             <a:pPr lvl="0"/>
             <a:r>
               <a:rPr lang="hu-HU" smtClean="0"/>
@@ -3042,27 +4548,14 @@
             <p:ph type="dt" sz="half" idx="10"/>
           </p:nvPr>
         </p:nvSpPr>
-        <p:spPr>
-          <a:xfrm>
-            <a:off x="723900" y="6453386"/>
-            <a:ext cx="1204572" cy="404614"/>
-          </a:xfrm>
-        </p:spPr>
-        <p:txBody>
-          <a:bodyPr/>
-          <a:lstStyle>
-            <a:lvl1pPr>
-              <a:defRPr>
-                <a:solidFill>
-                  <a:schemeClr val="tx2"/>
-                </a:solidFill>
-              </a:defRPr>
-            </a:lvl1pPr>
-          </a:lstStyle>
+        <p:spPr/>
+        <p:txBody>
+          <a:bodyPr/>
+          <a:lstStyle/>
           <a:p>
             <a:fld id="{EA04F24A-984E-49E1-A489-BBAA7BA39510}" type="datetimeFigureOut">
               <a:rPr lang="hu-HU" smtClean="0"/>
-              <a:t>2022.09.08.</a:t>
+              <a:t>2022.09.12.</a:t>
             </a:fld>
             <a:endParaRPr lang="hu-HU"/>
           </a:p>
@@ -3078,23 +4571,10 @@
             <p:ph type="ftr" sz="quarter" idx="11"/>
           </p:nvPr>
         </p:nvSpPr>
-        <p:spPr>
-          <a:xfrm>
-            <a:off x="2205945" y="6453386"/>
-            <a:ext cx="2373675" cy="404614"/>
-          </a:xfrm>
-        </p:spPr>
-        <p:txBody>
-          <a:bodyPr/>
-          <a:lstStyle>
-            <a:lvl1pPr>
-              <a:defRPr>
-                <a:solidFill>
-                  <a:schemeClr val="tx2"/>
-                </a:solidFill>
-              </a:defRPr>
-            </a:lvl1pPr>
-          </a:lstStyle>
+        <p:spPr/>
+        <p:txBody>
+          <a:bodyPr/>
+          <a:lstStyle/>
           <a:p>
             <a:endParaRPr lang="hu-HU"/>
           </a:p>
@@ -3110,23 +4590,10 @@
             <p:ph type="sldNum" sz="quarter" idx="12"/>
           </p:nvPr>
         </p:nvSpPr>
-        <p:spPr>
-          <a:xfrm>
-            <a:off x="9883140" y="6453386"/>
-            <a:ext cx="1596292" cy="404614"/>
-          </a:xfrm>
-        </p:spPr>
-        <p:txBody>
-          <a:bodyPr/>
-          <a:lstStyle>
-            <a:lvl1pPr>
-              <a:defRPr>
-                <a:solidFill>
-                  <a:schemeClr val="tx2"/>
-                </a:solidFill>
-              </a:defRPr>
-            </a:lvl1pPr>
-          </a:lstStyle>
+        <p:spPr/>
+        <p:txBody>
+          <a:bodyPr/>
+          <a:lstStyle/>
           <a:p>
             <a:fld id="{45D8FD6A-7BE7-455D-9B29-3F466719B09B}" type="slidenum">
               <a:rPr lang="hu-HU" smtClean="0"/>
@@ -3136,48 +4603,10 @@
           </a:p>
         </p:txBody>
       </p:sp>
-      <p:sp>
-        <p:nvSpPr>
-          <p:cNvPr id="9" name="Rectangle 8" title="Divider Bar"/>
-          <p:cNvSpPr/>
-          <p:nvPr/>
-        </p:nvSpPr>
-        <p:spPr>
-          <a:xfrm>
-            <a:off x="5303520" y="376"/>
-            <a:ext cx="228600" cy="6858000"/>
-          </a:xfrm>
-          <a:prstGeom prst="rect">
-            <a:avLst/>
-          </a:prstGeom>
-          <a:solidFill>
-            <a:schemeClr val="tx2"/>
-          </a:solidFill>
-          <a:ln>
-            <a:noFill/>
-          </a:ln>
-        </p:spPr>
-        <p:style>
-          <a:lnRef idx="2">
-            <a:schemeClr val="accent1">
-              <a:shade val="50000"/>
-            </a:schemeClr>
-          </a:lnRef>
-          <a:fillRef idx="1">
-            <a:schemeClr val="accent1"/>
-          </a:fillRef>
-          <a:effectRef idx="0">
-            <a:schemeClr val="accent1"/>
-          </a:effectRef>
-          <a:fontRef idx="minor">
-            <a:schemeClr val="lt1"/>
-          </a:fontRef>
-        </p:style>
-      </p:sp>
     </p:spTree>
     <p:extLst>
       <p:ext uri="{BB962C8B-B14F-4D97-AF65-F5344CB8AC3E}">
-        <p14:creationId xmlns:p14="http://schemas.microsoft.com/office/powerpoint/2010/main" val="4018837061"/>
+        <p14:creationId xmlns:p14="http://schemas.microsoft.com/office/powerpoint/2010/main" val="3607435362"/>
       </p:ext>
     </p:extLst>
   </p:cSld>
@@ -3191,12 +4620,9 @@
 <p:sldMaster xmlns:a="http://schemas.openxmlformats.org/drawingml/2006/main" xmlns:r="http://schemas.openxmlformats.org/officeDocument/2006/relationships" xmlns:p="http://schemas.openxmlformats.org/presentationml/2006/main">
   <p:cSld>
     <p:bg>
-      <p:bgPr>
-        <a:solidFill>
-          <a:schemeClr val="bg2"/>
-        </a:solidFill>
-        <a:effectLst/>
-      </p:bgPr>
+      <p:bgRef idx="1001">
+        <a:schemeClr val="bg2"/>
+      </p:bgRef>
     </p:bg>
     <p:spTree>
       <p:nvGrpSpPr>
@@ -3212,6 +4638,538 @@
           <a:chExt cx="0" cy="0"/>
         </a:xfrm>
       </p:grpSpPr>
+      <p:grpSp>
+        <p:nvGrpSpPr>
+          <p:cNvPr id="8" name="Group 7"/>
+          <p:cNvGrpSpPr/>
+          <p:nvPr/>
+        </p:nvGrpSpPr>
+        <p:grpSpPr>
+          <a:xfrm>
+            <a:off x="0" y="-8467"/>
+            <a:ext cx="12192000" cy="6866467"/>
+            <a:chOff x="0" y="-8467"/>
+            <a:chExt cx="12192000" cy="6866467"/>
+          </a:xfrm>
+        </p:grpSpPr>
+        <p:cxnSp>
+          <p:nvCxnSpPr>
+            <p:cNvPr id="20" name="Straight Connector 19"/>
+            <p:cNvCxnSpPr/>
+            <p:nvPr/>
+          </p:nvCxnSpPr>
+          <p:spPr>
+            <a:xfrm>
+              <a:off x="9371012" y="0"/>
+              <a:ext cx="1219200" cy="6858000"/>
+            </a:xfrm>
+            <a:prstGeom prst="line">
+              <a:avLst/>
+            </a:prstGeom>
+            <a:ln w="9525">
+              <a:solidFill>
+                <a:schemeClr val="bg1">
+                  <a:lumMod val="85000"/>
+                  <a:lumOff val="15000"/>
+                </a:schemeClr>
+              </a:solidFill>
+            </a:ln>
+          </p:spPr>
+          <p:style>
+            <a:lnRef idx="2">
+              <a:schemeClr val="accent1"/>
+            </a:lnRef>
+            <a:fillRef idx="0">
+              <a:schemeClr val="accent1"/>
+            </a:fillRef>
+            <a:effectRef idx="1">
+              <a:schemeClr val="accent1"/>
+            </a:effectRef>
+            <a:fontRef idx="minor">
+              <a:schemeClr val="tx1"/>
+            </a:fontRef>
+          </p:style>
+        </p:cxnSp>
+        <p:cxnSp>
+          <p:nvCxnSpPr>
+            <p:cNvPr id="21" name="Straight Connector 20"/>
+            <p:cNvCxnSpPr/>
+            <p:nvPr/>
+          </p:nvCxnSpPr>
+          <p:spPr>
+            <a:xfrm flipH="1">
+              <a:off x="7425267" y="3681413"/>
+              <a:ext cx="4763558" cy="3176587"/>
+            </a:xfrm>
+            <a:prstGeom prst="line">
+              <a:avLst/>
+            </a:prstGeom>
+            <a:ln w="9525">
+              <a:solidFill>
+                <a:schemeClr val="bg1">
+                  <a:lumMod val="85000"/>
+                  <a:lumOff val="15000"/>
+                </a:schemeClr>
+              </a:solidFill>
+            </a:ln>
+          </p:spPr>
+          <p:style>
+            <a:lnRef idx="2">
+              <a:schemeClr val="accent1"/>
+            </a:lnRef>
+            <a:fillRef idx="0">
+              <a:schemeClr val="accent1"/>
+            </a:fillRef>
+            <a:effectRef idx="1">
+              <a:schemeClr val="accent1"/>
+            </a:effectRef>
+            <a:fontRef idx="minor">
+              <a:schemeClr val="tx1"/>
+            </a:fontRef>
+          </p:style>
+        </p:cxnSp>
+        <p:sp>
+          <p:nvSpPr>
+            <p:cNvPr id="22" name="Rectangle 23"/>
+            <p:cNvSpPr/>
+            <p:nvPr/>
+          </p:nvSpPr>
+          <p:spPr>
+            <a:xfrm>
+              <a:off x="9181476" y="-8467"/>
+              <a:ext cx="3007349" cy="6866467"/>
+            </a:xfrm>
+            <a:custGeom>
+              <a:avLst/>
+              <a:gdLst/>
+              <a:ahLst/>
+              <a:cxnLst/>
+              <a:rect l="l" t="t" r="r" b="b"/>
+              <a:pathLst>
+                <a:path w="3007349" h="6866467">
+                  <a:moveTo>
+                    <a:pt x="2045532" y="0"/>
+                  </a:moveTo>
+                  <a:lnTo>
+                    <a:pt x="3007349" y="0"/>
+                  </a:lnTo>
+                  <a:lnTo>
+                    <a:pt x="3007349" y="6866467"/>
+                  </a:lnTo>
+                  <a:lnTo>
+                    <a:pt x="0" y="6866467"/>
+                  </a:lnTo>
+                  <a:lnTo>
+                    <a:pt x="2045532" y="0"/>
+                  </a:lnTo>
+                  <a:close/>
+                </a:path>
+              </a:pathLst>
+            </a:custGeom>
+            <a:solidFill>
+              <a:schemeClr val="accent1">
+                <a:alpha val="30000"/>
+              </a:schemeClr>
+            </a:solidFill>
+            <a:ln>
+              <a:noFill/>
+            </a:ln>
+            <a:effectLst/>
+          </p:spPr>
+          <p:style>
+            <a:lnRef idx="1">
+              <a:schemeClr val="accent1"/>
+            </a:lnRef>
+            <a:fillRef idx="3">
+              <a:schemeClr val="accent1"/>
+            </a:fillRef>
+            <a:effectRef idx="2">
+              <a:schemeClr val="accent1"/>
+            </a:effectRef>
+            <a:fontRef idx="minor">
+              <a:schemeClr val="lt1"/>
+            </a:fontRef>
+          </p:style>
+        </p:sp>
+        <p:sp>
+          <p:nvSpPr>
+            <p:cNvPr id="23" name="Rectangle 25"/>
+            <p:cNvSpPr/>
+            <p:nvPr/>
+          </p:nvSpPr>
+          <p:spPr>
+            <a:xfrm>
+              <a:off x="9603442" y="-8467"/>
+              <a:ext cx="2588558" cy="6866467"/>
+            </a:xfrm>
+            <a:custGeom>
+              <a:avLst/>
+              <a:gdLst/>
+              <a:ahLst/>
+              <a:cxnLst/>
+              <a:rect l="l" t="t" r="r" b="b"/>
+              <a:pathLst>
+                <a:path w="2573311" h="6866467">
+                  <a:moveTo>
+                    <a:pt x="0" y="0"/>
+                  </a:moveTo>
+                  <a:lnTo>
+                    <a:pt x="2573311" y="0"/>
+                  </a:lnTo>
+                  <a:lnTo>
+                    <a:pt x="2573311" y="6866467"/>
+                  </a:lnTo>
+                  <a:lnTo>
+                    <a:pt x="1202336" y="6866467"/>
+                  </a:lnTo>
+                  <a:lnTo>
+                    <a:pt x="0" y="0"/>
+                  </a:lnTo>
+                  <a:close/>
+                </a:path>
+              </a:pathLst>
+            </a:custGeom>
+            <a:solidFill>
+              <a:schemeClr val="accent1">
+                <a:alpha val="20000"/>
+              </a:schemeClr>
+            </a:solidFill>
+            <a:ln>
+              <a:noFill/>
+            </a:ln>
+            <a:effectLst/>
+          </p:spPr>
+          <p:style>
+            <a:lnRef idx="1">
+              <a:schemeClr val="accent1"/>
+            </a:lnRef>
+            <a:fillRef idx="3">
+              <a:schemeClr val="accent1"/>
+            </a:fillRef>
+            <a:effectRef idx="2">
+              <a:schemeClr val="accent1"/>
+            </a:effectRef>
+            <a:fontRef idx="minor">
+              <a:schemeClr val="lt1"/>
+            </a:fontRef>
+          </p:style>
+        </p:sp>
+        <p:sp>
+          <p:nvSpPr>
+            <p:cNvPr id="24" name="Isosceles Triangle 23"/>
+            <p:cNvSpPr/>
+            <p:nvPr/>
+          </p:nvSpPr>
+          <p:spPr>
+            <a:xfrm>
+              <a:off x="8932333" y="3048000"/>
+              <a:ext cx="3259667" cy="3810000"/>
+            </a:xfrm>
+            <a:prstGeom prst="triangle">
+              <a:avLst>
+                <a:gd name="adj" fmla="val 100000"/>
+              </a:avLst>
+            </a:prstGeom>
+            <a:solidFill>
+              <a:schemeClr val="accent2">
+                <a:alpha val="72000"/>
+              </a:schemeClr>
+            </a:solidFill>
+            <a:ln>
+              <a:noFill/>
+            </a:ln>
+            <a:effectLst/>
+          </p:spPr>
+          <p:style>
+            <a:lnRef idx="1">
+              <a:schemeClr val="accent1"/>
+            </a:lnRef>
+            <a:fillRef idx="3">
+              <a:schemeClr val="accent1"/>
+            </a:fillRef>
+            <a:effectRef idx="2">
+              <a:schemeClr val="accent1"/>
+            </a:effectRef>
+            <a:fontRef idx="minor">
+              <a:schemeClr val="lt1"/>
+            </a:fontRef>
+          </p:style>
+        </p:sp>
+        <p:sp>
+          <p:nvSpPr>
+            <p:cNvPr id="25" name="Rectangle 27"/>
+            <p:cNvSpPr/>
+            <p:nvPr/>
+          </p:nvSpPr>
+          <p:spPr>
+            <a:xfrm>
+              <a:off x="9334500" y="-8467"/>
+              <a:ext cx="2854326" cy="6866467"/>
+            </a:xfrm>
+            <a:custGeom>
+              <a:avLst/>
+              <a:gdLst/>
+              <a:ahLst/>
+              <a:cxnLst/>
+              <a:rect l="l" t="t" r="r" b="b"/>
+              <a:pathLst>
+                <a:path w="2858013" h="6866467">
+                  <a:moveTo>
+                    <a:pt x="0" y="0"/>
+                  </a:moveTo>
+                  <a:lnTo>
+                    <a:pt x="2858013" y="0"/>
+                  </a:lnTo>
+                  <a:lnTo>
+                    <a:pt x="2858013" y="6866467"/>
+                  </a:lnTo>
+                  <a:lnTo>
+                    <a:pt x="2473942" y="6866467"/>
+                  </a:lnTo>
+                  <a:lnTo>
+                    <a:pt x="0" y="0"/>
+                  </a:lnTo>
+                  <a:close/>
+                </a:path>
+              </a:pathLst>
+            </a:custGeom>
+            <a:solidFill>
+              <a:schemeClr val="accent2">
+                <a:lumMod val="75000"/>
+                <a:alpha val="70000"/>
+              </a:schemeClr>
+            </a:solidFill>
+            <a:ln>
+              <a:noFill/>
+            </a:ln>
+            <a:effectLst/>
+          </p:spPr>
+          <p:style>
+            <a:lnRef idx="1">
+              <a:schemeClr val="accent1"/>
+            </a:lnRef>
+            <a:fillRef idx="3">
+              <a:schemeClr val="accent1"/>
+            </a:fillRef>
+            <a:effectRef idx="2">
+              <a:schemeClr val="accent1"/>
+            </a:effectRef>
+            <a:fontRef idx="minor">
+              <a:schemeClr val="lt1"/>
+            </a:fontRef>
+          </p:style>
+        </p:sp>
+        <p:sp>
+          <p:nvSpPr>
+            <p:cNvPr id="26" name="Rectangle 28"/>
+            <p:cNvSpPr/>
+            <p:nvPr/>
+          </p:nvSpPr>
+          <p:spPr>
+            <a:xfrm>
+              <a:off x="10898730" y="-8467"/>
+              <a:ext cx="1290094" cy="6866467"/>
+            </a:xfrm>
+            <a:custGeom>
+              <a:avLst/>
+              <a:gdLst/>
+              <a:ahLst/>
+              <a:cxnLst/>
+              <a:rect l="l" t="t" r="r" b="b"/>
+              <a:pathLst>
+                <a:path w="1290094" h="6858000">
+                  <a:moveTo>
+                    <a:pt x="1019735" y="0"/>
+                  </a:moveTo>
+                  <a:lnTo>
+                    <a:pt x="1290094" y="0"/>
+                  </a:lnTo>
+                  <a:lnTo>
+                    <a:pt x="1290094" y="6858000"/>
+                  </a:lnTo>
+                  <a:lnTo>
+                    <a:pt x="0" y="6858000"/>
+                  </a:lnTo>
+                  <a:lnTo>
+                    <a:pt x="1019735" y="0"/>
+                  </a:lnTo>
+                  <a:close/>
+                </a:path>
+              </a:pathLst>
+            </a:custGeom>
+            <a:solidFill>
+              <a:schemeClr val="accent1">
+                <a:lumMod val="60000"/>
+                <a:lumOff val="40000"/>
+                <a:alpha val="70000"/>
+              </a:schemeClr>
+            </a:solidFill>
+            <a:ln>
+              <a:noFill/>
+            </a:ln>
+            <a:effectLst/>
+          </p:spPr>
+          <p:style>
+            <a:lnRef idx="1">
+              <a:schemeClr val="accent1"/>
+            </a:lnRef>
+            <a:fillRef idx="3">
+              <a:schemeClr val="accent1"/>
+            </a:fillRef>
+            <a:effectRef idx="2">
+              <a:schemeClr val="accent1"/>
+            </a:effectRef>
+            <a:fontRef idx="minor">
+              <a:schemeClr val="lt1"/>
+            </a:fontRef>
+          </p:style>
+        </p:sp>
+        <p:sp>
+          <p:nvSpPr>
+            <p:cNvPr id="27" name="Rectangle 29"/>
+            <p:cNvSpPr/>
+            <p:nvPr/>
+          </p:nvSpPr>
+          <p:spPr>
+            <a:xfrm>
+              <a:off x="10938999" y="-8467"/>
+              <a:ext cx="1249825" cy="6866467"/>
+            </a:xfrm>
+            <a:custGeom>
+              <a:avLst/>
+              <a:gdLst/>
+              <a:ahLst/>
+              <a:cxnLst/>
+              <a:rect l="l" t="t" r="r" b="b"/>
+              <a:pathLst>
+                <a:path w="1249825" h="6858000">
+                  <a:moveTo>
+                    <a:pt x="0" y="0"/>
+                  </a:moveTo>
+                  <a:lnTo>
+                    <a:pt x="1249825" y="0"/>
+                  </a:lnTo>
+                  <a:lnTo>
+                    <a:pt x="1249825" y="6858000"/>
+                  </a:lnTo>
+                  <a:lnTo>
+                    <a:pt x="1109382" y="6858000"/>
+                  </a:lnTo>
+                  <a:lnTo>
+                    <a:pt x="0" y="0"/>
+                  </a:lnTo>
+                  <a:close/>
+                </a:path>
+              </a:pathLst>
+            </a:custGeom>
+            <a:solidFill>
+              <a:schemeClr val="accent1">
+                <a:alpha val="65000"/>
+              </a:schemeClr>
+            </a:solidFill>
+            <a:ln>
+              <a:noFill/>
+            </a:ln>
+            <a:effectLst/>
+          </p:spPr>
+          <p:style>
+            <a:lnRef idx="1">
+              <a:schemeClr val="accent1"/>
+            </a:lnRef>
+            <a:fillRef idx="3">
+              <a:schemeClr val="accent1"/>
+            </a:fillRef>
+            <a:effectRef idx="2">
+              <a:schemeClr val="accent1"/>
+            </a:effectRef>
+            <a:fontRef idx="minor">
+              <a:schemeClr val="lt1"/>
+            </a:fontRef>
+          </p:style>
+        </p:sp>
+        <p:sp>
+          <p:nvSpPr>
+            <p:cNvPr id="28" name="Isosceles Triangle 27"/>
+            <p:cNvSpPr/>
+            <p:nvPr/>
+          </p:nvSpPr>
+          <p:spPr>
+            <a:xfrm>
+              <a:off x="10371666" y="3589867"/>
+              <a:ext cx="1817159" cy="3268133"/>
+            </a:xfrm>
+            <a:prstGeom prst="triangle">
+              <a:avLst>
+                <a:gd name="adj" fmla="val 100000"/>
+              </a:avLst>
+            </a:prstGeom>
+            <a:solidFill>
+              <a:schemeClr val="accent1">
+                <a:alpha val="80000"/>
+              </a:schemeClr>
+            </a:solidFill>
+            <a:ln>
+              <a:noFill/>
+            </a:ln>
+            <a:effectLst/>
+          </p:spPr>
+          <p:style>
+            <a:lnRef idx="1">
+              <a:schemeClr val="accent1"/>
+            </a:lnRef>
+            <a:fillRef idx="3">
+              <a:schemeClr val="accent1"/>
+            </a:fillRef>
+            <a:effectRef idx="2">
+              <a:schemeClr val="accent1"/>
+            </a:effectRef>
+            <a:fontRef idx="minor">
+              <a:schemeClr val="lt1"/>
+            </a:fontRef>
+          </p:style>
+        </p:sp>
+        <p:sp>
+          <p:nvSpPr>
+            <p:cNvPr id="29" name="Isosceles Triangle 28"/>
+            <p:cNvSpPr/>
+            <p:nvPr/>
+          </p:nvSpPr>
+          <p:spPr>
+            <a:xfrm>
+              <a:off x="0" y="4013200"/>
+              <a:ext cx="448733" cy="2844800"/>
+            </a:xfrm>
+            <a:prstGeom prst="triangle">
+              <a:avLst>
+                <a:gd name="adj" fmla="val 0"/>
+              </a:avLst>
+            </a:prstGeom>
+            <a:solidFill>
+              <a:schemeClr val="accent1">
+                <a:alpha val="85000"/>
+              </a:schemeClr>
+            </a:solidFill>
+            <a:ln>
+              <a:noFill/>
+            </a:ln>
+            <a:effectLst/>
+          </p:spPr>
+          <p:style>
+            <a:lnRef idx="1">
+              <a:schemeClr val="accent1"/>
+            </a:lnRef>
+            <a:fillRef idx="3">
+              <a:schemeClr val="accent1"/>
+            </a:fillRef>
+            <a:effectRef idx="2">
+              <a:schemeClr val="accent1"/>
+            </a:effectRef>
+            <a:fontRef idx="minor">
+              <a:schemeClr val="lt1"/>
+            </a:fontRef>
+          </p:style>
+        </p:sp>
+      </p:grpSp>
       <p:sp>
         <p:nvSpPr>
           <p:cNvPr id="2" name="Title Placeholder 1"/>
@@ -3224,8 +5182,8 @@
         </p:nvSpPr>
         <p:spPr>
           <a:xfrm>
-            <a:off x="1371600" y="685800"/>
-            <a:ext cx="9601200" cy="1485900"/>
+            <a:off x="677334" y="609600"/>
+            <a:ext cx="8596668" cy="1320800"/>
           </a:xfrm>
           <a:prstGeom prst="rect">
             <a:avLst/>
@@ -3257,8 +5215,8 @@
         </p:nvSpPr>
         <p:spPr>
           <a:xfrm>
-            <a:off x="1371600" y="2286000"/>
-            <a:ext cx="9601200" cy="3581400"/>
+            <a:off x="677334" y="2160589"/>
+            <a:ext cx="8596668" cy="3880773"/>
           </a:xfrm>
           <a:prstGeom prst="rect">
             <a:avLst/>
@@ -3319,8 +5277,8 @@
         </p:nvSpPr>
         <p:spPr>
           <a:xfrm>
-            <a:off x="1390650" y="6453386"/>
-            <a:ext cx="1204572" cy="404614"/>
+            <a:off x="7205133" y="6041362"/>
+            <a:ext cx="911939" cy="365125"/>
           </a:xfrm>
           <a:prstGeom prst="rect">
             <a:avLst/>
@@ -3329,10 +5287,12 @@
         <p:txBody>
           <a:bodyPr vert="horz" lIns="91440" tIns="45720" rIns="91440" bIns="45720" rtlCol="0" anchor="ctr"/>
           <a:lstStyle>
-            <a:lvl1pPr algn="l">
-              <a:defRPr sz="1200" baseline="0">
-                <a:solidFill>
-                  <a:schemeClr val="tx2"/>
+            <a:lvl1pPr algn="r">
+              <a:defRPr sz="900">
+                <a:solidFill>
+                  <a:schemeClr val="tx1">
+                    <a:tint val="75000"/>
+                  </a:schemeClr>
                 </a:solidFill>
               </a:defRPr>
             </a:lvl1pPr>
@@ -3340,7 +5300,7 @@
           <a:p>
             <a:fld id="{EA04F24A-984E-49E1-A489-BBAA7BA39510}" type="datetimeFigureOut">
               <a:rPr lang="hu-HU" smtClean="0"/>
-              <a:t>2022.09.08.</a:t>
+              <a:t>2022.09.12.</a:t>
             </a:fld>
             <a:endParaRPr lang="hu-HU"/>
           </a:p>
@@ -3358,8 +5318,8 @@
         </p:nvSpPr>
         <p:spPr>
           <a:xfrm>
-            <a:off x="2893564" y="6453386"/>
-            <a:ext cx="6280830" cy="404614"/>
+            <a:off x="677334" y="6041362"/>
+            <a:ext cx="6297612" cy="365125"/>
           </a:xfrm>
           <a:prstGeom prst="rect">
             <a:avLst/>
@@ -3369,9 +5329,11 @@
           <a:bodyPr vert="horz" lIns="91440" tIns="45720" rIns="91440" bIns="45720" rtlCol="0" anchor="ctr"/>
           <a:lstStyle>
             <a:lvl1pPr algn="l">
-              <a:defRPr sz="1200" baseline="0">
-                <a:solidFill>
-                  <a:schemeClr val="tx2"/>
+              <a:defRPr sz="900">
+                <a:solidFill>
+                  <a:schemeClr val="tx1">
+                    <a:tint val="75000"/>
+                  </a:schemeClr>
                 </a:solidFill>
               </a:defRPr>
             </a:lvl1pPr>
@@ -3393,8 +5355,8 @@
         </p:nvSpPr>
         <p:spPr>
           <a:xfrm>
-            <a:off x="9472736" y="6453386"/>
-            <a:ext cx="1596292" cy="404614"/>
+            <a:off x="8590663" y="6041362"/>
+            <a:ext cx="683339" cy="365125"/>
           </a:xfrm>
           <a:prstGeom prst="rect">
             <a:avLst/>
@@ -3404,9 +5366,9 @@
           <a:bodyPr vert="horz" lIns="91440" tIns="45720" rIns="91440" bIns="45720" rtlCol="0" anchor="ctr"/>
           <a:lstStyle>
             <a:lvl1pPr algn="r">
-              <a:defRPr sz="1200" baseline="0">
-                <a:solidFill>
-                  <a:schemeClr val="tx2"/>
+              <a:defRPr sz="900">
+                <a:solidFill>
+                  <a:schemeClr val="accent1"/>
                 </a:solidFill>
               </a:defRPr>
             </a:lvl1pPr>
@@ -3420,269 +5382,325 @@
           </a:p>
         </p:txBody>
       </p:sp>
-      <p:sp>
-        <p:nvSpPr>
-          <p:cNvPr id="9" name="Rectangle 8" title="Side bar"/>
-          <p:cNvSpPr/>
-          <p:nvPr/>
-        </p:nvSpPr>
-        <p:spPr>
-          <a:xfrm>
-            <a:off x="478095" y="376"/>
-            <a:ext cx="228600" cy="6858000"/>
-          </a:xfrm>
-          <a:prstGeom prst="rect">
-            <a:avLst/>
-          </a:prstGeom>
-          <a:solidFill>
-            <a:schemeClr val="tx2"/>
-          </a:solidFill>
-          <a:ln>
-            <a:noFill/>
-          </a:ln>
-        </p:spPr>
-        <p:style>
-          <a:lnRef idx="2">
-            <a:schemeClr val="accent1">
-              <a:shade val="50000"/>
-            </a:schemeClr>
-          </a:lnRef>
-          <a:fillRef idx="1">
-            <a:schemeClr val="accent1"/>
-          </a:fillRef>
-          <a:effectRef idx="0">
-            <a:schemeClr val="accent1"/>
-          </a:effectRef>
-          <a:fontRef idx="minor">
-            <a:schemeClr val="lt1"/>
-          </a:fontRef>
-        </p:style>
-      </p:sp>
     </p:spTree>
     <p:extLst>
       <p:ext uri="{BB962C8B-B14F-4D97-AF65-F5344CB8AC3E}">
-        <p14:creationId xmlns:p14="http://schemas.microsoft.com/office/powerpoint/2010/main" val="1396530120"/>
+        <p14:creationId xmlns:p14="http://schemas.microsoft.com/office/powerpoint/2010/main" val="3635528215"/>
       </p:ext>
     </p:extLst>
   </p:cSld>
-  <p:clrMap bg1="lt1" tx1="dk1" bg2="lt2" tx2="dk2" accent1="accent1" accent2="accent2" accent3="accent3" accent4="accent4" accent5="accent5" accent6="accent6" hlink="hlink" folHlink="folHlink"/>
+  <p:clrMap bg1="dk1" tx1="lt1" bg2="dk2" tx2="lt2" accent1="accent1" accent2="accent2" accent3="accent3" accent4="accent4" accent5="accent5" accent6="accent6" hlink="hlink" folHlink="folHlink"/>
   <p:sldLayoutIdLst>
-    <p:sldLayoutId id="2147483788" r:id="rId1"/>
-    <p:sldLayoutId id="2147483789" r:id="rId2"/>
-    <p:sldLayoutId id="2147483790" r:id="rId3"/>
-    <p:sldLayoutId id="2147483791" r:id="rId4"/>
-    <p:sldLayoutId id="2147483792" r:id="rId5"/>
-    <p:sldLayoutId id="2147483793" r:id="rId6"/>
-    <p:sldLayoutId id="2147483794" r:id="rId7"/>
-    <p:sldLayoutId id="2147483795" r:id="rId8"/>
-    <p:sldLayoutId id="2147483796" r:id="rId9"/>
-    <p:sldLayoutId id="2147483797" r:id="rId10"/>
-    <p:sldLayoutId id="2147483798" r:id="rId11"/>
+    <p:sldLayoutId id="2147483875" r:id="rId1"/>
+    <p:sldLayoutId id="2147483876" r:id="rId2"/>
+    <p:sldLayoutId id="2147483877" r:id="rId3"/>
+    <p:sldLayoutId id="2147483878" r:id="rId4"/>
+    <p:sldLayoutId id="2147483879" r:id="rId5"/>
+    <p:sldLayoutId id="2147483880" r:id="rId6"/>
+    <p:sldLayoutId id="2147483881" r:id="rId7"/>
+    <p:sldLayoutId id="2147483882" r:id="rId8"/>
+    <p:sldLayoutId id="2147483883" r:id="rId9"/>
+    <p:sldLayoutId id="2147483884" r:id="rId10"/>
+    <p:sldLayoutId id="2147483885" r:id="rId11"/>
+    <p:sldLayoutId id="2147483886" r:id="rId12"/>
+    <p:sldLayoutId id="2147483887" r:id="rId13"/>
+    <p:sldLayoutId id="2147483888" r:id="rId14"/>
+    <p:sldLayoutId id="2147483889" r:id="rId15"/>
+    <p:sldLayoutId id="2147483890" r:id="rId16"/>
   </p:sldLayoutIdLst>
   <p:txStyles>
     <p:titleStyle>
-      <a:lvl1pPr algn="l" defTabSz="914400" rtl="0" eaLnBrk="1" latinLnBrk="0" hangingPunct="1">
-        <a:lnSpc>
-          <a:spcPct val="89000"/>
-        </a:lnSpc>
+      <a:lvl1pPr algn="l" defTabSz="457200" rtl="0" eaLnBrk="1" latinLnBrk="0" hangingPunct="1">
         <a:spcBef>
           <a:spcPct val="0"/>
         </a:spcBef>
         <a:buNone/>
-        <a:defRPr sz="4400" kern="1200" baseline="0">
+        <a:defRPr sz="3600" kern="1200">
           <a:solidFill>
-            <a:schemeClr val="tx2"/>
+            <a:schemeClr val="accent1"/>
           </a:solidFill>
           <a:latin typeface="+mj-lt"/>
           <a:ea typeface="+mj-ea"/>
           <a:cs typeface="+mj-cs"/>
         </a:defRPr>
       </a:lvl1pPr>
+      <a:lvl2pPr eaLnBrk="1" hangingPunct="1">
+        <a:defRPr>
+          <a:solidFill>
+            <a:schemeClr val="tx2"/>
+          </a:solidFill>
+        </a:defRPr>
+      </a:lvl2pPr>
+      <a:lvl3pPr eaLnBrk="1" hangingPunct="1">
+        <a:defRPr>
+          <a:solidFill>
+            <a:schemeClr val="tx2"/>
+          </a:solidFill>
+        </a:defRPr>
+      </a:lvl3pPr>
+      <a:lvl4pPr eaLnBrk="1" hangingPunct="1">
+        <a:defRPr>
+          <a:solidFill>
+            <a:schemeClr val="tx2"/>
+          </a:solidFill>
+        </a:defRPr>
+      </a:lvl4pPr>
+      <a:lvl5pPr eaLnBrk="1" hangingPunct="1">
+        <a:defRPr>
+          <a:solidFill>
+            <a:schemeClr val="tx2"/>
+          </a:solidFill>
+        </a:defRPr>
+      </a:lvl5pPr>
+      <a:lvl6pPr eaLnBrk="1" hangingPunct="1">
+        <a:defRPr>
+          <a:solidFill>
+            <a:schemeClr val="tx2"/>
+          </a:solidFill>
+        </a:defRPr>
+      </a:lvl6pPr>
+      <a:lvl7pPr eaLnBrk="1" hangingPunct="1">
+        <a:defRPr>
+          <a:solidFill>
+            <a:schemeClr val="tx2"/>
+          </a:solidFill>
+        </a:defRPr>
+      </a:lvl7pPr>
+      <a:lvl8pPr eaLnBrk="1" hangingPunct="1">
+        <a:defRPr>
+          <a:solidFill>
+            <a:schemeClr val="tx2"/>
+          </a:solidFill>
+        </a:defRPr>
+      </a:lvl8pPr>
+      <a:lvl9pPr eaLnBrk="1" hangingPunct="1">
+        <a:defRPr>
+          <a:solidFill>
+            <a:schemeClr val="tx2"/>
+          </a:solidFill>
+        </a:defRPr>
+      </a:lvl9pPr>
     </p:titleStyle>
     <p:bodyStyle>
-      <a:lvl1pPr marL="384048" indent="-384048" algn="l" defTabSz="914400" rtl="0" eaLnBrk="1" latinLnBrk="0" hangingPunct="1">
-        <a:lnSpc>
-          <a:spcPct val="94000"/>
-        </a:lnSpc>
+      <a:lvl1pPr marL="342900" indent="-342900" algn="l" defTabSz="457200" rtl="0" eaLnBrk="1" latinLnBrk="0" hangingPunct="1">
         <a:spcBef>
           <a:spcPts val="1000"/>
         </a:spcBef>
         <a:spcAft>
-          <a:spcPts val="200"/>
+          <a:spcPts val="0"/>
         </a:spcAft>
-        <a:buFont typeface="Franklin Gothic Book" panose="020B0503020102020204" pitchFamily="34" charset="0"/>
-        <a:buChar char="■"/>
-        <a:defRPr sz="2000" kern="1200" baseline="0">
+        <a:buClr>
+          <a:schemeClr val="accent1"/>
+        </a:buClr>
+        <a:buSzPct val="80000"/>
+        <a:buFont typeface="Wingdings 3" charset="2"/>
+        <a:buChar char=""/>
+        <a:defRPr sz="1800" kern="1200">
           <a:solidFill>
-            <a:schemeClr val="tx2"/>
+            <a:schemeClr val="tx1">
+              <a:lumMod val="75000"/>
+              <a:lumOff val="25000"/>
+            </a:schemeClr>
           </a:solidFill>
           <a:latin typeface="+mn-lt"/>
           <a:ea typeface="+mn-ea"/>
           <a:cs typeface="+mn-cs"/>
         </a:defRPr>
       </a:lvl1pPr>
-      <a:lvl2pPr marL="914400" indent="-384048" algn="l" defTabSz="914400" rtl="0" eaLnBrk="1" latinLnBrk="0" hangingPunct="1">
-        <a:lnSpc>
-          <a:spcPct val="94000"/>
-        </a:lnSpc>
+      <a:lvl2pPr marL="742950" indent="-285750" algn="l" defTabSz="457200" rtl="0" eaLnBrk="1" latinLnBrk="0" hangingPunct="1">
         <a:spcBef>
-          <a:spcPts val="500"/>
+          <a:spcPts val="1000"/>
         </a:spcBef>
         <a:spcAft>
-          <a:spcPts val="200"/>
+          <a:spcPts val="0"/>
         </a:spcAft>
-        <a:buFont typeface="Franklin Gothic Book" panose="020B0503020102020204" pitchFamily="34" charset="0"/>
-        <a:buChar char="–"/>
-        <a:defRPr sz="2000" i="1" kern="1200" baseline="0">
+        <a:buClr>
+          <a:schemeClr val="accent1"/>
+        </a:buClr>
+        <a:buSzPct val="80000"/>
+        <a:buFont typeface="Wingdings 3" charset="2"/>
+        <a:buChar char=""/>
+        <a:defRPr sz="1600" kern="1200">
           <a:solidFill>
-            <a:schemeClr val="tx2"/>
+            <a:schemeClr val="tx1">
+              <a:lumMod val="75000"/>
+              <a:lumOff val="25000"/>
+            </a:schemeClr>
           </a:solidFill>
           <a:latin typeface="+mn-lt"/>
           <a:ea typeface="+mn-ea"/>
           <a:cs typeface="+mn-cs"/>
         </a:defRPr>
       </a:lvl2pPr>
-      <a:lvl3pPr marL="1371600" indent="-384048" algn="l" defTabSz="914400" rtl="0" eaLnBrk="1" latinLnBrk="0" hangingPunct="1">
-        <a:lnSpc>
-          <a:spcPct val="94000"/>
-        </a:lnSpc>
+      <a:lvl3pPr marL="1143000" indent="-228600" algn="l" defTabSz="457200" rtl="0" eaLnBrk="1" latinLnBrk="0" hangingPunct="1">
         <a:spcBef>
-          <a:spcPts val="500"/>
+          <a:spcPts val="1000"/>
         </a:spcBef>
         <a:spcAft>
-          <a:spcPts val="200"/>
+          <a:spcPts val="0"/>
         </a:spcAft>
-        <a:buFont typeface="Franklin Gothic Book" panose="020B0503020102020204" pitchFamily="34" charset="0"/>
-        <a:buChar char="■"/>
-        <a:defRPr sz="1800" kern="1200" baseline="0">
+        <a:buClr>
+          <a:schemeClr val="accent1"/>
+        </a:buClr>
+        <a:buSzPct val="80000"/>
+        <a:buFont typeface="Wingdings 3" charset="2"/>
+        <a:buChar char=""/>
+        <a:defRPr sz="1400" kern="1200">
           <a:solidFill>
-            <a:schemeClr val="tx2"/>
+            <a:schemeClr val="tx1">
+              <a:lumMod val="75000"/>
+              <a:lumOff val="25000"/>
+            </a:schemeClr>
           </a:solidFill>
           <a:latin typeface="+mn-lt"/>
           <a:ea typeface="+mn-ea"/>
           <a:cs typeface="+mn-cs"/>
         </a:defRPr>
       </a:lvl3pPr>
-      <a:lvl4pPr marL="1828800" indent="-384048" algn="l" defTabSz="914400" rtl="0" eaLnBrk="1" latinLnBrk="0" hangingPunct="1">
-        <a:lnSpc>
-          <a:spcPct val="94000"/>
-        </a:lnSpc>
+      <a:lvl4pPr marL="1600200" indent="-228600" algn="l" defTabSz="457200" rtl="0" eaLnBrk="1" latinLnBrk="0" hangingPunct="1">
         <a:spcBef>
-          <a:spcPts val="500"/>
+          <a:spcPts val="1000"/>
         </a:spcBef>
         <a:spcAft>
-          <a:spcPts val="200"/>
+          <a:spcPts val="0"/>
         </a:spcAft>
-        <a:buFont typeface="Franklin Gothic Book" panose="020B0503020102020204" pitchFamily="34" charset="0"/>
-        <a:buChar char="–"/>
-        <a:defRPr sz="1800" i="1" kern="1200" baseline="0">
+        <a:buClr>
+          <a:schemeClr val="accent1"/>
+        </a:buClr>
+        <a:buSzPct val="80000"/>
+        <a:buFont typeface="Wingdings 3" charset="2"/>
+        <a:buChar char=""/>
+        <a:defRPr sz="1200" kern="1200">
           <a:solidFill>
-            <a:schemeClr val="tx2"/>
+            <a:schemeClr val="tx1">
+              <a:lumMod val="75000"/>
+              <a:lumOff val="25000"/>
+            </a:schemeClr>
           </a:solidFill>
           <a:latin typeface="+mn-lt"/>
           <a:ea typeface="+mn-ea"/>
           <a:cs typeface="+mn-cs"/>
         </a:defRPr>
       </a:lvl4pPr>
-      <a:lvl5pPr marL="2286000" indent="-384048" algn="l" defTabSz="914400" rtl="0" eaLnBrk="1" latinLnBrk="0" hangingPunct="1">
-        <a:lnSpc>
-          <a:spcPct val="94000"/>
-        </a:lnSpc>
+      <a:lvl5pPr marL="2057400" indent="-228600" algn="l" defTabSz="457200" rtl="0" eaLnBrk="1" latinLnBrk="0" hangingPunct="1">
         <a:spcBef>
-          <a:spcPts val="500"/>
+          <a:spcPts val="1000"/>
         </a:spcBef>
         <a:spcAft>
-          <a:spcPts val="200"/>
+          <a:spcPts val="0"/>
         </a:spcAft>
-        <a:buFont typeface="Franklin Gothic Book" panose="020B0503020102020204" pitchFamily="34" charset="0"/>
-        <a:buChar char="■"/>
-        <a:defRPr sz="1600" kern="1200" baseline="0">
+        <a:buClr>
+          <a:schemeClr val="accent1"/>
+        </a:buClr>
+        <a:buSzPct val="80000"/>
+        <a:buFont typeface="Wingdings 3" charset="2"/>
+        <a:buChar char=""/>
+        <a:defRPr sz="1200" kern="1200">
           <a:solidFill>
-            <a:schemeClr val="tx2"/>
+            <a:schemeClr val="tx1">
+              <a:lumMod val="75000"/>
+              <a:lumOff val="25000"/>
+            </a:schemeClr>
           </a:solidFill>
           <a:latin typeface="+mn-lt"/>
           <a:ea typeface="+mn-ea"/>
           <a:cs typeface="+mn-cs"/>
         </a:defRPr>
       </a:lvl5pPr>
-      <a:lvl6pPr marL="2743200" indent="-384048" algn="l" defTabSz="914400" rtl="0" eaLnBrk="1" latinLnBrk="0" hangingPunct="1">
-        <a:lnSpc>
-          <a:spcPct val="94000"/>
-        </a:lnSpc>
+      <a:lvl6pPr marL="2514600" indent="-228600" algn="l" defTabSz="457200" rtl="0" eaLnBrk="1" latinLnBrk="0" hangingPunct="1">
         <a:spcBef>
-          <a:spcPts val="500"/>
+          <a:spcPts val="1000"/>
         </a:spcBef>
         <a:spcAft>
-          <a:spcPts val="200"/>
+          <a:spcPts val="0"/>
         </a:spcAft>
-        <a:buFont typeface="Franklin Gothic Book" panose="020B0503020102020204" pitchFamily="34" charset="0"/>
-        <a:buChar char="–"/>
-        <a:defRPr sz="1600" i="1" kern="1200" baseline="0">
+        <a:buClr>
+          <a:schemeClr val="accent1"/>
+        </a:buClr>
+        <a:buSzPct val="80000"/>
+        <a:buFont typeface="Wingdings 3" charset="2"/>
+        <a:buChar char=""/>
+        <a:defRPr sz="1200" kern="1200">
           <a:solidFill>
-            <a:schemeClr val="tx2"/>
+            <a:schemeClr val="tx1">
+              <a:lumMod val="75000"/>
+              <a:lumOff val="25000"/>
+            </a:schemeClr>
           </a:solidFill>
           <a:latin typeface="+mn-lt"/>
           <a:ea typeface="+mn-ea"/>
           <a:cs typeface="+mn-cs"/>
         </a:defRPr>
       </a:lvl6pPr>
-      <a:lvl7pPr marL="3200400" indent="-384048" algn="l" defTabSz="914400" rtl="0" eaLnBrk="1" latinLnBrk="0" hangingPunct="1">
-        <a:lnSpc>
-          <a:spcPct val="94000"/>
-        </a:lnSpc>
+      <a:lvl7pPr marL="2971800" indent="-228600" algn="l" defTabSz="457200" rtl="0" eaLnBrk="1" latinLnBrk="0" hangingPunct="1">
         <a:spcBef>
-          <a:spcPts val="500"/>
+          <a:spcPts val="1000"/>
         </a:spcBef>
         <a:spcAft>
-          <a:spcPts val="200"/>
+          <a:spcPts val="0"/>
         </a:spcAft>
-        <a:buFont typeface="Franklin Gothic Book" panose="020B0503020102020204" pitchFamily="34" charset="0"/>
-        <a:buChar char="■"/>
-        <a:defRPr sz="1400" kern="1200" baseline="0">
+        <a:buClr>
+          <a:schemeClr val="accent1"/>
+        </a:buClr>
+        <a:buSzPct val="80000"/>
+        <a:buFont typeface="Wingdings 3" charset="2"/>
+        <a:buChar char=""/>
+        <a:defRPr sz="1200" kern="1200">
           <a:solidFill>
-            <a:schemeClr val="tx2"/>
+            <a:schemeClr val="tx1">
+              <a:lumMod val="75000"/>
+              <a:lumOff val="25000"/>
+            </a:schemeClr>
           </a:solidFill>
           <a:latin typeface="+mn-lt"/>
           <a:ea typeface="+mn-ea"/>
           <a:cs typeface="+mn-cs"/>
         </a:defRPr>
       </a:lvl7pPr>
-      <a:lvl8pPr marL="3657600" indent="-384048" algn="l" defTabSz="914400" rtl="0" eaLnBrk="1" latinLnBrk="0" hangingPunct="1">
-        <a:lnSpc>
-          <a:spcPct val="94000"/>
-        </a:lnSpc>
+      <a:lvl8pPr marL="3429000" indent="-228600" algn="l" defTabSz="457200" rtl="0" eaLnBrk="1" latinLnBrk="0" hangingPunct="1">
         <a:spcBef>
-          <a:spcPts val="500"/>
+          <a:spcPts val="1000"/>
         </a:spcBef>
         <a:spcAft>
-          <a:spcPts val="200"/>
+          <a:spcPts val="0"/>
         </a:spcAft>
-        <a:buFont typeface="Franklin Gothic Book" panose="020B0503020102020204" pitchFamily="34" charset="0"/>
-        <a:buChar char="–"/>
-        <a:defRPr sz="1400" i="1" kern="1200" baseline="0">
+        <a:buClr>
+          <a:schemeClr val="accent1"/>
+        </a:buClr>
+        <a:buSzPct val="80000"/>
+        <a:buFont typeface="Wingdings 3" charset="2"/>
+        <a:buChar char=""/>
+        <a:defRPr sz="1200" kern="1200">
           <a:solidFill>
-            <a:schemeClr val="tx2"/>
+            <a:schemeClr val="tx1">
+              <a:lumMod val="75000"/>
+              <a:lumOff val="25000"/>
+            </a:schemeClr>
           </a:solidFill>
           <a:latin typeface="+mn-lt"/>
           <a:ea typeface="+mn-ea"/>
           <a:cs typeface="+mn-cs"/>
         </a:defRPr>
       </a:lvl8pPr>
-      <a:lvl9pPr marL="4114800" indent="-384048" algn="l" defTabSz="914400" rtl="0" eaLnBrk="1" latinLnBrk="0" hangingPunct="1">
-        <a:lnSpc>
-          <a:spcPct val="94000"/>
-        </a:lnSpc>
+      <a:lvl9pPr marL="3886200" indent="-228600" algn="l" defTabSz="457200" rtl="0" eaLnBrk="1" latinLnBrk="0" hangingPunct="1">
         <a:spcBef>
-          <a:spcPts val="500"/>
+          <a:spcPts val="1000"/>
         </a:spcBef>
         <a:spcAft>
-          <a:spcPts val="200"/>
+          <a:spcPts val="0"/>
         </a:spcAft>
-        <a:buFont typeface="Franklin Gothic Book" panose="020B0503020102020204" pitchFamily="34" charset="0"/>
-        <a:buChar char="■"/>
-        <a:defRPr sz="1400" kern="1200" baseline="0">
+        <a:buClr>
+          <a:schemeClr val="accent1"/>
+        </a:buClr>
+        <a:buSzPct val="80000"/>
+        <a:buFont typeface="Wingdings 3" charset="2"/>
+        <a:buChar char=""/>
+        <a:defRPr sz="1200" kern="1200">
           <a:solidFill>
-            <a:schemeClr val="tx2"/>
+            <a:schemeClr val="tx1">
+              <a:lumMod val="75000"/>
+              <a:lumOff val="25000"/>
+            </a:schemeClr>
           </a:solidFill>
           <a:latin typeface="+mn-lt"/>
           <a:ea typeface="+mn-ea"/>
@@ -3694,7 +5712,7 @@
       <a:defPPr>
         <a:defRPr lang="en-US"/>
       </a:defPPr>
-      <a:lvl1pPr marL="0" algn="l" defTabSz="914400" rtl="0" eaLnBrk="1" latinLnBrk="0" hangingPunct="1">
+      <a:lvl1pPr marL="0" algn="l" defTabSz="457200" rtl="0" eaLnBrk="1" latinLnBrk="0" hangingPunct="1">
         <a:defRPr sz="1800" kern="1200">
           <a:solidFill>
             <a:schemeClr val="tx1"/>
@@ -3704,7 +5722,7 @@
           <a:cs typeface="+mn-cs"/>
         </a:defRPr>
       </a:lvl1pPr>
-      <a:lvl2pPr marL="457200" algn="l" defTabSz="914400" rtl="0" eaLnBrk="1" latinLnBrk="0" hangingPunct="1">
+      <a:lvl2pPr marL="457200" algn="l" defTabSz="457200" rtl="0" eaLnBrk="1" latinLnBrk="0" hangingPunct="1">
         <a:defRPr sz="1800" kern="1200">
           <a:solidFill>
             <a:schemeClr val="tx1"/>
@@ -3714,7 +5732,7 @@
           <a:cs typeface="+mn-cs"/>
         </a:defRPr>
       </a:lvl2pPr>
-      <a:lvl3pPr marL="914400" algn="l" defTabSz="914400" rtl="0" eaLnBrk="1" latinLnBrk="0" hangingPunct="1">
+      <a:lvl3pPr marL="914400" algn="l" defTabSz="457200" rtl="0" eaLnBrk="1" latinLnBrk="0" hangingPunct="1">
         <a:defRPr sz="1800" kern="1200">
           <a:solidFill>
             <a:schemeClr val="tx1"/>
@@ -3724,7 +5742,7 @@
           <a:cs typeface="+mn-cs"/>
         </a:defRPr>
       </a:lvl3pPr>
-      <a:lvl4pPr marL="1371600" algn="l" defTabSz="914400" rtl="0" eaLnBrk="1" latinLnBrk="0" hangingPunct="1">
+      <a:lvl4pPr marL="1371600" algn="l" defTabSz="457200" rtl="0" eaLnBrk="1" latinLnBrk="0" hangingPunct="1">
         <a:defRPr sz="1800" kern="1200">
           <a:solidFill>
             <a:schemeClr val="tx1"/>
@@ -3734,7 +5752,7 @@
           <a:cs typeface="+mn-cs"/>
         </a:defRPr>
       </a:lvl4pPr>
-      <a:lvl5pPr marL="1828800" algn="l" defTabSz="914400" rtl="0" eaLnBrk="1" latinLnBrk="0" hangingPunct="1">
+      <a:lvl5pPr marL="1828800" algn="l" defTabSz="457200" rtl="0" eaLnBrk="1" latinLnBrk="0" hangingPunct="1">
         <a:defRPr sz="1800" kern="1200">
           <a:solidFill>
             <a:schemeClr val="tx1"/>
@@ -3744,7 +5762,7 @@
           <a:cs typeface="+mn-cs"/>
         </a:defRPr>
       </a:lvl5pPr>
-      <a:lvl6pPr marL="2286000" algn="l" defTabSz="914400" rtl="0" eaLnBrk="1" latinLnBrk="0" hangingPunct="1">
+      <a:lvl6pPr marL="2286000" algn="l" defTabSz="457200" rtl="0" eaLnBrk="1" latinLnBrk="0" hangingPunct="1">
         <a:defRPr sz="1800" kern="1200">
           <a:solidFill>
             <a:schemeClr val="tx1"/>
@@ -3754,7 +5772,7 @@
           <a:cs typeface="+mn-cs"/>
         </a:defRPr>
       </a:lvl6pPr>
-      <a:lvl7pPr marL="2743200" algn="l" defTabSz="914400" rtl="0" eaLnBrk="1" latinLnBrk="0" hangingPunct="1">
+      <a:lvl7pPr marL="2743200" algn="l" defTabSz="457200" rtl="0" eaLnBrk="1" latinLnBrk="0" hangingPunct="1">
         <a:defRPr sz="1800" kern="1200">
           <a:solidFill>
             <a:schemeClr val="tx1"/>
@@ -3764,7 +5782,7 @@
           <a:cs typeface="+mn-cs"/>
         </a:defRPr>
       </a:lvl7pPr>
-      <a:lvl8pPr marL="3200400" algn="l" defTabSz="914400" rtl="0" eaLnBrk="1" latinLnBrk="0" hangingPunct="1">
+      <a:lvl8pPr marL="3200400" algn="l" defTabSz="457200" rtl="0" eaLnBrk="1" latinLnBrk="0" hangingPunct="1">
         <a:defRPr sz="1800" kern="1200">
           <a:solidFill>
             <a:schemeClr val="tx1"/>
@@ -3774,7 +5792,7 @@
           <a:cs typeface="+mn-cs"/>
         </a:defRPr>
       </a:lvl8pPr>
-      <a:lvl9pPr marL="3657600" algn="l" defTabSz="914400" rtl="0" eaLnBrk="1" latinLnBrk="0" hangingPunct="1">
+      <a:lvl9pPr marL="3657600" algn="l" defTabSz="457200" rtl="0" eaLnBrk="1" latinLnBrk="0" hangingPunct="1">
         <a:defRPr sz="1800" kern="1200">
           <a:solidFill>
             <a:schemeClr val="tx1"/>
@@ -3786,50 +5804,9 @@
       </a:lvl9pPr>
     </p:otherStyle>
   </p:txStyles>
-  <p:extLst mod="1">
+  <p:extLst>
     <p:ext uri="{27BBF7A9-308A-43DC-89C8-2F10F3537804}">
-      <p15:sldGuideLst xmlns:p15="http://schemas.microsoft.com/office/powerpoint/2012/main">
-        <p15:guide id="3" orient="horz" pos="1368">
-          <p15:clr>
-            <a:srgbClr val="F26B43"/>
-          </p15:clr>
-        </p15:guide>
-        <p15:guide id="4" orient="horz" pos="1440">
-          <p15:clr>
-            <a:srgbClr val="F26B43"/>
-          </p15:clr>
-        </p15:guide>
-        <p15:guide id="6" orient="horz" pos="3696">
-          <p15:clr>
-            <a:srgbClr val="F26B43"/>
-          </p15:clr>
-        </p15:guide>
-        <p15:guide id="7" orient="horz" pos="432">
-          <p15:clr>
-            <a:srgbClr val="F26B43"/>
-          </p15:clr>
-        </p15:guide>
-        <p15:guide id="8" orient="horz" pos="1512">
-          <p15:clr>
-            <a:srgbClr val="F26B43"/>
-          </p15:clr>
-        </p15:guide>
-        <p15:guide id="9" pos="6912">
-          <p15:clr>
-            <a:srgbClr val="F26B43"/>
-          </p15:clr>
-        </p15:guide>
-        <p15:guide id="10" pos="936">
-          <p15:clr>
-            <a:srgbClr val="F26B43"/>
-          </p15:clr>
-        </p15:guide>
-        <p15:guide id="11" pos="864">
-          <p15:clr>
-            <a:srgbClr val="F26B43"/>
-          </p15:clr>
-        </p15:guide>
-      </p15:sldGuideLst>
+      <p15:sldGuideLst xmlns:p15="http://schemas.microsoft.com/office/powerpoint/2012/main"/>
     </p:ext>
   </p:extLst>
 </p:sldMaster>
@@ -3854,7 +5831,7 @@
       </p:grpSpPr>
       <p:sp>
         <p:nvSpPr>
-          <p:cNvPr id="2" name="Cím 1"/>
+          <p:cNvPr id="5" name="Cím 4"/>
           <p:cNvSpPr>
             <a:spLocks noGrp="1"/>
           </p:cNvSpPr>
@@ -3862,18 +5839,28 @@
             <p:ph type="ctrTitle"/>
           </p:nvPr>
         </p:nvSpPr>
-        <p:spPr/>
-        <p:txBody>
-          <a:bodyPr/>
-          <a:lstStyle/>
-          <a:p>
-            <a:endParaRPr lang="hu-HU"/>
-          </a:p>
-        </p:txBody>
-      </p:sp>
-      <p:sp>
-        <p:nvSpPr>
-          <p:cNvPr id="3" name="Alcím 2"/>
+        <p:spPr>
+          <a:xfrm>
+            <a:off x="1507067" y="2404531"/>
+            <a:ext cx="7766936" cy="1646302"/>
+          </a:xfrm>
+        </p:spPr>
+        <p:txBody>
+          <a:bodyPr/>
+          <a:lstStyle/>
+          <a:p>
+            <a:pPr algn="ctr"/>
+            <a:r>
+              <a:rPr lang="hu-HU" dirty="0" smtClean="0"/>
+              <a:t>Microsoft</a:t>
+            </a:r>
+            <a:endParaRPr lang="hu-HU" dirty="0"/>
+          </a:p>
+        </p:txBody>
+      </p:sp>
+      <p:sp>
+        <p:nvSpPr>
+          <p:cNvPr id="6" name="Alcím 5"/>
           <p:cNvSpPr>
             <a:spLocks noGrp="1"/>
           </p:cNvSpPr>
@@ -3900,6 +5887,13 @@
   <p:clrMapOvr>
     <a:masterClrMapping/>
   </p:clrMapOvr>
+  <p:timing>
+    <p:tnLst>
+      <p:par>
+        <p:cTn id="1" dur="indefinite" restart="never" nodeType="tmRoot"/>
+      </p:par>
+    </p:tnLst>
+  </p:timing>
 </p:sld>
 </file>
 
@@ -4155,7 +6149,11 @@
           <a:bodyPr/>
           <a:lstStyle/>
           <a:p>
-            <a:endParaRPr lang="hu-HU"/>
+            <a:r>
+              <a:rPr lang="hu-HU" dirty="0" smtClean="0"/>
+              <a:t>Megalapítása</a:t>
+            </a:r>
+            <a:endParaRPr lang="hu-HU" dirty="0"/>
           </a:p>
         </p:txBody>
       </p:sp>
@@ -4174,7 +6172,47 @@
           <a:bodyPr/>
           <a:lstStyle/>
           <a:p>
-            <a:endParaRPr lang="hu-HU"/>
+            <a:r>
+              <a:rPr lang="hu-HU" sz="2400" dirty="0" smtClean="0"/>
+              <a:t>Új-Mexikó, 1975 Bill </a:t>
+            </a:r>
+            <a:r>
+              <a:rPr lang="hu-HU" sz="2400" dirty="0" err="1" smtClean="0"/>
+              <a:t>Gates</a:t>
+            </a:r>
+            <a:r>
+              <a:rPr lang="hu-HU" sz="2400" dirty="0" smtClean="0"/>
+              <a:t> és Paul Allen</a:t>
+            </a:r>
+          </a:p>
+          <a:p>
+            <a:r>
+              <a:rPr lang="hu-HU" sz="2400" dirty="0" smtClean="0"/>
+              <a:t>Micro-</a:t>
+            </a:r>
+            <a:r>
+              <a:rPr lang="hu-HU" sz="2400" dirty="0" err="1" smtClean="0"/>
+              <a:t>soft</a:t>
+            </a:r>
+            <a:r>
+              <a:rPr lang="hu-HU" sz="2400" dirty="0" smtClean="0"/>
+              <a:t> néven alapították meg a </a:t>
+            </a:r>
+            <a:r>
+              <a:rPr lang="hu-HU" sz="2400" dirty="0" err="1" smtClean="0"/>
+              <a:t>microcomputer</a:t>
+            </a:r>
+            <a:r>
+              <a:rPr lang="hu-HU" sz="2400" dirty="0" smtClean="0"/>
+              <a:t> és a software szak összevonásából</a:t>
+            </a:r>
+          </a:p>
+          <a:p>
+            <a:r>
+              <a:rPr lang="hu-HU" sz="2400" dirty="0" smtClean="0"/>
+              <a:t>1976 november 26.-án vált bejegyzett védjeggyé</a:t>
+            </a:r>
+            <a:endParaRPr lang="hu-HU" dirty="0"/>
           </a:p>
         </p:txBody>
       </p:sp>
@@ -4188,6 +6226,13 @@
   <p:clrMapOvr>
     <a:masterClrMapping/>
   </p:clrMapOvr>
+  <p:timing>
+    <p:tnLst>
+      <p:par>
+        <p:cTn id="1" dur="indefinite" restart="never" nodeType="tmRoot"/>
+      </p:par>
+    </p:tnLst>
+  </p:timing>
 </p:sld>
 </file>
 
@@ -4223,7 +6268,11 @@
           <a:bodyPr/>
           <a:lstStyle/>
           <a:p>
-            <a:endParaRPr lang="hu-HU"/>
+            <a:r>
+              <a:rPr lang="hu-HU" dirty="0" smtClean="0"/>
+              <a:t>Microsoft BASIC</a:t>
+            </a:r>
+            <a:endParaRPr lang="hu-HU" dirty="0"/>
           </a:p>
         </p:txBody>
       </p:sp>
@@ -4239,10 +6288,40 @@
         </p:nvSpPr>
         <p:spPr/>
         <p:txBody>
-          <a:bodyPr/>
-          <a:lstStyle/>
-          <a:p>
-            <a:endParaRPr lang="hu-HU"/>
+          <a:bodyPr>
+            <a:normAutofit/>
+          </a:bodyPr>
+          <a:lstStyle/>
+          <a:p>
+            <a:r>
+              <a:rPr lang="hu-HU" sz="2400" dirty="0" smtClean="0"/>
+              <a:t>K</a:t>
+            </a:r>
+            <a:r>
+              <a:rPr lang="hu-HU" sz="2400" dirty="0" smtClean="0"/>
+              <a:t>ezdetben BASIC-fordítóprogramokat fejlesztettek és árusítottak</a:t>
+            </a:r>
+          </a:p>
+          <a:p>
+            <a:r>
+              <a:rPr lang="hu-HU" sz="2400" dirty="0" smtClean="0"/>
+              <a:t>Ahogy nőtt a BASIC népszerűsége más gyártók átvettek </a:t>
+            </a:r>
+            <a:r>
+              <a:rPr lang="hu-HU" sz="2400" dirty="0"/>
+              <a:t>a szintaxisát, hogy megőrizzék a már létező Microsoft BASIC-implementációkkal a </a:t>
+            </a:r>
+            <a:r>
+              <a:rPr lang="hu-HU" sz="2400" dirty="0" smtClean="0"/>
+              <a:t>kompatibilitást</a:t>
+            </a:r>
+          </a:p>
+          <a:p>
+            <a:r>
+              <a:rPr lang="hu-HU" sz="2400" dirty="0" smtClean="0"/>
+              <a:t>Microsoft BASIC szabványossá vált</a:t>
+            </a:r>
+            <a:endParaRPr lang="hu-HU" sz="2400" dirty="0"/>
           </a:p>
         </p:txBody>
       </p:sp>
@@ -4256,6 +6335,13 @@
   <p:clrMapOvr>
     <a:masterClrMapping/>
   </p:clrMapOvr>
+  <p:timing>
+    <p:tnLst>
+      <p:par>
+        <p:cTn id="1" dur="indefinite" restart="never" nodeType="tmRoot"/>
+      </p:par>
+    </p:tnLst>
+  </p:timing>
 </p:sld>
 </file>
 
@@ -4291,6 +6377,33 @@
           <a:bodyPr/>
           <a:lstStyle/>
           <a:p>
+            <a:r>
+              <a:rPr lang="hu-HU" dirty="0" smtClean="0"/>
+              <a:t>Bill </a:t>
+            </a:r>
+            <a:r>
+              <a:rPr lang="hu-HU" dirty="0" err="1" smtClean="0"/>
+              <a:t>Gates</a:t>
+            </a:r>
+            <a:r>
+              <a:rPr lang="hu-HU" dirty="0" smtClean="0"/>
+              <a:t/>
+            </a:r>
+            <a:br>
+              <a:rPr lang="hu-HU" dirty="0" smtClean="0"/>
+            </a:br>
+            <a:r>
+              <a:rPr lang="hu-HU" dirty="0" smtClean="0"/>
+              <a:t>(Henry William </a:t>
+            </a:r>
+            <a:r>
+              <a:rPr lang="hu-HU" dirty="0" err="1" smtClean="0"/>
+              <a:t>Gates</a:t>
+            </a:r>
+            <a:r>
+              <a:rPr lang="hu-HU" smtClean="0"/>
+              <a:t> III.)</a:t>
+            </a:r>
             <a:endParaRPr lang="hu-HU"/>
           </a:p>
         </p:txBody>
@@ -4324,6 +6437,13 @@
   <p:clrMapOvr>
     <a:masterClrMapping/>
   </p:clrMapOvr>
+  <p:timing>
+    <p:tnLst>
+      <p:par>
+        <p:cTn id="1" dur="indefinite" restart="never" nodeType="tmRoot"/>
+      </p:par>
+    </p:tnLst>
+  </p:timing>
 </p:sld>
 </file>
 
@@ -4668,9 +6788,9 @@
 </file>
 
 <file path=ppt/theme/theme1.xml><?xml version="1.0" encoding="utf-8"?>
-<a:theme xmlns:a="http://schemas.openxmlformats.org/drawingml/2006/main" name="Crop">
+<a:theme xmlns:a="http://schemas.openxmlformats.org/drawingml/2006/main" name="Fazetta">
   <a:themeElements>
-    <a:clrScheme name="Crop">
+    <a:clrScheme name="Fazetta">
       <a:dk1>
         <a:sysClr val="windowText" lastClr="000000"/>
       </a:dk1>
@@ -4678,48 +6798,48 @@
         <a:sysClr val="window" lastClr="FFFFFF"/>
       </a:lt1>
       <a:dk2>
-        <a:srgbClr val="191B0E"/>
+        <a:srgbClr val="2C3C43"/>
       </a:dk2>
       <a:lt2>
-        <a:srgbClr val="EFEDE3"/>
+        <a:srgbClr val="EBEBEB"/>
       </a:lt2>
       <a:accent1>
-        <a:srgbClr val="8C8D86"/>
+        <a:srgbClr val="90C226"/>
       </a:accent1>
       <a:accent2>
-        <a:srgbClr val="E6C069"/>
+        <a:srgbClr val="54A021"/>
       </a:accent2>
       <a:accent3>
-        <a:srgbClr val="897B61"/>
+        <a:srgbClr val="E6B91E"/>
       </a:accent3>
       <a:accent4>
-        <a:srgbClr val="8DAB8E"/>
+        <a:srgbClr val="E76618"/>
       </a:accent4>
       <a:accent5>
-        <a:srgbClr val="77A2BB"/>
+        <a:srgbClr val="C42F1A"/>
       </a:accent5>
       <a:accent6>
-        <a:srgbClr val="E28394"/>
+        <a:srgbClr val="918655"/>
       </a:accent6>
       <a:hlink>
-        <a:srgbClr val="77A2BB"/>
+        <a:srgbClr val="99CA3C"/>
       </a:hlink>
       <a:folHlink>
-        <a:srgbClr val="957A99"/>
+        <a:srgbClr val="B9D181"/>
       </a:folHlink>
     </a:clrScheme>
-    <a:fontScheme name="Crop">
+    <a:fontScheme name="Fazetta">
       <a:majorFont>
-        <a:latin typeface="Franklin Gothic Book" panose="020B0503020102020204"/>
+        <a:latin typeface="Trebuchet MS" panose="020B0603020202020204"/>
         <a:ea typeface=""/>
         <a:cs typeface=""/>
         <a:font script="Jpan" typeface="メイリオ"/>
-        <a:font script="Hang" typeface="돋움"/>
-        <a:font script="Hans" typeface="华文楷体"/>
+        <a:font script="Hang" typeface="맑은 고딕"/>
+        <a:font script="Hans" typeface="方正姚体"/>
         <a:font script="Hant" typeface="微軟正黑體"/>
         <a:font script="Arab" typeface="Tahoma"/>
-        <a:font script="Hebr" typeface="Aharoni"/>
-        <a:font script="Thai" typeface="LilyUPC"/>
+        <a:font script="Hebr" typeface="Arial"/>
+        <a:font script="Thai" typeface="Cordia New"/>
         <a:font script="Ethi" typeface="Nyala"/>
         <a:font script="Beng" typeface="Vrinda"/>
         <a:font script="Gujr" typeface="Shruti"/>
@@ -4745,16 +6865,16 @@
         <a:font script="Geor" typeface="Sylfaen"/>
       </a:majorFont>
       <a:minorFont>
-        <a:latin typeface="Franklin Gothic Book" panose="020B0503020102020204"/>
+        <a:latin typeface="Trebuchet MS" panose="020B0603020202020204"/>
         <a:ea typeface=""/>
         <a:cs typeface=""/>
         <a:font script="Jpan" typeface="メイリオ"/>
-        <a:font script="Hang" typeface="돋움"/>
-        <a:font script="Hans" typeface="华文楷体"/>
+        <a:font script="Hang" typeface="HY그래픽M"/>
+        <a:font script="Hans" typeface="华文新魏"/>
         <a:font script="Hant" typeface="微軟正黑體"/>
         <a:font script="Arab" typeface="Tahoma"/>
-        <a:font script="Hebr" typeface="Aharoni"/>
-        <a:font script="Thai" typeface="LilyUPC"/>
+        <a:font script="Hebr" typeface="Gisha"/>
+        <a:font script="Thai" typeface="IrisUPC"/>
         <a:font script="Ethi" typeface="Nyala"/>
         <a:font script="Beng" typeface="Vrinda"/>
         <a:font script="Gujr" typeface="Shruti"/>
@@ -4775,12 +6895,12 @@
         <a:font script="Laoo" typeface="DokChampa"/>
         <a:font script="Sinh" typeface="Iskoola Pota"/>
         <a:font script="Mong" typeface="Mongolian Baiti"/>
-        <a:font script="Viet" typeface="Tahoma"/>
+        <a:font script="Viet" typeface="Arial"/>
         <a:font script="Uigh" typeface="Microsoft Uighur"/>
         <a:font script="Geor" typeface="Sylfaen"/>
       </a:minorFont>
     </a:fontScheme>
-    <a:fmtScheme name="Crop">
+    <a:fmtScheme name="Fazetta">
       <a:fillStyleLst>
         <a:solidFill>
           <a:schemeClr val="phClr"/>
@@ -4789,23 +6909,13 @@
           <a:gsLst>
             <a:gs pos="0">
               <a:schemeClr val="phClr">
-                <a:tint val="67000"/>
-                <a:satMod val="105000"/>
+                <a:tint val="65000"/>
                 <a:lumMod val="110000"/>
               </a:schemeClr>
             </a:gs>
-            <a:gs pos="50000">
+            <a:gs pos="88000">
               <a:schemeClr val="phClr">
-                <a:tint val="73000"/>
-                <a:satMod val="103000"/>
-                <a:lumMod val="105000"/>
-              </a:schemeClr>
-            </a:gs>
-            <a:gs pos="100000">
-              <a:schemeClr val="phClr">
-                <a:tint val="81000"/>
-                <a:satMod val="109000"/>
-                <a:lumMod val="105000"/>
+                <a:tint val="90000"/>
               </a:schemeClr>
             </a:gs>
           </a:gsLst>
@@ -4815,23 +6925,14 @@
           <a:gsLst>
             <a:gs pos="0">
               <a:schemeClr val="phClr">
-                <a:tint val="94000"/>
-                <a:satMod val="103000"/>
-                <a:lumMod val="102000"/>
-              </a:schemeClr>
-            </a:gs>
-            <a:gs pos="50000">
-              <a:schemeClr val="phClr">
-                <a:shade val="100000"/>
-                <a:satMod val="110000"/>
+                <a:tint val="96000"/>
                 <a:lumMod val="100000"/>
               </a:schemeClr>
             </a:gs>
-            <a:gs pos="100000">
+            <a:gs pos="78000">
               <a:schemeClr val="phClr">
-                <a:shade val="78000"/>
-                <a:satMod val="120000"/>
-                <a:lumMod val="99000"/>
+                <a:shade val="94000"/>
+                <a:lumMod val="94000"/>
               </a:schemeClr>
             </a:gs>
           </a:gsLst>
@@ -4839,19 +6940,19 @@
         </a:gradFill>
       </a:fillStyleLst>
       <a:lnStyleLst>
-        <a:ln w="6350" cap="flat" cmpd="sng" algn="in">
+        <a:ln w="12700" cap="rnd" cmpd="sng" algn="ctr">
           <a:solidFill>
             <a:schemeClr val="phClr"/>
           </a:solidFill>
           <a:prstDash val="solid"/>
         </a:ln>
-        <a:ln w="34925" cap="flat" cmpd="sng" algn="in">
+        <a:ln w="19050" cap="rnd" cmpd="sng" algn="ctr">
           <a:solidFill>
             <a:schemeClr val="phClr"/>
           </a:solidFill>
           <a:prstDash val="solid"/>
         </a:ln>
-        <a:ln w="19050" cap="flat" cmpd="sng" algn="in">
+        <a:ln w="25400" cap="rnd" cmpd="sng" algn="ctr">
           <a:solidFill>
             <a:schemeClr val="phClr"/>
           </a:solidFill>
@@ -4863,54 +6964,72 @@
           <a:effectLst/>
         </a:effectStyle>
         <a:effectStyle>
-          <a:effectLst/>
-        </a:effectStyle>
-        <a:effectStyle>
           <a:effectLst>
-            <a:outerShdw blurRad="57150" dist="19050" dir="5400000" algn="ctr" rotWithShape="0">
+            <a:outerShdw blurRad="38100" dist="25400" dir="5400000" rotWithShape="0">
               <a:srgbClr val="000000">
                 <a:alpha val="35000"/>
               </a:srgbClr>
             </a:outerShdw>
           </a:effectLst>
         </a:effectStyle>
+        <a:effectStyle>
+          <a:effectLst>
+            <a:outerShdw blurRad="50800" dist="38100" dir="5400000" rotWithShape="0">
+              <a:srgbClr val="000000">
+                <a:alpha val="35000"/>
+              </a:srgbClr>
+            </a:outerShdw>
+          </a:effectLst>
+          <a:scene3d>
+            <a:camera prst="orthographicFront">
+              <a:rot lat="0" lon="0" rev="0"/>
+            </a:camera>
+            <a:lightRig rig="threePt" dir="tl"/>
+          </a:scene3d>
+          <a:sp3d prstMaterial="plastic">
+            <a:bevelT w="0" h="0"/>
+          </a:sp3d>
+        </a:effectStyle>
       </a:effectStyleLst>
       <a:bgFillStyleLst>
         <a:solidFill>
           <a:schemeClr val="phClr"/>
         </a:solidFill>
-        <a:solidFill>
-          <a:schemeClr val="phClr">
-            <a:tint val="95000"/>
-            <a:satMod val="170000"/>
-          </a:schemeClr>
-        </a:solidFill>
         <a:gradFill rotWithShape="1">
           <a:gsLst>
             <a:gs pos="0">
               <a:schemeClr val="phClr">
-                <a:tint val="93000"/>
-                <a:shade val="98000"/>
-                <a:satMod val="150000"/>
-                <a:lumMod val="102000"/>
+                <a:tint val="90000"/>
+                <a:lumMod val="104000"/>
               </a:schemeClr>
             </a:gs>
-            <a:gs pos="50000">
+            <a:gs pos="94000">
               <a:schemeClr val="phClr">
-                <a:tint val="98000"/>
-                <a:shade val="90000"/>
-                <a:satMod val="130000"/>
-                <a:lumMod val="103000"/>
+                <a:shade val="96000"/>
+                <a:lumMod val="82000"/>
+              </a:schemeClr>
+            </a:gs>
+          </a:gsLst>
+          <a:lin ang="5400000" scaled="0"/>
+        </a:gradFill>
+        <a:gradFill rotWithShape="1">
+          <a:gsLst>
+            <a:gs pos="0">
+              <a:schemeClr val="phClr">
+                <a:tint val="90000"/>
+                <a:lumMod val="110000"/>
               </a:schemeClr>
             </a:gs>
             <a:gs pos="100000">
               <a:schemeClr val="phClr">
-                <a:shade val="63000"/>
-                <a:satMod val="120000"/>
+                <a:shade val="94000"/>
+                <a:lumMod val="96000"/>
               </a:schemeClr>
             </a:gs>
           </a:gsLst>
-          <a:lin ang="5400000" scaled="0"/>
+          <a:path path="circle">
+            <a:fillToRect l="50000" t="50000" r="100000" b="100000"/>
+          </a:path>
         </a:gradFill>
       </a:bgFillStyleLst>
     </a:fmtScheme>
@@ -4919,7 +7038,7 @@
   <a:extraClrSchemeLst/>
   <a:extLst>
     <a:ext uri="{05A4C25C-085E-4340-85A3-A5531E510DB2}">
-      <thm15:themeFamily xmlns:thm15="http://schemas.microsoft.com/office/thememl/2012/main" name="Crop" id="{EC9488ED-E761-4D60-9AC4-764D1FE2C171}" vid="{CE19780C-D67D-4C13-9DE9-A52BC3BA51B4}"/>
+      <thm15:themeFamily xmlns:thm15="http://schemas.microsoft.com/office/thememl/2012/main" name="Facet" id="{C0C680CD-088A-49FC-A102-D699147F32B2}" vid="{8C59B386-999D-4CB6-B907-9F3997C027CC}"/>
     </a:ext>
   </a:extLst>
 </a:theme>
